--- a/Azure and Terraform Workshop - Chapter 1.pptx
+++ b/Azure and Terraform Workshop - Chapter 1.pptx
@@ -7,7 +7,7 @@
     <p:sldMasterId id="2147483668" r:id="rId3"/>
   </p:sldMasterIdLst>
   <p:notesMasterIdLst>
-    <p:notesMasterId r:id="rId21"/>
+    <p:notesMasterId r:id="rId43"/>
   </p:notesMasterIdLst>
   <p:sldIdLst>
     <p:sldId id="256" r:id="rId4"/>
@@ -27,6 +27,28 @@
     <p:sldId id="272" r:id="rId18"/>
     <p:sldId id="274" r:id="rId19"/>
     <p:sldId id="275" r:id="rId20"/>
+    <p:sldId id="290" r:id="rId21"/>
+    <p:sldId id="276" r:id="rId22"/>
+    <p:sldId id="277" r:id="rId23"/>
+    <p:sldId id="278" r:id="rId24"/>
+    <p:sldId id="279" r:id="rId25"/>
+    <p:sldId id="280" r:id="rId26"/>
+    <p:sldId id="281" r:id="rId27"/>
+    <p:sldId id="282" r:id="rId28"/>
+    <p:sldId id="283" r:id="rId29"/>
+    <p:sldId id="284" r:id="rId30"/>
+    <p:sldId id="285" r:id="rId31"/>
+    <p:sldId id="286" r:id="rId32"/>
+    <p:sldId id="287" r:id="rId33"/>
+    <p:sldId id="288" r:id="rId34"/>
+    <p:sldId id="289" r:id="rId35"/>
+    <p:sldId id="291" r:id="rId36"/>
+    <p:sldId id="292" r:id="rId37"/>
+    <p:sldId id="293" r:id="rId38"/>
+    <p:sldId id="294" r:id="rId39"/>
+    <p:sldId id="296" r:id="rId40"/>
+    <p:sldId id="297" r:id="rId41"/>
+    <p:sldId id="298" r:id="rId42"/>
   </p:sldIdLst>
   <p:sldSz cx="12192000" cy="6858000"/>
   <p:notesSz cx="6858000" cy="9144000"/>
@@ -537,9 +559,7 @@
           <a:bodyPr/>
           <a:lstStyle/>
           <a:p>
-            <a:r>
-              <a:t>Welcome to the HashiCorp Terraform training course.</a:t>
-            </a:r>
+            <a:endParaRPr dirty="0"/>
           </a:p>
         </p:txBody>
       </p:sp>
@@ -575,7 +595,7 @@
       </p:grpSpPr>
       <p:sp>
         <p:nvSpPr>
-          <p:cNvPr id="815" name="Shape 815"/>
+          <p:cNvPr id="158" name="Shape 158"/>
           <p:cNvSpPr>
             <a:spLocks noGrp="1" noRot="1" noChangeAspect="1"/>
           </p:cNvSpPr>
@@ -584,10 +604,6 @@
           </p:nvPr>
         </p:nvSpPr>
         <p:spPr>
-          <a:xfrm>
-            <a:off x="381000" y="685800"/>
-            <a:ext cx="6096000" cy="3429000"/>
-          </a:xfrm>
           <a:prstGeom prst="rect">
             <a:avLst/>
           </a:prstGeom>
@@ -602,7 +618,7 @@
       </p:sp>
       <p:sp>
         <p:nvSpPr>
-          <p:cNvPr id="816" name="Shape 816"/>
+          <p:cNvPr id="159" name="Shape 159"/>
           <p:cNvSpPr>
             <a:spLocks noGrp="1"/>
           </p:cNvSpPr>
@@ -619,41 +635,14 @@
           <a:bodyPr/>
           <a:lstStyle/>
           <a:p>
-            <a:r>
-              <a:t>How does Terraform respond to these requirements?</a:t>
-            </a:r>
-          </a:p>
-          <a:p>
-            <a:endParaRPr/>
-          </a:p>
-          <a:p>
-            <a:r>
-              <a:t>Terraform's configuration files are intentionally human readable so humans can quickly interpret and understand their infrastructure configuration.</a:t>
-            </a:r>
-          </a:p>
-          <a:p>
-            <a:endParaRPr/>
-          </a:p>
-          <a:p>
-            <a:r>
-              <a:t>But HCL is also fully JSON-compatible for machine-generated configurations.</a:t>
-            </a:r>
-          </a:p>
-          <a:p>
-            <a:endParaRPr/>
-          </a:p>
-          <a:p>
-            <a:endParaRPr/>
-          </a:p>
-          <a:p>
-            <a:endParaRPr/>
+            <a:endParaRPr dirty="0"/>
           </a:p>
         </p:txBody>
       </p:sp>
     </p:spTree>
     <p:extLst>
       <p:ext uri="{BB962C8B-B14F-4D97-AF65-F5344CB8AC3E}">
-        <p14:creationId xmlns:p14="http://schemas.microsoft.com/office/powerpoint/2010/main" val="2059902819"/>
+        <p14:creationId xmlns:p14="http://schemas.microsoft.com/office/powerpoint/2010/main" val="2054417189"/>
       </p:ext>
     </p:extLst>
   </p:cSld>
@@ -682,6 +671,86 @@
       </p:grpSpPr>
       <p:sp>
         <p:nvSpPr>
+          <p:cNvPr id="815" name="Shape 815"/>
+          <p:cNvSpPr>
+            <a:spLocks noGrp="1" noRot="1" noChangeAspect="1"/>
+          </p:cNvSpPr>
+          <p:nvPr>
+            <p:ph type="sldImg"/>
+          </p:nvPr>
+        </p:nvSpPr>
+        <p:spPr>
+          <a:xfrm>
+            <a:off x="381000" y="685800"/>
+            <a:ext cx="6096000" cy="3429000"/>
+          </a:xfrm>
+          <a:prstGeom prst="rect">
+            <a:avLst/>
+          </a:prstGeom>
+        </p:spPr>
+        <p:txBody>
+          <a:bodyPr/>
+          <a:lstStyle/>
+          <a:p>
+            <a:endParaRPr/>
+          </a:p>
+        </p:txBody>
+      </p:sp>
+      <p:sp>
+        <p:nvSpPr>
+          <p:cNvPr id="816" name="Shape 816"/>
+          <p:cNvSpPr>
+            <a:spLocks noGrp="1"/>
+          </p:cNvSpPr>
+          <p:nvPr>
+            <p:ph type="body" sz="quarter" idx="1"/>
+          </p:nvPr>
+        </p:nvSpPr>
+        <p:spPr>
+          <a:prstGeom prst="rect">
+            <a:avLst/>
+          </a:prstGeom>
+        </p:spPr>
+        <p:txBody>
+          <a:bodyPr/>
+          <a:lstStyle/>
+          <a:p>
+            <a:endParaRPr dirty="0"/>
+          </a:p>
+        </p:txBody>
+      </p:sp>
+    </p:spTree>
+    <p:extLst>
+      <p:ext uri="{BB962C8B-B14F-4D97-AF65-F5344CB8AC3E}">
+        <p14:creationId xmlns:p14="http://schemas.microsoft.com/office/powerpoint/2010/main" val="2059902819"/>
+      </p:ext>
+    </p:extLst>
+  </p:cSld>
+  <p:clrMapOvr>
+    <a:masterClrMapping/>
+  </p:clrMapOvr>
+</p:notes>
+</file>
+
+<file path=ppt/notesSlides/notesSlide12.xml><?xml version="1.0" encoding="utf-8"?>
+<p:notes xmlns:a="http://schemas.openxmlformats.org/drawingml/2006/main" xmlns:r="http://schemas.openxmlformats.org/officeDocument/2006/relationships" xmlns:p="http://schemas.openxmlformats.org/presentationml/2006/main">
+  <p:cSld>
+    <p:spTree>
+      <p:nvGrpSpPr>
+        <p:cNvPr id="1" name=""/>
+        <p:cNvGrpSpPr/>
+        <p:nvPr/>
+      </p:nvGrpSpPr>
+      <p:grpSpPr>
+        <a:xfrm>
+          <a:off x="0" y="0"/>
+          <a:ext cx="0" cy="0"/>
+          <a:chOff x="0" y="0"/>
+          <a:chExt cx="0" cy="0"/>
+        </a:xfrm>
+      </p:grpSpPr>
+      <p:sp>
+        <p:nvSpPr>
           <p:cNvPr id="820" name="Shape 820"/>
           <p:cNvSpPr>
             <a:spLocks noGrp="1" noRot="1" noChangeAspect="1"/>
@@ -726,17 +795,7 @@
           <a:bodyPr/>
           <a:lstStyle/>
           <a:p>
-            <a:r>
-              <a:t>Here is an example of Terraform's configuration syntax. Even if you've never worked with Terraform before, it should be clear what operation is taking place here:</a:t>
-            </a:r>
-          </a:p>
-          <a:p>
-            <a:endParaRPr/>
-          </a:p>
-          <a:p>
-            <a:r>
-              <a:t>&gt; Create an AWS instance with the given AMI ID and instance type.</a:t>
-            </a:r>
+            <a:endParaRPr dirty="0"/>
           </a:p>
         </p:txBody>
       </p:sp>
@@ -744,6 +803,550 @@
     <p:extLst>
       <p:ext uri="{BB962C8B-B14F-4D97-AF65-F5344CB8AC3E}">
         <p14:creationId xmlns:p14="http://schemas.microsoft.com/office/powerpoint/2010/main" val="350425453"/>
+      </p:ext>
+    </p:extLst>
+  </p:cSld>
+  <p:clrMapOvr>
+    <a:masterClrMapping/>
+  </p:clrMapOvr>
+</p:notes>
+</file>
+
+<file path=ppt/notesSlides/notesSlide13.xml><?xml version="1.0" encoding="utf-8"?>
+<p:notes xmlns:a="http://schemas.openxmlformats.org/drawingml/2006/main" xmlns:r="http://schemas.openxmlformats.org/officeDocument/2006/relationships" xmlns:p="http://schemas.openxmlformats.org/presentationml/2006/main">
+  <p:cSld>
+    <p:spTree>
+      <p:nvGrpSpPr>
+        <p:cNvPr id="1" name=""/>
+        <p:cNvGrpSpPr/>
+        <p:nvPr/>
+      </p:nvGrpSpPr>
+      <p:grpSpPr>
+        <a:xfrm>
+          <a:off x="0" y="0"/>
+          <a:ext cx="0" cy="0"/>
+          <a:chOff x="0" y="0"/>
+          <a:chExt cx="0" cy="0"/>
+        </a:xfrm>
+      </p:grpSpPr>
+      <p:sp>
+        <p:nvSpPr>
+          <p:cNvPr id="815" name="Shape 815"/>
+          <p:cNvSpPr>
+            <a:spLocks noGrp="1" noRot="1" noChangeAspect="1"/>
+          </p:cNvSpPr>
+          <p:nvPr>
+            <p:ph type="sldImg"/>
+          </p:nvPr>
+        </p:nvSpPr>
+        <p:spPr>
+          <a:xfrm>
+            <a:off x="381000" y="685800"/>
+            <a:ext cx="6096000" cy="3429000"/>
+          </a:xfrm>
+          <a:prstGeom prst="rect">
+            <a:avLst/>
+          </a:prstGeom>
+        </p:spPr>
+        <p:txBody>
+          <a:bodyPr/>
+          <a:lstStyle/>
+          <a:p>
+            <a:endParaRPr/>
+          </a:p>
+        </p:txBody>
+      </p:sp>
+      <p:sp>
+        <p:nvSpPr>
+          <p:cNvPr id="816" name="Shape 816"/>
+          <p:cNvSpPr>
+            <a:spLocks noGrp="1"/>
+          </p:cNvSpPr>
+          <p:nvPr>
+            <p:ph type="body" sz="quarter" idx="1"/>
+          </p:nvPr>
+        </p:nvSpPr>
+        <p:spPr>
+          <a:prstGeom prst="rect">
+            <a:avLst/>
+          </a:prstGeom>
+        </p:spPr>
+        <p:txBody>
+          <a:bodyPr/>
+          <a:lstStyle/>
+          <a:p>
+            <a:endParaRPr dirty="0"/>
+          </a:p>
+        </p:txBody>
+      </p:sp>
+    </p:spTree>
+    <p:extLst>
+      <p:ext uri="{BB962C8B-B14F-4D97-AF65-F5344CB8AC3E}">
+        <p14:creationId xmlns:p14="http://schemas.microsoft.com/office/powerpoint/2010/main" val="278794001"/>
+      </p:ext>
+    </p:extLst>
+  </p:cSld>
+  <p:clrMapOvr>
+    <a:masterClrMapping/>
+  </p:clrMapOvr>
+</p:notes>
+</file>
+
+<file path=ppt/notesSlides/notesSlide14.xml><?xml version="1.0" encoding="utf-8"?>
+<p:notes xmlns:a="http://schemas.openxmlformats.org/drawingml/2006/main" xmlns:r="http://schemas.openxmlformats.org/officeDocument/2006/relationships" xmlns:p="http://schemas.openxmlformats.org/presentationml/2006/main">
+  <p:cSld>
+    <p:spTree>
+      <p:nvGrpSpPr>
+        <p:cNvPr id="1" name=""/>
+        <p:cNvGrpSpPr/>
+        <p:nvPr/>
+      </p:nvGrpSpPr>
+      <p:grpSpPr>
+        <a:xfrm>
+          <a:off x="0" y="0"/>
+          <a:ext cx="0" cy="0"/>
+          <a:chOff x="0" y="0"/>
+          <a:chExt cx="0" cy="0"/>
+        </a:xfrm>
+      </p:grpSpPr>
+      <p:sp>
+        <p:nvSpPr>
+          <p:cNvPr id="158" name="Shape 158"/>
+          <p:cNvSpPr>
+            <a:spLocks noGrp="1" noRot="1" noChangeAspect="1"/>
+          </p:cNvSpPr>
+          <p:nvPr>
+            <p:ph type="sldImg"/>
+          </p:nvPr>
+        </p:nvSpPr>
+        <p:spPr>
+          <a:prstGeom prst="rect">
+            <a:avLst/>
+          </a:prstGeom>
+        </p:spPr>
+        <p:txBody>
+          <a:bodyPr/>
+          <a:lstStyle/>
+          <a:p>
+            <a:endParaRPr/>
+          </a:p>
+        </p:txBody>
+      </p:sp>
+      <p:sp>
+        <p:nvSpPr>
+          <p:cNvPr id="159" name="Shape 159"/>
+          <p:cNvSpPr>
+            <a:spLocks noGrp="1"/>
+          </p:cNvSpPr>
+          <p:nvPr>
+            <p:ph type="body" sz="quarter" idx="1"/>
+          </p:nvPr>
+        </p:nvSpPr>
+        <p:spPr>
+          <a:prstGeom prst="rect">
+            <a:avLst/>
+          </a:prstGeom>
+        </p:spPr>
+        <p:txBody>
+          <a:bodyPr/>
+          <a:lstStyle/>
+          <a:p>
+            <a:endParaRPr dirty="0"/>
+          </a:p>
+        </p:txBody>
+      </p:sp>
+    </p:spTree>
+    <p:extLst>
+      <p:ext uri="{BB962C8B-B14F-4D97-AF65-F5344CB8AC3E}">
+        <p14:creationId xmlns:p14="http://schemas.microsoft.com/office/powerpoint/2010/main" val="1854728175"/>
+      </p:ext>
+    </p:extLst>
+  </p:cSld>
+  <p:clrMapOvr>
+    <a:masterClrMapping/>
+  </p:clrMapOvr>
+</p:notes>
+</file>
+
+<file path=ppt/notesSlides/notesSlide15.xml><?xml version="1.0" encoding="utf-8"?>
+<p:notes xmlns:a="http://schemas.openxmlformats.org/drawingml/2006/main" xmlns:r="http://schemas.openxmlformats.org/officeDocument/2006/relationships" xmlns:p="http://schemas.openxmlformats.org/presentationml/2006/main">
+  <p:cSld>
+    <p:spTree>
+      <p:nvGrpSpPr>
+        <p:cNvPr id="1" name=""/>
+        <p:cNvGrpSpPr/>
+        <p:nvPr/>
+      </p:nvGrpSpPr>
+      <p:grpSpPr>
+        <a:xfrm>
+          <a:off x="0" y="0"/>
+          <a:ext cx="0" cy="0"/>
+          <a:chOff x="0" y="0"/>
+          <a:chExt cx="0" cy="0"/>
+        </a:xfrm>
+      </p:grpSpPr>
+      <p:sp>
+        <p:nvSpPr>
+          <p:cNvPr id="2" name="Slide Image Placeholder 1"/>
+          <p:cNvSpPr>
+            <a:spLocks noGrp="1" noRot="1" noChangeAspect="1"/>
+          </p:cNvSpPr>
+          <p:nvPr>
+            <p:ph type="sldImg"/>
+          </p:nvPr>
+        </p:nvSpPr>
+        <p:spPr/>
+      </p:sp>
+      <p:sp>
+        <p:nvSpPr>
+          <p:cNvPr id="3" name="Notes Placeholder 2"/>
+          <p:cNvSpPr>
+            <a:spLocks noGrp="1"/>
+          </p:cNvSpPr>
+          <p:nvPr>
+            <p:ph type="body" idx="1"/>
+          </p:nvPr>
+        </p:nvSpPr>
+        <p:spPr/>
+        <p:txBody>
+          <a:bodyPr/>
+          <a:lstStyle/>
+          <a:p>
+            <a:endParaRPr lang="en-US" dirty="0"/>
+          </a:p>
+        </p:txBody>
+      </p:sp>
+      <p:sp>
+        <p:nvSpPr>
+          <p:cNvPr id="4" name="Slide Number Placeholder 3"/>
+          <p:cNvSpPr>
+            <a:spLocks noGrp="1"/>
+          </p:cNvSpPr>
+          <p:nvPr>
+            <p:ph type="sldNum" sz="quarter" idx="10"/>
+          </p:nvPr>
+        </p:nvSpPr>
+        <p:spPr/>
+        <p:txBody>
+          <a:bodyPr/>
+          <a:lstStyle/>
+          <a:p>
+            <a:fld id="{ACBECB46-EB08-8F42-BD62-C384013BF115}" type="slidenum">
+              <a:rPr lang="en-US" smtClean="0"/>
+              <a:t>23</a:t>
+            </a:fld>
+            <a:endParaRPr lang="en-US"/>
+          </a:p>
+        </p:txBody>
+      </p:sp>
+    </p:spTree>
+    <p:extLst>
+      <p:ext uri="{BB962C8B-B14F-4D97-AF65-F5344CB8AC3E}">
+        <p14:creationId xmlns:p14="http://schemas.microsoft.com/office/powerpoint/2010/main" val="855440799"/>
+      </p:ext>
+    </p:extLst>
+  </p:cSld>
+  <p:clrMapOvr>
+    <a:masterClrMapping/>
+  </p:clrMapOvr>
+</p:notes>
+</file>
+
+<file path=ppt/notesSlides/notesSlide16.xml><?xml version="1.0" encoding="utf-8"?>
+<p:notes xmlns:a="http://schemas.openxmlformats.org/drawingml/2006/main" xmlns:r="http://schemas.openxmlformats.org/officeDocument/2006/relationships" xmlns:p="http://schemas.openxmlformats.org/presentationml/2006/main">
+  <p:cSld>
+    <p:spTree>
+      <p:nvGrpSpPr>
+        <p:cNvPr id="1" name=""/>
+        <p:cNvGrpSpPr/>
+        <p:nvPr/>
+      </p:nvGrpSpPr>
+      <p:grpSpPr>
+        <a:xfrm>
+          <a:off x="0" y="0"/>
+          <a:ext cx="0" cy="0"/>
+          <a:chOff x="0" y="0"/>
+          <a:chExt cx="0" cy="0"/>
+        </a:xfrm>
+      </p:grpSpPr>
+      <p:sp>
+        <p:nvSpPr>
+          <p:cNvPr id="1032" name="Shape 1032"/>
+          <p:cNvSpPr>
+            <a:spLocks noGrp="1" noRot="1" noChangeAspect="1"/>
+          </p:cNvSpPr>
+          <p:nvPr>
+            <p:ph type="sldImg"/>
+          </p:nvPr>
+        </p:nvSpPr>
+        <p:spPr>
+          <a:prstGeom prst="rect">
+            <a:avLst/>
+          </a:prstGeom>
+        </p:spPr>
+        <p:txBody>
+          <a:bodyPr/>
+          <a:lstStyle/>
+          <a:p>
+            <a:endParaRPr/>
+          </a:p>
+        </p:txBody>
+      </p:sp>
+      <p:sp>
+        <p:nvSpPr>
+          <p:cNvPr id="1033" name="Shape 1033"/>
+          <p:cNvSpPr>
+            <a:spLocks noGrp="1"/>
+          </p:cNvSpPr>
+          <p:nvPr>
+            <p:ph type="body" sz="quarter" idx="1"/>
+          </p:nvPr>
+        </p:nvSpPr>
+        <p:spPr>
+          <a:prstGeom prst="rect">
+            <a:avLst/>
+          </a:prstGeom>
+        </p:spPr>
+        <p:txBody>
+          <a:bodyPr/>
+          <a:lstStyle/>
+          <a:p>
+            <a:endParaRPr dirty="0"/>
+          </a:p>
+        </p:txBody>
+      </p:sp>
+    </p:spTree>
+    <p:extLst>
+      <p:ext uri="{BB962C8B-B14F-4D97-AF65-F5344CB8AC3E}">
+        <p14:creationId xmlns:p14="http://schemas.microsoft.com/office/powerpoint/2010/main" val="1325436924"/>
+      </p:ext>
+    </p:extLst>
+  </p:cSld>
+  <p:clrMapOvr>
+    <a:masterClrMapping/>
+  </p:clrMapOvr>
+</p:notes>
+</file>
+
+<file path=ppt/notesSlides/notesSlide17.xml><?xml version="1.0" encoding="utf-8"?>
+<p:notes xmlns:a="http://schemas.openxmlformats.org/drawingml/2006/main" xmlns:r="http://schemas.openxmlformats.org/officeDocument/2006/relationships" xmlns:p="http://schemas.openxmlformats.org/presentationml/2006/main">
+  <p:cSld>
+    <p:spTree>
+      <p:nvGrpSpPr>
+        <p:cNvPr id="1" name=""/>
+        <p:cNvGrpSpPr/>
+        <p:nvPr/>
+      </p:nvGrpSpPr>
+      <p:grpSpPr>
+        <a:xfrm>
+          <a:off x="0" y="0"/>
+          <a:ext cx="0" cy="0"/>
+          <a:chOff x="0" y="0"/>
+          <a:chExt cx="0" cy="0"/>
+        </a:xfrm>
+      </p:grpSpPr>
+      <p:sp>
+        <p:nvSpPr>
+          <p:cNvPr id="1036" name="Shape 1036"/>
+          <p:cNvSpPr>
+            <a:spLocks noGrp="1" noRot="1" noChangeAspect="1"/>
+          </p:cNvSpPr>
+          <p:nvPr>
+            <p:ph type="sldImg"/>
+          </p:nvPr>
+        </p:nvSpPr>
+        <p:spPr>
+          <a:prstGeom prst="rect">
+            <a:avLst/>
+          </a:prstGeom>
+        </p:spPr>
+        <p:txBody>
+          <a:bodyPr/>
+          <a:lstStyle/>
+          <a:p>
+            <a:endParaRPr/>
+          </a:p>
+        </p:txBody>
+      </p:sp>
+      <p:sp>
+        <p:nvSpPr>
+          <p:cNvPr id="1037" name="Shape 1037"/>
+          <p:cNvSpPr>
+            <a:spLocks noGrp="1"/>
+          </p:cNvSpPr>
+          <p:nvPr>
+            <p:ph type="body" sz="quarter" idx="1"/>
+          </p:nvPr>
+        </p:nvSpPr>
+        <p:spPr>
+          <a:prstGeom prst="rect">
+            <a:avLst/>
+          </a:prstGeom>
+        </p:spPr>
+        <p:txBody>
+          <a:bodyPr/>
+          <a:lstStyle/>
+          <a:p>
+            <a:endParaRPr dirty="0"/>
+          </a:p>
+        </p:txBody>
+      </p:sp>
+    </p:spTree>
+    <p:extLst>
+      <p:ext uri="{BB962C8B-B14F-4D97-AF65-F5344CB8AC3E}">
+        <p14:creationId xmlns:p14="http://schemas.microsoft.com/office/powerpoint/2010/main" val="657649549"/>
+      </p:ext>
+    </p:extLst>
+  </p:cSld>
+  <p:clrMapOvr>
+    <a:masterClrMapping/>
+  </p:clrMapOvr>
+</p:notes>
+</file>
+
+<file path=ppt/notesSlides/notesSlide18.xml><?xml version="1.0" encoding="utf-8"?>
+<p:notes xmlns:a="http://schemas.openxmlformats.org/drawingml/2006/main" xmlns:r="http://schemas.openxmlformats.org/officeDocument/2006/relationships" xmlns:p="http://schemas.openxmlformats.org/presentationml/2006/main">
+  <p:cSld>
+    <p:spTree>
+      <p:nvGrpSpPr>
+        <p:cNvPr id="1" name=""/>
+        <p:cNvGrpSpPr/>
+        <p:nvPr/>
+      </p:nvGrpSpPr>
+      <p:grpSpPr>
+        <a:xfrm>
+          <a:off x="0" y="0"/>
+          <a:ext cx="0" cy="0"/>
+          <a:chOff x="0" y="0"/>
+          <a:chExt cx="0" cy="0"/>
+        </a:xfrm>
+      </p:grpSpPr>
+      <p:sp>
+        <p:nvSpPr>
+          <p:cNvPr id="1041" name="Shape 1041"/>
+          <p:cNvSpPr>
+            <a:spLocks noGrp="1" noRot="1" noChangeAspect="1"/>
+          </p:cNvSpPr>
+          <p:nvPr>
+            <p:ph type="sldImg"/>
+          </p:nvPr>
+        </p:nvSpPr>
+        <p:spPr>
+          <a:prstGeom prst="rect">
+            <a:avLst/>
+          </a:prstGeom>
+        </p:spPr>
+        <p:txBody>
+          <a:bodyPr/>
+          <a:lstStyle/>
+          <a:p>
+            <a:endParaRPr/>
+          </a:p>
+        </p:txBody>
+      </p:sp>
+      <p:sp>
+        <p:nvSpPr>
+          <p:cNvPr id="1042" name="Shape 1042"/>
+          <p:cNvSpPr>
+            <a:spLocks noGrp="1"/>
+          </p:cNvSpPr>
+          <p:nvPr>
+            <p:ph type="body" sz="quarter" idx="1"/>
+          </p:nvPr>
+        </p:nvSpPr>
+        <p:spPr>
+          <a:prstGeom prst="rect">
+            <a:avLst/>
+          </a:prstGeom>
+        </p:spPr>
+        <p:txBody>
+          <a:bodyPr/>
+          <a:lstStyle/>
+          <a:p>
+            <a:endParaRPr dirty="0"/>
+          </a:p>
+        </p:txBody>
+      </p:sp>
+    </p:spTree>
+    <p:extLst>
+      <p:ext uri="{BB962C8B-B14F-4D97-AF65-F5344CB8AC3E}">
+        <p14:creationId xmlns:p14="http://schemas.microsoft.com/office/powerpoint/2010/main" val="104820452"/>
+      </p:ext>
+    </p:extLst>
+  </p:cSld>
+  <p:clrMapOvr>
+    <a:masterClrMapping/>
+  </p:clrMapOvr>
+</p:notes>
+</file>
+
+<file path=ppt/notesSlides/notesSlide19.xml><?xml version="1.0" encoding="utf-8"?>
+<p:notes xmlns:a="http://schemas.openxmlformats.org/drawingml/2006/main" xmlns:r="http://schemas.openxmlformats.org/officeDocument/2006/relationships" xmlns:p="http://schemas.openxmlformats.org/presentationml/2006/main">
+  <p:cSld>
+    <p:spTree>
+      <p:nvGrpSpPr>
+        <p:cNvPr id="1" name=""/>
+        <p:cNvGrpSpPr/>
+        <p:nvPr/>
+      </p:nvGrpSpPr>
+      <p:grpSpPr>
+        <a:xfrm>
+          <a:off x="0" y="0"/>
+          <a:ext cx="0" cy="0"/>
+          <a:chOff x="0" y="0"/>
+          <a:chExt cx="0" cy="0"/>
+        </a:xfrm>
+      </p:grpSpPr>
+      <p:sp>
+        <p:nvSpPr>
+          <p:cNvPr id="1046" name="Shape 1046"/>
+          <p:cNvSpPr>
+            <a:spLocks noGrp="1" noRot="1" noChangeAspect="1"/>
+          </p:cNvSpPr>
+          <p:nvPr>
+            <p:ph type="sldImg"/>
+          </p:nvPr>
+        </p:nvSpPr>
+        <p:spPr>
+          <a:prstGeom prst="rect">
+            <a:avLst/>
+          </a:prstGeom>
+        </p:spPr>
+        <p:txBody>
+          <a:bodyPr/>
+          <a:lstStyle/>
+          <a:p>
+            <a:endParaRPr/>
+          </a:p>
+        </p:txBody>
+      </p:sp>
+      <p:sp>
+        <p:nvSpPr>
+          <p:cNvPr id="1047" name="Shape 1047"/>
+          <p:cNvSpPr>
+            <a:spLocks noGrp="1"/>
+          </p:cNvSpPr>
+          <p:nvPr>
+            <p:ph type="body" sz="quarter" idx="1"/>
+          </p:nvPr>
+        </p:nvSpPr>
+        <p:spPr>
+          <a:prstGeom prst="rect">
+            <a:avLst/>
+          </a:prstGeom>
+        </p:spPr>
+        <p:txBody>
+          <a:bodyPr/>
+          <a:lstStyle/>
+          <a:p>
+            <a:endParaRPr dirty="0"/>
+          </a:p>
+        </p:txBody>
+      </p:sp>
+    </p:spTree>
+    <p:extLst>
+      <p:ext uri="{BB962C8B-B14F-4D97-AF65-F5344CB8AC3E}">
+        <p14:creationId xmlns:p14="http://schemas.microsoft.com/office/powerpoint/2010/main" val="876703598"/>
       </p:ext>
     </p:extLst>
   </p:cSld>
@@ -812,9 +1415,7 @@
           <a:bodyPr/>
           <a:lstStyle/>
           <a:p>
-            <a:r>
-              <a:t>So let's get started with Terraform!</a:t>
-            </a:r>
+            <a:endParaRPr dirty="0"/>
           </a:p>
         </p:txBody>
       </p:sp>
@@ -822,6 +1423,832 @@
     <p:extLst>
       <p:ext uri="{BB962C8B-B14F-4D97-AF65-F5344CB8AC3E}">
         <p14:creationId xmlns:p14="http://schemas.microsoft.com/office/powerpoint/2010/main" val="1032522624"/>
+      </p:ext>
+    </p:extLst>
+  </p:cSld>
+  <p:clrMapOvr>
+    <a:masterClrMapping/>
+  </p:clrMapOvr>
+</p:notes>
+</file>
+
+<file path=ppt/notesSlides/notesSlide20.xml><?xml version="1.0" encoding="utf-8"?>
+<p:notes xmlns:a="http://schemas.openxmlformats.org/drawingml/2006/main" xmlns:r="http://schemas.openxmlformats.org/officeDocument/2006/relationships" xmlns:p="http://schemas.openxmlformats.org/presentationml/2006/main">
+  <p:cSld>
+    <p:spTree>
+      <p:nvGrpSpPr>
+        <p:cNvPr id="1" name=""/>
+        <p:cNvGrpSpPr/>
+        <p:nvPr/>
+      </p:nvGrpSpPr>
+      <p:grpSpPr>
+        <a:xfrm>
+          <a:off x="0" y="0"/>
+          <a:ext cx="0" cy="0"/>
+          <a:chOff x="0" y="0"/>
+          <a:chExt cx="0" cy="0"/>
+        </a:xfrm>
+      </p:grpSpPr>
+      <p:sp>
+        <p:nvSpPr>
+          <p:cNvPr id="1051" name="Shape 1051"/>
+          <p:cNvSpPr>
+            <a:spLocks noGrp="1" noRot="1" noChangeAspect="1"/>
+          </p:cNvSpPr>
+          <p:nvPr>
+            <p:ph type="sldImg"/>
+          </p:nvPr>
+        </p:nvSpPr>
+        <p:spPr>
+          <a:prstGeom prst="rect">
+            <a:avLst/>
+          </a:prstGeom>
+        </p:spPr>
+        <p:txBody>
+          <a:bodyPr/>
+          <a:lstStyle/>
+          <a:p>
+            <a:endParaRPr/>
+          </a:p>
+        </p:txBody>
+      </p:sp>
+      <p:sp>
+        <p:nvSpPr>
+          <p:cNvPr id="1052" name="Shape 1052"/>
+          <p:cNvSpPr>
+            <a:spLocks noGrp="1"/>
+          </p:cNvSpPr>
+          <p:nvPr>
+            <p:ph type="body" sz="quarter" idx="1"/>
+          </p:nvPr>
+        </p:nvSpPr>
+        <p:spPr>
+          <a:prstGeom prst="rect">
+            <a:avLst/>
+          </a:prstGeom>
+        </p:spPr>
+        <p:txBody>
+          <a:bodyPr/>
+          <a:lstStyle/>
+          <a:p>
+            <a:endParaRPr dirty="0"/>
+          </a:p>
+        </p:txBody>
+      </p:sp>
+    </p:spTree>
+    <p:extLst>
+      <p:ext uri="{BB962C8B-B14F-4D97-AF65-F5344CB8AC3E}">
+        <p14:creationId xmlns:p14="http://schemas.microsoft.com/office/powerpoint/2010/main" val="296515058"/>
+      </p:ext>
+    </p:extLst>
+  </p:cSld>
+  <p:clrMapOvr>
+    <a:masterClrMapping/>
+  </p:clrMapOvr>
+</p:notes>
+</file>
+
+<file path=ppt/notesSlides/notesSlide21.xml><?xml version="1.0" encoding="utf-8"?>
+<p:notes xmlns:a="http://schemas.openxmlformats.org/drawingml/2006/main" xmlns:r="http://schemas.openxmlformats.org/officeDocument/2006/relationships" xmlns:p="http://schemas.openxmlformats.org/presentationml/2006/main">
+  <p:cSld>
+    <p:spTree>
+      <p:nvGrpSpPr>
+        <p:cNvPr id="1" name=""/>
+        <p:cNvGrpSpPr/>
+        <p:nvPr/>
+      </p:nvGrpSpPr>
+      <p:grpSpPr>
+        <a:xfrm>
+          <a:off x="0" y="0"/>
+          <a:ext cx="0" cy="0"/>
+          <a:chOff x="0" y="0"/>
+          <a:chExt cx="0" cy="0"/>
+        </a:xfrm>
+      </p:grpSpPr>
+      <p:sp>
+        <p:nvSpPr>
+          <p:cNvPr id="1055" name="Shape 1055"/>
+          <p:cNvSpPr>
+            <a:spLocks noGrp="1" noRot="1" noChangeAspect="1"/>
+          </p:cNvSpPr>
+          <p:nvPr>
+            <p:ph type="sldImg"/>
+          </p:nvPr>
+        </p:nvSpPr>
+        <p:spPr>
+          <a:xfrm>
+            <a:off x="381000" y="685800"/>
+            <a:ext cx="6096000" cy="3429000"/>
+          </a:xfrm>
+          <a:prstGeom prst="rect">
+            <a:avLst/>
+          </a:prstGeom>
+        </p:spPr>
+        <p:txBody>
+          <a:bodyPr/>
+          <a:lstStyle/>
+          <a:p>
+            <a:endParaRPr/>
+          </a:p>
+        </p:txBody>
+      </p:sp>
+      <p:sp>
+        <p:nvSpPr>
+          <p:cNvPr id="1056" name="Shape 1056"/>
+          <p:cNvSpPr>
+            <a:spLocks noGrp="1"/>
+          </p:cNvSpPr>
+          <p:nvPr>
+            <p:ph type="body" sz="quarter" idx="1"/>
+          </p:nvPr>
+        </p:nvSpPr>
+        <p:spPr>
+          <a:prstGeom prst="rect">
+            <a:avLst/>
+          </a:prstGeom>
+        </p:spPr>
+        <p:txBody>
+          <a:bodyPr/>
+          <a:lstStyle/>
+          <a:p>
+            <a:endParaRPr dirty="0"/>
+          </a:p>
+        </p:txBody>
+      </p:sp>
+    </p:spTree>
+    <p:extLst>
+      <p:ext uri="{BB962C8B-B14F-4D97-AF65-F5344CB8AC3E}">
+        <p14:creationId xmlns:p14="http://schemas.microsoft.com/office/powerpoint/2010/main" val="1370931652"/>
+      </p:ext>
+    </p:extLst>
+  </p:cSld>
+  <p:clrMapOvr>
+    <a:masterClrMapping/>
+  </p:clrMapOvr>
+</p:notes>
+</file>
+
+<file path=ppt/notesSlides/notesSlide22.xml><?xml version="1.0" encoding="utf-8"?>
+<p:notes xmlns:a="http://schemas.openxmlformats.org/drawingml/2006/main" xmlns:r="http://schemas.openxmlformats.org/officeDocument/2006/relationships" xmlns:p="http://schemas.openxmlformats.org/presentationml/2006/main">
+  <p:cSld>
+    <p:spTree>
+      <p:nvGrpSpPr>
+        <p:cNvPr id="1" name=""/>
+        <p:cNvGrpSpPr/>
+        <p:nvPr/>
+      </p:nvGrpSpPr>
+      <p:grpSpPr>
+        <a:xfrm>
+          <a:off x="0" y="0"/>
+          <a:ext cx="0" cy="0"/>
+          <a:chOff x="0" y="0"/>
+          <a:chExt cx="0" cy="0"/>
+        </a:xfrm>
+      </p:grpSpPr>
+      <p:sp>
+        <p:nvSpPr>
+          <p:cNvPr id="1060" name="Shape 1060"/>
+          <p:cNvSpPr>
+            <a:spLocks noGrp="1" noRot="1" noChangeAspect="1"/>
+          </p:cNvSpPr>
+          <p:nvPr>
+            <p:ph type="sldImg"/>
+          </p:nvPr>
+        </p:nvSpPr>
+        <p:spPr>
+          <a:xfrm>
+            <a:off x="381000" y="685800"/>
+            <a:ext cx="6096000" cy="3429000"/>
+          </a:xfrm>
+          <a:prstGeom prst="rect">
+            <a:avLst/>
+          </a:prstGeom>
+        </p:spPr>
+        <p:txBody>
+          <a:bodyPr/>
+          <a:lstStyle/>
+          <a:p>
+            <a:endParaRPr/>
+          </a:p>
+        </p:txBody>
+      </p:sp>
+      <p:sp>
+        <p:nvSpPr>
+          <p:cNvPr id="1061" name="Shape 1061"/>
+          <p:cNvSpPr>
+            <a:spLocks noGrp="1"/>
+          </p:cNvSpPr>
+          <p:nvPr>
+            <p:ph type="body" sz="quarter" idx="1"/>
+          </p:nvPr>
+        </p:nvSpPr>
+        <p:spPr>
+          <a:prstGeom prst="rect">
+            <a:avLst/>
+          </a:prstGeom>
+        </p:spPr>
+        <p:txBody>
+          <a:bodyPr/>
+          <a:lstStyle/>
+          <a:p>
+            <a:r>
+              <a:rPr dirty="0" smtClean="0"/>
+              <a:t>The next step in performing changes with Terraform is to perform the Terraform apply. The apply is when the infrastructure operations are actually performed.</a:t>
+            </a:r>
+          </a:p>
+          <a:p>
+            <a:endParaRPr dirty="0" smtClean="0"/>
+          </a:p>
+          <a:p>
+            <a:r>
+              <a:rPr dirty="0" smtClean="0"/>
+              <a:t>Using the resource graph defined by our configuration, Terraform determines the order in which to perform our changes, parallelizes the change when possible, and will handle known timing and transient errors when it can. </a:t>
+            </a:r>
+          </a:p>
+          <a:p>
+            <a:endParaRPr dirty="0" smtClean="0"/>
+          </a:p>
+          <a:p>
+            <a:r>
+              <a:rPr dirty="0" smtClean="0"/>
+              <a:t>As an example, for a more complex configuration, Terraform can create EC2 instances that have no dependencies in parallel and will handle provider errors such as checking for the existence of an instance that was just created, as can happen when making fast changes.</a:t>
+            </a:r>
+            <a:endParaRPr dirty="0"/>
+          </a:p>
+        </p:txBody>
+      </p:sp>
+    </p:spTree>
+    <p:extLst>
+      <p:ext uri="{BB962C8B-B14F-4D97-AF65-F5344CB8AC3E}">
+        <p14:creationId xmlns:p14="http://schemas.microsoft.com/office/powerpoint/2010/main" val="1553157752"/>
+      </p:ext>
+    </p:extLst>
+  </p:cSld>
+  <p:clrMapOvr>
+    <a:masterClrMapping/>
+  </p:clrMapOvr>
+</p:notes>
+</file>
+
+<file path=ppt/notesSlides/notesSlide23.xml><?xml version="1.0" encoding="utf-8"?>
+<p:notes xmlns:a="http://schemas.openxmlformats.org/drawingml/2006/main" xmlns:r="http://schemas.openxmlformats.org/officeDocument/2006/relationships" xmlns:p="http://schemas.openxmlformats.org/presentationml/2006/main">
+  <p:cSld>
+    <p:spTree>
+      <p:nvGrpSpPr>
+        <p:cNvPr id="1" name=""/>
+        <p:cNvGrpSpPr/>
+        <p:nvPr/>
+      </p:nvGrpSpPr>
+      <p:grpSpPr>
+        <a:xfrm>
+          <a:off x="0" y="0"/>
+          <a:ext cx="0" cy="0"/>
+          <a:chOff x="0" y="0"/>
+          <a:chExt cx="0" cy="0"/>
+        </a:xfrm>
+      </p:grpSpPr>
+      <p:sp>
+        <p:nvSpPr>
+          <p:cNvPr id="1067" name="Shape 1067"/>
+          <p:cNvSpPr>
+            <a:spLocks noGrp="1" noRot="1" noChangeAspect="1"/>
+          </p:cNvSpPr>
+          <p:nvPr>
+            <p:ph type="sldImg"/>
+          </p:nvPr>
+        </p:nvSpPr>
+        <p:spPr>
+          <a:xfrm>
+            <a:off x="381000" y="685800"/>
+            <a:ext cx="6096000" cy="3429000"/>
+          </a:xfrm>
+          <a:prstGeom prst="rect">
+            <a:avLst/>
+          </a:prstGeom>
+        </p:spPr>
+        <p:txBody>
+          <a:bodyPr/>
+          <a:lstStyle/>
+          <a:p>
+            <a:endParaRPr/>
+          </a:p>
+        </p:txBody>
+      </p:sp>
+      <p:sp>
+        <p:nvSpPr>
+          <p:cNvPr id="1068" name="Shape 1068"/>
+          <p:cNvSpPr>
+            <a:spLocks noGrp="1"/>
+          </p:cNvSpPr>
+          <p:nvPr>
+            <p:ph type="body" sz="quarter" idx="1"/>
+          </p:nvPr>
+        </p:nvSpPr>
+        <p:spPr>
+          <a:prstGeom prst="rect">
+            <a:avLst/>
+          </a:prstGeom>
+        </p:spPr>
+        <p:txBody>
+          <a:bodyPr/>
+          <a:lstStyle/>
+          <a:p>
+            <a:r>
+              <a:t>Here is some sample output.</a:t>
+            </a:r>
+          </a:p>
+        </p:txBody>
+      </p:sp>
+    </p:spTree>
+    <p:extLst>
+      <p:ext uri="{BB962C8B-B14F-4D97-AF65-F5344CB8AC3E}">
+        <p14:creationId xmlns:p14="http://schemas.microsoft.com/office/powerpoint/2010/main" val="1325181965"/>
+      </p:ext>
+    </p:extLst>
+  </p:cSld>
+  <p:clrMapOvr>
+    <a:masterClrMapping/>
+  </p:clrMapOvr>
+</p:notes>
+</file>
+
+<file path=ppt/notesSlides/notesSlide24.xml><?xml version="1.0" encoding="utf-8"?>
+<p:notes xmlns:a="http://schemas.openxmlformats.org/drawingml/2006/main" xmlns:r="http://schemas.openxmlformats.org/officeDocument/2006/relationships" xmlns:p="http://schemas.openxmlformats.org/presentationml/2006/main">
+  <p:cSld>
+    <p:spTree>
+      <p:nvGrpSpPr>
+        <p:cNvPr id="1" name=""/>
+        <p:cNvGrpSpPr/>
+        <p:nvPr/>
+      </p:nvGrpSpPr>
+      <p:grpSpPr>
+        <a:xfrm>
+          <a:off x="0" y="0"/>
+          <a:ext cx="0" cy="0"/>
+          <a:chOff x="0" y="0"/>
+          <a:chExt cx="0" cy="0"/>
+        </a:xfrm>
+      </p:grpSpPr>
+      <p:sp>
+        <p:nvSpPr>
+          <p:cNvPr id="1072" name="Shape 1072"/>
+          <p:cNvSpPr>
+            <a:spLocks noGrp="1" noRot="1" noChangeAspect="1"/>
+          </p:cNvSpPr>
+          <p:nvPr>
+            <p:ph type="sldImg"/>
+          </p:nvPr>
+        </p:nvSpPr>
+        <p:spPr>
+          <a:xfrm>
+            <a:off x="381000" y="685800"/>
+            <a:ext cx="6096000" cy="3429000"/>
+          </a:xfrm>
+          <a:prstGeom prst="rect">
+            <a:avLst/>
+          </a:prstGeom>
+        </p:spPr>
+        <p:txBody>
+          <a:bodyPr/>
+          <a:lstStyle/>
+          <a:p>
+            <a:endParaRPr/>
+          </a:p>
+        </p:txBody>
+      </p:sp>
+      <p:sp>
+        <p:nvSpPr>
+          <p:cNvPr id="1073" name="Shape 1073"/>
+          <p:cNvSpPr>
+            <a:spLocks noGrp="1"/>
+          </p:cNvSpPr>
+          <p:nvPr>
+            <p:ph type="body" sz="quarter" idx="1"/>
+          </p:nvPr>
+        </p:nvSpPr>
+        <p:spPr>
+          <a:prstGeom prst="rect">
+            <a:avLst/>
+          </a:prstGeom>
+        </p:spPr>
+        <p:txBody>
+          <a:bodyPr/>
+          <a:lstStyle/>
+          <a:p>
+            <a:r>
+              <a:rPr dirty="0"/>
+              <a:t>An important note about Terraform, is that Terraform knows what changes it can apply to existing resources and what changes require that a resource is re-created - meaning a new resource will be created and the previous resource will be destroyed.</a:t>
+            </a:r>
+          </a:p>
+          <a:p>
+            <a:endParaRPr dirty="0"/>
+          </a:p>
+          <a:p>
+            <a:r>
+              <a:rPr dirty="0"/>
+              <a:t>It is important to use the Terraform plan to know when these scenarios will occur to anticipate, and account for, potential service interruptions.</a:t>
+            </a:r>
+          </a:p>
+        </p:txBody>
+      </p:sp>
+    </p:spTree>
+    <p:extLst>
+      <p:ext uri="{BB962C8B-B14F-4D97-AF65-F5344CB8AC3E}">
+        <p14:creationId xmlns:p14="http://schemas.microsoft.com/office/powerpoint/2010/main" val="2041120492"/>
+      </p:ext>
+    </p:extLst>
+  </p:cSld>
+  <p:clrMapOvr>
+    <a:masterClrMapping/>
+  </p:clrMapOvr>
+</p:notes>
+</file>
+
+<file path=ppt/notesSlides/notesSlide25.xml><?xml version="1.0" encoding="utf-8"?>
+<p:notes xmlns:a="http://schemas.openxmlformats.org/drawingml/2006/main" xmlns:r="http://schemas.openxmlformats.org/officeDocument/2006/relationships" xmlns:p="http://schemas.openxmlformats.org/presentationml/2006/main">
+  <p:cSld>
+    <p:spTree>
+      <p:nvGrpSpPr>
+        <p:cNvPr id="1" name=""/>
+        <p:cNvGrpSpPr/>
+        <p:nvPr/>
+      </p:nvGrpSpPr>
+      <p:grpSpPr>
+        <a:xfrm>
+          <a:off x="0" y="0"/>
+          <a:ext cx="0" cy="0"/>
+          <a:chOff x="0" y="0"/>
+          <a:chExt cx="0" cy="0"/>
+        </a:xfrm>
+      </p:grpSpPr>
+      <p:sp>
+        <p:nvSpPr>
+          <p:cNvPr id="158" name="Shape 158"/>
+          <p:cNvSpPr>
+            <a:spLocks noGrp="1" noRot="1" noChangeAspect="1"/>
+          </p:cNvSpPr>
+          <p:nvPr>
+            <p:ph type="sldImg"/>
+          </p:nvPr>
+        </p:nvSpPr>
+        <p:spPr>
+          <a:prstGeom prst="rect">
+            <a:avLst/>
+          </a:prstGeom>
+        </p:spPr>
+        <p:txBody>
+          <a:bodyPr/>
+          <a:lstStyle/>
+          <a:p>
+            <a:endParaRPr/>
+          </a:p>
+        </p:txBody>
+      </p:sp>
+      <p:sp>
+        <p:nvSpPr>
+          <p:cNvPr id="159" name="Shape 159"/>
+          <p:cNvSpPr>
+            <a:spLocks noGrp="1"/>
+          </p:cNvSpPr>
+          <p:nvPr>
+            <p:ph type="body" sz="quarter" idx="1"/>
+          </p:nvPr>
+        </p:nvSpPr>
+        <p:spPr>
+          <a:prstGeom prst="rect">
+            <a:avLst/>
+          </a:prstGeom>
+        </p:spPr>
+        <p:txBody>
+          <a:bodyPr/>
+          <a:lstStyle/>
+          <a:p>
+            <a:endParaRPr dirty="0"/>
+          </a:p>
+        </p:txBody>
+      </p:sp>
+    </p:spTree>
+    <p:extLst>
+      <p:ext uri="{BB962C8B-B14F-4D97-AF65-F5344CB8AC3E}">
+        <p14:creationId xmlns:p14="http://schemas.microsoft.com/office/powerpoint/2010/main" val="415686613"/>
+      </p:ext>
+    </p:extLst>
+  </p:cSld>
+  <p:clrMapOvr>
+    <a:masterClrMapping/>
+  </p:clrMapOvr>
+</p:notes>
+</file>
+
+<file path=ppt/notesSlides/notesSlide26.xml><?xml version="1.0" encoding="utf-8"?>
+<p:notes xmlns:a="http://schemas.openxmlformats.org/drawingml/2006/main" xmlns:r="http://schemas.openxmlformats.org/officeDocument/2006/relationships" xmlns:p="http://schemas.openxmlformats.org/presentationml/2006/main">
+  <p:cSld>
+    <p:spTree>
+      <p:nvGrpSpPr>
+        <p:cNvPr id="1" name=""/>
+        <p:cNvGrpSpPr/>
+        <p:nvPr/>
+      </p:nvGrpSpPr>
+      <p:grpSpPr>
+        <a:xfrm>
+          <a:off x="0" y="0"/>
+          <a:ext cx="0" cy="0"/>
+          <a:chOff x="0" y="0"/>
+          <a:chExt cx="0" cy="0"/>
+        </a:xfrm>
+      </p:grpSpPr>
+      <p:sp>
+        <p:nvSpPr>
+          <p:cNvPr id="820" name="Shape 820"/>
+          <p:cNvSpPr>
+            <a:spLocks noGrp="1" noRot="1" noChangeAspect="1"/>
+          </p:cNvSpPr>
+          <p:nvPr>
+            <p:ph type="sldImg"/>
+          </p:nvPr>
+        </p:nvSpPr>
+        <p:spPr>
+          <a:xfrm>
+            <a:off x="381000" y="685800"/>
+            <a:ext cx="6096000" cy="3429000"/>
+          </a:xfrm>
+          <a:prstGeom prst="rect">
+            <a:avLst/>
+          </a:prstGeom>
+        </p:spPr>
+        <p:txBody>
+          <a:bodyPr/>
+          <a:lstStyle/>
+          <a:p>
+            <a:endParaRPr/>
+          </a:p>
+        </p:txBody>
+      </p:sp>
+      <p:sp>
+        <p:nvSpPr>
+          <p:cNvPr id="821" name="Shape 821"/>
+          <p:cNvSpPr>
+            <a:spLocks noGrp="1"/>
+          </p:cNvSpPr>
+          <p:nvPr>
+            <p:ph type="body" sz="quarter" idx="1"/>
+          </p:nvPr>
+        </p:nvSpPr>
+        <p:spPr>
+          <a:prstGeom prst="rect">
+            <a:avLst/>
+          </a:prstGeom>
+        </p:spPr>
+        <p:txBody>
+          <a:bodyPr/>
+          <a:lstStyle/>
+          <a:p>
+            <a:endParaRPr dirty="0"/>
+          </a:p>
+        </p:txBody>
+      </p:sp>
+    </p:spTree>
+    <p:extLst>
+      <p:ext uri="{BB962C8B-B14F-4D97-AF65-F5344CB8AC3E}">
+        <p14:creationId xmlns:p14="http://schemas.microsoft.com/office/powerpoint/2010/main" val="163126797"/>
+      </p:ext>
+    </p:extLst>
+  </p:cSld>
+  <p:clrMapOvr>
+    <a:masterClrMapping/>
+  </p:clrMapOvr>
+</p:notes>
+</file>
+
+<file path=ppt/notesSlides/notesSlide27.xml><?xml version="1.0" encoding="utf-8"?>
+<p:notes xmlns:a="http://schemas.openxmlformats.org/drawingml/2006/main" xmlns:r="http://schemas.openxmlformats.org/officeDocument/2006/relationships" xmlns:p="http://schemas.openxmlformats.org/presentationml/2006/main">
+  <p:cSld>
+    <p:spTree>
+      <p:nvGrpSpPr>
+        <p:cNvPr id="1" name=""/>
+        <p:cNvGrpSpPr/>
+        <p:nvPr/>
+      </p:nvGrpSpPr>
+      <p:grpSpPr>
+        <a:xfrm>
+          <a:off x="0" y="0"/>
+          <a:ext cx="0" cy="0"/>
+          <a:chOff x="0" y="0"/>
+          <a:chExt cx="0" cy="0"/>
+        </a:xfrm>
+      </p:grpSpPr>
+      <p:sp>
+        <p:nvSpPr>
+          <p:cNvPr id="1055" name="Shape 1055"/>
+          <p:cNvSpPr>
+            <a:spLocks noGrp="1" noRot="1" noChangeAspect="1"/>
+          </p:cNvSpPr>
+          <p:nvPr>
+            <p:ph type="sldImg"/>
+          </p:nvPr>
+        </p:nvSpPr>
+        <p:spPr>
+          <a:xfrm>
+            <a:off x="381000" y="685800"/>
+            <a:ext cx="6096000" cy="3429000"/>
+          </a:xfrm>
+          <a:prstGeom prst="rect">
+            <a:avLst/>
+          </a:prstGeom>
+        </p:spPr>
+        <p:txBody>
+          <a:bodyPr/>
+          <a:lstStyle/>
+          <a:p>
+            <a:endParaRPr/>
+          </a:p>
+        </p:txBody>
+      </p:sp>
+      <p:sp>
+        <p:nvSpPr>
+          <p:cNvPr id="1056" name="Shape 1056"/>
+          <p:cNvSpPr>
+            <a:spLocks noGrp="1"/>
+          </p:cNvSpPr>
+          <p:nvPr>
+            <p:ph type="body" sz="quarter" idx="1"/>
+          </p:nvPr>
+        </p:nvSpPr>
+        <p:spPr>
+          <a:prstGeom prst="rect">
+            <a:avLst/>
+          </a:prstGeom>
+        </p:spPr>
+        <p:txBody>
+          <a:bodyPr/>
+          <a:lstStyle/>
+          <a:p>
+            <a:endParaRPr dirty="0"/>
+          </a:p>
+        </p:txBody>
+      </p:sp>
+    </p:spTree>
+    <p:extLst>
+      <p:ext uri="{BB962C8B-B14F-4D97-AF65-F5344CB8AC3E}">
+        <p14:creationId xmlns:p14="http://schemas.microsoft.com/office/powerpoint/2010/main" val="1791795989"/>
+      </p:ext>
+    </p:extLst>
+  </p:cSld>
+  <p:clrMapOvr>
+    <a:masterClrMapping/>
+  </p:clrMapOvr>
+</p:notes>
+</file>
+
+<file path=ppt/notesSlides/notesSlide28.xml><?xml version="1.0" encoding="utf-8"?>
+<p:notes xmlns:a="http://schemas.openxmlformats.org/drawingml/2006/main" xmlns:r="http://schemas.openxmlformats.org/officeDocument/2006/relationships" xmlns:p="http://schemas.openxmlformats.org/presentationml/2006/main">
+  <p:cSld>
+    <p:spTree>
+      <p:nvGrpSpPr>
+        <p:cNvPr id="1" name=""/>
+        <p:cNvGrpSpPr/>
+        <p:nvPr/>
+      </p:nvGrpSpPr>
+      <p:grpSpPr>
+        <a:xfrm>
+          <a:off x="0" y="0"/>
+          <a:ext cx="0" cy="0"/>
+          <a:chOff x="0" y="0"/>
+          <a:chExt cx="0" cy="0"/>
+        </a:xfrm>
+      </p:grpSpPr>
+      <p:sp>
+        <p:nvSpPr>
+          <p:cNvPr id="1067" name="Shape 1067"/>
+          <p:cNvSpPr>
+            <a:spLocks noGrp="1" noRot="1" noChangeAspect="1"/>
+          </p:cNvSpPr>
+          <p:nvPr>
+            <p:ph type="sldImg"/>
+          </p:nvPr>
+        </p:nvSpPr>
+        <p:spPr>
+          <a:xfrm>
+            <a:off x="381000" y="685800"/>
+            <a:ext cx="6096000" cy="3429000"/>
+          </a:xfrm>
+          <a:prstGeom prst="rect">
+            <a:avLst/>
+          </a:prstGeom>
+        </p:spPr>
+        <p:txBody>
+          <a:bodyPr/>
+          <a:lstStyle/>
+          <a:p>
+            <a:endParaRPr/>
+          </a:p>
+        </p:txBody>
+      </p:sp>
+      <p:sp>
+        <p:nvSpPr>
+          <p:cNvPr id="1068" name="Shape 1068"/>
+          <p:cNvSpPr>
+            <a:spLocks noGrp="1"/>
+          </p:cNvSpPr>
+          <p:nvPr>
+            <p:ph type="body" sz="quarter" idx="1"/>
+          </p:nvPr>
+        </p:nvSpPr>
+        <p:spPr>
+          <a:prstGeom prst="rect">
+            <a:avLst/>
+          </a:prstGeom>
+        </p:spPr>
+        <p:txBody>
+          <a:bodyPr/>
+          <a:lstStyle/>
+          <a:p>
+            <a:r>
+              <a:t>Here is some sample output.</a:t>
+            </a:r>
+          </a:p>
+        </p:txBody>
+      </p:sp>
+    </p:spTree>
+    <p:extLst>
+      <p:ext uri="{BB962C8B-B14F-4D97-AF65-F5344CB8AC3E}">
+        <p14:creationId xmlns:p14="http://schemas.microsoft.com/office/powerpoint/2010/main" val="1825485673"/>
+      </p:ext>
+    </p:extLst>
+  </p:cSld>
+  <p:clrMapOvr>
+    <a:masterClrMapping/>
+  </p:clrMapOvr>
+</p:notes>
+</file>
+
+<file path=ppt/notesSlides/notesSlide29.xml><?xml version="1.0" encoding="utf-8"?>
+<p:notes xmlns:a="http://schemas.openxmlformats.org/drawingml/2006/main" xmlns:r="http://schemas.openxmlformats.org/officeDocument/2006/relationships" xmlns:p="http://schemas.openxmlformats.org/presentationml/2006/main">
+  <p:cSld>
+    <p:spTree>
+      <p:nvGrpSpPr>
+        <p:cNvPr id="1" name=""/>
+        <p:cNvGrpSpPr/>
+        <p:nvPr/>
+      </p:nvGrpSpPr>
+      <p:grpSpPr>
+        <a:xfrm>
+          <a:off x="0" y="0"/>
+          <a:ext cx="0" cy="0"/>
+          <a:chOff x="0" y="0"/>
+          <a:chExt cx="0" cy="0"/>
+        </a:xfrm>
+      </p:grpSpPr>
+      <p:sp>
+        <p:nvSpPr>
+          <p:cNvPr id="127" name="Shape 127"/>
+          <p:cNvSpPr>
+            <a:spLocks noGrp="1" noRot="1" noChangeAspect="1"/>
+          </p:cNvSpPr>
+          <p:nvPr>
+            <p:ph type="sldImg"/>
+          </p:nvPr>
+        </p:nvSpPr>
+        <p:spPr>
+          <a:prstGeom prst="rect">
+            <a:avLst/>
+          </a:prstGeom>
+        </p:spPr>
+        <p:txBody>
+          <a:bodyPr/>
+          <a:lstStyle/>
+          <a:p>
+            <a:endParaRPr/>
+          </a:p>
+        </p:txBody>
+      </p:sp>
+      <p:sp>
+        <p:nvSpPr>
+          <p:cNvPr id="128" name="Shape 128"/>
+          <p:cNvSpPr>
+            <a:spLocks noGrp="1"/>
+          </p:cNvSpPr>
+          <p:nvPr>
+            <p:ph type="body" sz="quarter" idx="1"/>
+          </p:nvPr>
+        </p:nvSpPr>
+        <p:spPr>
+          <a:prstGeom prst="rect">
+            <a:avLst/>
+          </a:prstGeom>
+        </p:spPr>
+        <p:txBody>
+          <a:bodyPr/>
+          <a:lstStyle/>
+          <a:p>
+            <a:endParaRPr dirty="0"/>
+          </a:p>
+        </p:txBody>
+      </p:sp>
+    </p:spTree>
+    <p:extLst>
+      <p:ext uri="{BB962C8B-B14F-4D97-AF65-F5344CB8AC3E}">
+        <p14:creationId xmlns:p14="http://schemas.microsoft.com/office/powerpoint/2010/main" val="1222862746"/>
       </p:ext>
     </p:extLst>
   </p:cSld>
@@ -890,14 +2317,7 @@
           <a:bodyPr/>
           <a:lstStyle/>
           <a:p>
-            <a:r>
-              <a:t>First we'll talk about Terraform and terminology</a:t>
-            </a:r>
-          </a:p>
-          <a:p>
-            <a:r>
-              <a:t>Then we'll take a step back and talk about the broader concept of "infrastructure as code"...</a:t>
-            </a:r>
+            <a:endParaRPr dirty="0"/>
           </a:p>
         </p:txBody>
       </p:sp>
@@ -905,6 +2325,82 @@
     <p:extLst>
       <p:ext uri="{BB962C8B-B14F-4D97-AF65-F5344CB8AC3E}">
         <p14:creationId xmlns:p14="http://schemas.microsoft.com/office/powerpoint/2010/main" val="362362302"/>
+      </p:ext>
+    </p:extLst>
+  </p:cSld>
+  <p:clrMapOvr>
+    <a:masterClrMapping/>
+  </p:clrMapOvr>
+</p:notes>
+</file>
+
+<file path=ppt/notesSlides/notesSlide30.xml><?xml version="1.0" encoding="utf-8"?>
+<p:notes xmlns:a="http://schemas.openxmlformats.org/drawingml/2006/main" xmlns:r="http://schemas.openxmlformats.org/officeDocument/2006/relationships" xmlns:p="http://schemas.openxmlformats.org/presentationml/2006/main">
+  <p:cSld>
+    <p:spTree>
+      <p:nvGrpSpPr>
+        <p:cNvPr id="1" name=""/>
+        <p:cNvGrpSpPr/>
+        <p:nvPr/>
+      </p:nvGrpSpPr>
+      <p:grpSpPr>
+        <a:xfrm>
+          <a:off x="0" y="0"/>
+          <a:ext cx="0" cy="0"/>
+          <a:chOff x="0" y="0"/>
+          <a:chExt cx="0" cy="0"/>
+        </a:xfrm>
+      </p:grpSpPr>
+      <p:sp>
+        <p:nvSpPr>
+          <p:cNvPr id="127" name="Shape 127"/>
+          <p:cNvSpPr>
+            <a:spLocks noGrp="1" noRot="1" noChangeAspect="1"/>
+          </p:cNvSpPr>
+          <p:nvPr>
+            <p:ph type="sldImg"/>
+          </p:nvPr>
+        </p:nvSpPr>
+        <p:spPr>
+          <a:prstGeom prst="rect">
+            <a:avLst/>
+          </a:prstGeom>
+        </p:spPr>
+        <p:txBody>
+          <a:bodyPr/>
+          <a:lstStyle/>
+          <a:p>
+            <a:endParaRPr/>
+          </a:p>
+        </p:txBody>
+      </p:sp>
+      <p:sp>
+        <p:nvSpPr>
+          <p:cNvPr id="128" name="Shape 128"/>
+          <p:cNvSpPr>
+            <a:spLocks noGrp="1"/>
+          </p:cNvSpPr>
+          <p:nvPr>
+            <p:ph type="body" sz="quarter" idx="1"/>
+          </p:nvPr>
+        </p:nvSpPr>
+        <p:spPr>
+          <a:prstGeom prst="rect">
+            <a:avLst/>
+          </a:prstGeom>
+        </p:spPr>
+        <p:txBody>
+          <a:bodyPr/>
+          <a:lstStyle/>
+          <a:p>
+            <a:endParaRPr dirty="0"/>
+          </a:p>
+        </p:txBody>
+      </p:sp>
+    </p:spTree>
+    <p:extLst>
+      <p:ext uri="{BB962C8B-B14F-4D97-AF65-F5344CB8AC3E}">
+        <p14:creationId xmlns:p14="http://schemas.microsoft.com/office/powerpoint/2010/main" val="431029472"/>
       </p:ext>
     </p:extLst>
   </p:cSld>
@@ -973,10 +2469,6 @@
           <a:bodyPr/>
           <a:lstStyle/>
           <a:p>
-            <a:r>
-              <a:rPr lang="en-CA" dirty="0" smtClean="0"/>
-              <a:t>Infrastructure as code is about extrapolating the definition of my machines and their requirements into a codified language that I can then use for testability, repeatability and scalability </a:t>
-            </a:r>
             <a:endParaRPr dirty="0"/>
           </a:p>
         </p:txBody>
@@ -1057,62 +2549,7 @@
           <a:bodyPr/>
           <a:lstStyle/>
           <a:p>
-            <a:r>
-              <a:t>Before discussing Terraform, let's discuss the principles and goals of "Infrastructure as Code".</a:t>
-            </a:r>
-          </a:p>
-          <a:p>
-            <a:endParaRPr/>
-          </a:p>
-          <a:p>
-            <a:r>
-              <a:t>When discussing IaC, one of the primary goals is to provide a </a:t>
-            </a:r>
-            <a:r>
-              <a:rPr b="1"/>
-              <a:t>repeatable workflow</a:t>
-            </a:r>
-            <a:r>
-              <a:t> for creating and managing infrastructure. This is especially important in the context of </a:t>
-            </a:r>
-            <a:r>
-              <a:rPr b="1"/>
-              <a:t>ephemeral staging environments or disaster recovery</a:t>
-            </a:r>
-            <a:r>
-              <a:t> scenarios.</a:t>
-            </a:r>
-          </a:p>
-          <a:p>
-            <a:endParaRPr/>
-          </a:p>
-          <a:p>
-            <a:r>
-              <a:t>Arguably of equal importance is the ability to safely manage updates to existing infrastructure components.</a:t>
-            </a:r>
-          </a:p>
-          <a:p>
-            <a:endParaRPr/>
-          </a:p>
-          <a:p>
-            <a:r>
-              <a:t>IaC promises to bring the same tools and techniques of application development (SCM, code review, etc) to infrastructure management.</a:t>
-            </a:r>
-          </a:p>
-          <a:p>
-            <a:endParaRPr/>
-          </a:p>
-          <a:p>
-            <a:r>
-              <a:t>And lastly, IaC aims to expose ways to </a:t>
-            </a:r>
-            <a:r>
-              <a:rPr b="1"/>
-              <a:t>share components and separate responsibilities</a:t>
-            </a:r>
-            <a:r>
-              <a:t> (modules).</a:t>
-            </a:r>
+            <a:endParaRPr dirty="0"/>
           </a:p>
         </p:txBody>
       </p:sp>
@@ -1188,10 +2625,6 @@
           <a:bodyPr/>
           <a:lstStyle/>
           <a:p>
-            <a:r>
-              <a:rPr lang="en-CA" dirty="0" smtClean="0"/>
-              <a:t>Infrastructure as code is about extrapolating the definition of my machines and their requirements into a codified language that I can then use for testability, repeatability and scalability </a:t>
-            </a:r>
             <a:endParaRPr dirty="0"/>
           </a:p>
         </p:txBody>
@@ -1312,7 +2745,7 @@
       </p:grpSpPr>
       <p:sp>
         <p:nvSpPr>
-          <p:cNvPr id="158" name="Shape 158"/>
+          <p:cNvPr id="2" name="Slide Image Placeholder 1"/>
           <p:cNvSpPr>
             <a:spLocks noGrp="1" noRot="1" noChangeAspect="1"/>
           </p:cNvSpPr>
@@ -1320,50 +2753,54 @@
             <p:ph type="sldImg"/>
           </p:nvPr>
         </p:nvSpPr>
-        <p:spPr>
-          <a:prstGeom prst="rect">
-            <a:avLst/>
-          </a:prstGeom>
-        </p:spPr>
-        <p:txBody>
-          <a:bodyPr/>
-          <a:lstStyle/>
-          <a:p>
-            <a:endParaRPr/>
-          </a:p>
-        </p:txBody>
-      </p:sp>
-      <p:sp>
-        <p:nvSpPr>
-          <p:cNvPr id="159" name="Shape 159"/>
+        <p:spPr/>
+      </p:sp>
+      <p:sp>
+        <p:nvSpPr>
+          <p:cNvPr id="3" name="Notes Placeholder 2"/>
           <p:cNvSpPr>
             <a:spLocks noGrp="1"/>
           </p:cNvSpPr>
           <p:nvPr>
-            <p:ph type="body" sz="quarter" idx="1"/>
+            <p:ph type="body" idx="1"/>
           </p:nvPr>
         </p:nvSpPr>
-        <p:spPr>
-          <a:prstGeom prst="rect">
-            <a:avLst/>
-          </a:prstGeom>
-        </p:spPr>
+        <p:spPr/>
         <p:txBody>
           <a:bodyPr/>
           <a:lstStyle/>
           <a:p>
-            <a:r>
-              <a:rPr lang="en-CA" dirty="0" smtClean="0"/>
-              <a:t>Infrastructure as code is about extrapolating the definition of my machines and their requirements into a codified language that I can then use for testability, repeatability and scalability </a:t>
-            </a:r>
-            <a:endParaRPr dirty="0"/>
+            <a:endParaRPr lang="en-US" dirty="0"/>
+          </a:p>
+        </p:txBody>
+      </p:sp>
+      <p:sp>
+        <p:nvSpPr>
+          <p:cNvPr id="4" name="Slide Number Placeholder 3"/>
+          <p:cNvSpPr>
+            <a:spLocks noGrp="1"/>
+          </p:cNvSpPr>
+          <p:nvPr>
+            <p:ph type="sldNum" sz="quarter" idx="10"/>
+          </p:nvPr>
+        </p:nvSpPr>
+        <p:spPr/>
+        <p:txBody>
+          <a:bodyPr/>
+          <a:lstStyle/>
+          <a:p>
+            <a:fld id="{ACBECB46-EB08-8F42-BD62-C384013BF115}" type="slidenum">
+              <a:rPr lang="en-US" smtClean="0"/>
+              <a:t>13</a:t>
+            </a:fld>
+            <a:endParaRPr lang="en-US"/>
           </a:p>
         </p:txBody>
       </p:sp>
     </p:spTree>
     <p:extLst>
       <p:ext uri="{BB962C8B-B14F-4D97-AF65-F5344CB8AC3E}">
-        <p14:creationId xmlns:p14="http://schemas.microsoft.com/office/powerpoint/2010/main" val="503342750"/>
+        <p14:creationId xmlns:p14="http://schemas.microsoft.com/office/powerpoint/2010/main" val="75020891"/>
       </p:ext>
     </p:extLst>
   </p:cSld>
@@ -1432,10 +2869,6 @@
           <a:bodyPr/>
           <a:lstStyle/>
           <a:p>
-            <a:r>
-              <a:rPr lang="en-CA" dirty="0" smtClean="0"/>
-              <a:t>Infrastructure as code is about extrapolating the definition of my machines and their requirements into a codified language that I can then use for testability, repeatability and scalability </a:t>
-            </a:r>
             <a:endParaRPr dirty="0"/>
           </a:p>
         </p:txBody>
@@ -1443,7 +2876,7 @@
     </p:spTree>
     <p:extLst>
       <p:ext uri="{BB962C8B-B14F-4D97-AF65-F5344CB8AC3E}">
-        <p14:creationId xmlns:p14="http://schemas.microsoft.com/office/powerpoint/2010/main" val="2054417189"/>
+        <p14:creationId xmlns:p14="http://schemas.microsoft.com/office/powerpoint/2010/main" val="503342750"/>
       </p:ext>
     </p:extLst>
   </p:cSld>
@@ -3747,6 +5180,390 @@
 </file>
 
 <file path=ppt/slideLayouts/slideLayout20.xml><?xml version="1.0" encoding="utf-8"?>
+<p:sldLayout xmlns:a="http://schemas.openxmlformats.org/drawingml/2006/main" xmlns:r="http://schemas.openxmlformats.org/officeDocument/2006/relationships" xmlns:p="http://schemas.openxmlformats.org/presentationml/2006/main" showMasterSp="0" type="tx">
+  <p:cSld name="Terraform - Terminal">
+    <p:bg>
+      <p:bgPr>
+        <a:solidFill>
+          <a:srgbClr val="FFFFFF"/>
+        </a:solidFill>
+        <a:effectLst/>
+      </p:bgPr>
+    </p:bg>
+    <p:spTree>
+      <p:nvGrpSpPr>
+        <p:cNvPr id="1" name=""/>
+        <p:cNvGrpSpPr/>
+        <p:nvPr/>
+      </p:nvGrpSpPr>
+      <p:grpSpPr>
+        <a:xfrm>
+          <a:off x="0" y="0"/>
+          <a:ext cx="0" cy="0"/>
+          <a:chOff x="0" y="0"/>
+          <a:chExt cx="0" cy="0"/>
+        </a:xfrm>
+      </p:grpSpPr>
+      <p:pic>
+        <p:nvPicPr>
+          <p:cNvPr id="97" name="logo.png" descr="logo.png"/>
+          <p:cNvPicPr>
+            <a:picLocks noChangeAspect="1"/>
+          </p:cNvPicPr>
+          <p:nvPr/>
+        </p:nvPicPr>
+        <p:blipFill>
+          <a:blip r:embed="rId2">
+            <a:extLst/>
+          </a:blip>
+          <a:stretch>
+            <a:fillRect/>
+          </a:stretch>
+        </p:blipFill>
+        <p:spPr>
+          <a:xfrm>
+            <a:off x="-127000" y="3010346"/>
+            <a:ext cx="3810000" cy="4385095"/>
+          </a:xfrm>
+          <a:prstGeom prst="rect">
+            <a:avLst/>
+          </a:prstGeom>
+          <a:ln w="12700">
+            <a:miter lim="400000"/>
+          </a:ln>
+        </p:spPr>
+      </p:pic>
+      <p:sp>
+        <p:nvSpPr>
+          <p:cNvPr id="98" name="Rectangle"/>
+          <p:cNvSpPr/>
+          <p:nvPr/>
+        </p:nvSpPr>
+        <p:spPr>
+          <a:xfrm>
+            <a:off x="2851150" y="931081"/>
+            <a:ext cx="8890000" cy="5252964"/>
+          </a:xfrm>
+          <a:prstGeom prst="rect">
+            <a:avLst/>
+          </a:prstGeom>
+          <a:solidFill>
+            <a:srgbClr val="010223"/>
+          </a:solidFill>
+          <a:ln w="38100">
+            <a:solidFill>
+              <a:srgbClr val="010223"/>
+            </a:solidFill>
+            <a:miter lim="400000"/>
+          </a:ln>
+        </p:spPr>
+        <p:txBody>
+          <a:bodyPr lIns="25400" tIns="25400" rIns="25400" bIns="25400" anchor="ctr"/>
+          <a:lstStyle/>
+          <a:p>
+            <a:pPr defTabSz="412750">
+              <a:defRPr sz="3200"/>
+            </a:pPr>
+            <a:endParaRPr sz="1600"/>
+          </a:p>
+        </p:txBody>
+      </p:sp>
+      <p:sp>
+        <p:nvSpPr>
+          <p:cNvPr id="99" name="Rectangle"/>
+          <p:cNvSpPr/>
+          <p:nvPr/>
+        </p:nvSpPr>
+        <p:spPr>
+          <a:xfrm>
+            <a:off x="2851149" y="667606"/>
+            <a:ext cx="8890001" cy="380499"/>
+          </a:xfrm>
+          <a:prstGeom prst="rect">
+            <a:avLst/>
+          </a:prstGeom>
+          <a:solidFill>
+            <a:srgbClr val="5C4EE5"/>
+          </a:solidFill>
+          <a:ln w="38100">
+            <a:solidFill>
+              <a:srgbClr val="5C4EE5"/>
+            </a:solidFill>
+            <a:miter lim="400000"/>
+          </a:ln>
+        </p:spPr>
+        <p:txBody>
+          <a:bodyPr lIns="25400" tIns="25400" rIns="25400" bIns="25400" anchor="ctr"/>
+          <a:lstStyle/>
+          <a:p>
+            <a:pPr defTabSz="412750">
+              <a:defRPr sz="3200"/>
+            </a:pPr>
+            <a:endParaRPr sz="1600"/>
+          </a:p>
+        </p:txBody>
+      </p:sp>
+      <p:sp>
+        <p:nvSpPr>
+          <p:cNvPr id="100" name="Circle"/>
+          <p:cNvSpPr/>
+          <p:nvPr/>
+        </p:nvSpPr>
+        <p:spPr>
+          <a:xfrm>
+            <a:off x="3406607" y="790003"/>
+            <a:ext cx="135705" cy="135705"/>
+          </a:xfrm>
+          <a:prstGeom prst="ellipse">
+            <a:avLst/>
+          </a:prstGeom>
+          <a:solidFill>
+            <a:srgbClr val="263235">
+              <a:alpha val="40000"/>
+            </a:srgbClr>
+          </a:solidFill>
+          <a:ln w="12700">
+            <a:miter lim="400000"/>
+          </a:ln>
+        </p:spPr>
+        <p:txBody>
+          <a:bodyPr lIns="25400" tIns="25400" rIns="25400" bIns="25400" anchor="ctr"/>
+          <a:lstStyle/>
+          <a:p>
+            <a:pPr defTabSz="412750">
+              <a:defRPr sz="3200"/>
+            </a:pPr>
+            <a:endParaRPr sz="1600"/>
+          </a:p>
+        </p:txBody>
+      </p:sp>
+      <p:sp>
+        <p:nvSpPr>
+          <p:cNvPr id="101" name="Circle"/>
+          <p:cNvSpPr/>
+          <p:nvPr/>
+        </p:nvSpPr>
+        <p:spPr>
+          <a:xfrm>
+            <a:off x="3195718" y="790003"/>
+            <a:ext cx="135706" cy="135705"/>
+          </a:xfrm>
+          <a:prstGeom prst="ellipse">
+            <a:avLst/>
+          </a:prstGeom>
+          <a:solidFill>
+            <a:srgbClr val="263235">
+              <a:alpha val="60000"/>
+            </a:srgbClr>
+          </a:solidFill>
+          <a:ln w="12700">
+            <a:miter lim="400000"/>
+          </a:ln>
+        </p:spPr>
+        <p:txBody>
+          <a:bodyPr lIns="25400" tIns="25400" rIns="25400" bIns="25400" anchor="ctr"/>
+          <a:lstStyle/>
+          <a:p>
+            <a:pPr defTabSz="412750">
+              <a:defRPr sz="3200"/>
+            </a:pPr>
+            <a:endParaRPr sz="1600"/>
+          </a:p>
+        </p:txBody>
+      </p:sp>
+      <p:sp>
+        <p:nvSpPr>
+          <p:cNvPr id="102" name="Circle"/>
+          <p:cNvSpPr/>
+          <p:nvPr/>
+        </p:nvSpPr>
+        <p:spPr>
+          <a:xfrm>
+            <a:off x="2984829" y="790003"/>
+            <a:ext cx="135705" cy="135705"/>
+          </a:xfrm>
+          <a:prstGeom prst="ellipse">
+            <a:avLst/>
+          </a:prstGeom>
+          <a:solidFill>
+            <a:srgbClr val="263235">
+              <a:alpha val="80000"/>
+            </a:srgbClr>
+          </a:solidFill>
+          <a:ln w="12700">
+            <a:miter lim="400000"/>
+          </a:ln>
+        </p:spPr>
+        <p:txBody>
+          <a:bodyPr lIns="25400" tIns="25400" rIns="25400" bIns="25400" anchor="ctr"/>
+          <a:lstStyle/>
+          <a:p>
+            <a:pPr defTabSz="412750">
+              <a:defRPr sz="3200"/>
+            </a:pPr>
+            <a:endParaRPr sz="1600"/>
+          </a:p>
+        </p:txBody>
+      </p:sp>
+      <p:sp>
+        <p:nvSpPr>
+          <p:cNvPr id="103" name="Text"/>
+          <p:cNvSpPr txBox="1">
+            <a:spLocks noGrp="1"/>
+          </p:cNvSpPr>
+          <p:nvPr>
+            <p:ph type="body" sz="quarter" idx="13"/>
+          </p:nvPr>
+        </p:nvSpPr>
+        <p:spPr>
+          <a:xfrm>
+            <a:off x="3128486" y="1293828"/>
+            <a:ext cx="8335328" cy="619657"/>
+          </a:xfrm>
+          <a:prstGeom prst="rect">
+            <a:avLst/>
+          </a:prstGeom>
+        </p:spPr>
+        <p:txBody>
+          <a:bodyPr>
+            <a:spAutoFit/>
+          </a:bodyPr>
+          <a:lstStyle/>
+          <a:p>
+            <a:pPr algn="l">
+              <a:lnSpc>
+                <a:spcPct val="120000"/>
+              </a:lnSpc>
+              <a:defRPr sz="2800">
+                <a:solidFill>
+                  <a:srgbClr val="FFFFFF"/>
+                </a:solidFill>
+                <a:latin typeface="Courier"/>
+                <a:ea typeface="Courier"/>
+                <a:cs typeface="Courier"/>
+                <a:sym typeface="Courier"/>
+              </a:defRPr>
+            </a:pPr>
+            <a:endParaRPr/>
+          </a:p>
+        </p:txBody>
+      </p:sp>
+      <p:sp>
+        <p:nvSpPr>
+          <p:cNvPr id="104" name="Terminal"/>
+          <p:cNvSpPr txBox="1"/>
+          <p:nvPr/>
+        </p:nvSpPr>
+        <p:spPr>
+          <a:xfrm>
+            <a:off x="3573045" y="739875"/>
+            <a:ext cx="7446210" cy="235962"/>
+          </a:xfrm>
+          <a:prstGeom prst="rect">
+            <a:avLst/>
+          </a:prstGeom>
+          <a:ln w="12700">
+            <a:miter lim="400000"/>
+          </a:ln>
+          <a:extLst>
+            <a:ext uri="{C572A759-6A51-4108-AA02-DFA0A04FC94B}">
+              <ma14:wrappingTextBoxFlag xmlns:ma14="http://schemas.microsoft.com/office/mac/drawingml/2011/main" val="1"/>
+            </a:ext>
+          </a:extLst>
+        </p:spPr>
+        <p:txBody>
+          <a:bodyPr lIns="25400" tIns="25400" rIns="25400" bIns="25400" anchor="ctr">
+            <a:spAutoFit/>
+          </a:bodyPr>
+          <a:lstStyle>
+            <a:lvl1pPr defTabSz="825500">
+              <a:defRPr sz="2400" b="1">
+                <a:latin typeface="Courier"/>
+                <a:ea typeface="Courier"/>
+                <a:cs typeface="Courier"/>
+                <a:sym typeface="Courier"/>
+              </a:defRPr>
+            </a:lvl1pPr>
+          </a:lstStyle>
+          <a:p>
+            <a:r>
+              <a:rPr sz="1200"/>
+              <a:t>Terminal</a:t>
+            </a:r>
+          </a:p>
+        </p:txBody>
+      </p:sp>
+      <p:pic>
+        <p:nvPicPr>
+          <p:cNvPr id="105" name="hashicorp-text-black.png" descr="hashicorp-text-black.png"/>
+          <p:cNvPicPr>
+            <a:picLocks noChangeAspect="1"/>
+          </p:cNvPicPr>
+          <p:nvPr/>
+        </p:nvPicPr>
+        <p:blipFill>
+          <a:blip r:embed="rId3">
+            <a:alphaModFix amt="25000"/>
+            <a:extLst/>
+          </a:blip>
+          <a:stretch>
+            <a:fillRect/>
+          </a:stretch>
+        </p:blipFill>
+        <p:spPr>
+          <a:xfrm>
+            <a:off x="10572502" y="6350000"/>
+            <a:ext cx="1428751" cy="317500"/>
+          </a:xfrm>
+          <a:prstGeom prst="rect">
+            <a:avLst/>
+          </a:prstGeom>
+          <a:ln w="12700">
+            <a:miter lim="400000"/>
+          </a:ln>
+        </p:spPr>
+      </p:pic>
+      <p:sp>
+        <p:nvSpPr>
+          <p:cNvPr id="106" name="Slide Number"/>
+          <p:cNvSpPr txBox="1">
+            <a:spLocks noGrp="1"/>
+          </p:cNvSpPr>
+          <p:nvPr>
+            <p:ph type="sldNum" sz="quarter" idx="2"/>
+          </p:nvPr>
+        </p:nvSpPr>
+        <p:spPr>
+          <a:prstGeom prst="rect">
+            <a:avLst/>
+          </a:prstGeom>
+        </p:spPr>
+        <p:txBody>
+          <a:bodyPr/>
+          <a:lstStyle/>
+          <a:p>
+            <a:fld id="{86CB4B4D-7CA3-9044-876B-883B54F8677D}" type="slidenum">
+              <a:t>‹#›</a:t>
+            </a:fld>
+            <a:endParaRPr/>
+          </a:p>
+        </p:txBody>
+      </p:sp>
+    </p:spTree>
+    <p:extLst>
+      <p:ext uri="{BB962C8B-B14F-4D97-AF65-F5344CB8AC3E}">
+        <p14:creationId xmlns:p14="http://schemas.microsoft.com/office/powerpoint/2010/main" val="833342401"/>
+      </p:ext>
+    </p:extLst>
+  </p:cSld>
+  <p:clrMapOvr>
+    <a:masterClrMapping/>
+  </p:clrMapOvr>
+  <p:transition spd="med"/>
+</p:sldLayout>
+</file>
+
+<file path=ppt/slideLayouts/slideLayout21.xml><?xml version="1.0" encoding="utf-8"?>
 <p:sldLayout xmlns:a="http://schemas.openxmlformats.org/drawingml/2006/main" xmlns:r="http://schemas.openxmlformats.org/officeDocument/2006/relationships" xmlns:p="http://schemas.openxmlformats.org/presentationml/2006/main" showMasterSp="0" type="title">
   <p:cSld name="HashiCorp Main">
     <p:bg>
@@ -3936,7 +5753,7 @@
 </p:sldLayout>
 </file>
 
-<file path=ppt/slideLayouts/slideLayout21.xml><?xml version="1.0" encoding="utf-8"?>
+<file path=ppt/slideLayouts/slideLayout22.xml><?xml version="1.0" encoding="utf-8"?>
 <p:sldLayout xmlns:a="http://schemas.openxmlformats.org/drawingml/2006/main" xmlns:r="http://schemas.openxmlformats.org/officeDocument/2006/relationships" xmlns:p="http://schemas.openxmlformats.org/presentationml/2006/main" showMasterSp="0" type="tx">
   <p:cSld name="HashiCorp Photo">
     <p:bg>
@@ -4199,7 +6016,7 @@
 </p:sldLayout>
 </file>
 
-<file path=ppt/slideLayouts/slideLayout22.xml><?xml version="1.0" encoding="utf-8"?>
+<file path=ppt/slideLayouts/slideLayout23.xml><?xml version="1.0" encoding="utf-8"?>
 <p:sldLayout xmlns:a="http://schemas.openxmlformats.org/drawingml/2006/main" xmlns:r="http://schemas.openxmlformats.org/officeDocument/2006/relationships" xmlns:p="http://schemas.openxmlformats.org/presentationml/2006/main" showMasterSp="0" type="tx">
   <p:cSld name="HashiCorp Plain">
     <p:bg>
@@ -4320,7 +6137,7 @@
 </p:sldLayout>
 </file>
 
-<file path=ppt/slideLayouts/slideLayout23.xml><?xml version="1.0" encoding="utf-8"?>
+<file path=ppt/slideLayouts/slideLayout24.xml><?xml version="1.0" encoding="utf-8"?>
 <p:sldLayout xmlns:a="http://schemas.openxmlformats.org/drawingml/2006/main" xmlns:r="http://schemas.openxmlformats.org/officeDocument/2006/relationships" xmlns:p="http://schemas.openxmlformats.org/presentationml/2006/main" type="tx">
   <p:cSld name="Logo">
     <p:spTree>
@@ -4374,7 +6191,7 @@
 </p:sldLayout>
 </file>
 
-<file path=ppt/slideLayouts/slideLayout24.xml><?xml version="1.0" encoding="utf-8"?>
+<file path=ppt/slideLayouts/slideLayout25.xml><?xml version="1.0" encoding="utf-8"?>
 <p:sldLayout xmlns:a="http://schemas.openxmlformats.org/drawingml/2006/main" xmlns:r="http://schemas.openxmlformats.org/officeDocument/2006/relationships" xmlns:p="http://schemas.openxmlformats.org/presentationml/2006/main" showMasterSp="0" type="tx">
   <p:cSld name="Enterprise">
     <p:spTree>
@@ -4457,7 +6274,7 @@
 </p:sldLayout>
 </file>
 
-<file path=ppt/slideLayouts/slideLayout25.xml><?xml version="1.0" encoding="utf-8"?>
+<file path=ppt/slideLayouts/slideLayout26.xml><?xml version="1.0" encoding="utf-8"?>
 <p:sldLayout xmlns:a="http://schemas.openxmlformats.org/drawingml/2006/main" xmlns:r="http://schemas.openxmlformats.org/officeDocument/2006/relationships" xmlns:p="http://schemas.openxmlformats.org/presentationml/2006/main" showMasterSp="0" type="tx">
   <p:cSld name="Terraform - Title">
     <p:bg>
@@ -4638,7 +6455,7 @@
 </p:sldLayout>
 </file>
 
-<file path=ppt/slideLayouts/slideLayout26.xml><?xml version="1.0" encoding="utf-8"?>
+<file path=ppt/slideLayouts/slideLayout27.xml><?xml version="1.0" encoding="utf-8"?>
 <p:sldLayout xmlns:a="http://schemas.openxmlformats.org/drawingml/2006/main" xmlns:r="http://schemas.openxmlformats.org/officeDocument/2006/relationships" xmlns:p="http://schemas.openxmlformats.org/presentationml/2006/main" showMasterSp="0" type="tx">
   <p:cSld name="Terraform - Text">
     <p:bg>
@@ -4951,7 +6768,7 @@
 </p:sldLayout>
 </file>
 
-<file path=ppt/slideLayouts/slideLayout27.xml><?xml version="1.0" encoding="utf-8"?>
+<file path=ppt/slideLayouts/slideLayout28.xml><?xml version="1.0" encoding="utf-8"?>
 <p:sldLayout xmlns:a="http://schemas.openxmlformats.org/drawingml/2006/main" xmlns:r="http://schemas.openxmlformats.org/officeDocument/2006/relationships" xmlns:p="http://schemas.openxmlformats.org/presentationml/2006/main" showMasterSp="0" type="tx">
   <p:cSld name="Terraform - Code">
     <p:bg>
@@ -5349,7 +7166,7 @@
 </p:sldLayout>
 </file>
 
-<file path=ppt/slideLayouts/slideLayout28.xml><?xml version="1.0" encoding="utf-8"?>
+<file path=ppt/slideLayouts/slideLayout29.xml><?xml version="1.0" encoding="utf-8"?>
 <p:sldLayout xmlns:a="http://schemas.openxmlformats.org/drawingml/2006/main" xmlns:r="http://schemas.openxmlformats.org/officeDocument/2006/relationships" xmlns:p="http://schemas.openxmlformats.org/presentationml/2006/main" showMasterSp="0" type="tx">
   <p:cSld name="Terraform - Terminal">
     <p:bg>
@@ -7922,7 +9739,7 @@
           <p:nvPr/>
         </p:nvPicPr>
         <p:blipFill>
-          <a:blip r:embed="rId10">
+          <a:blip r:embed="rId11">
             <a:extLst/>
           </a:blip>
           <a:stretch>
@@ -8111,6 +9928,7 @@
     <p:sldLayoutId id="2147483666" r:id="rId6"/>
     <p:sldLayoutId id="2147483667" r:id="rId7"/>
     <p:sldLayoutId id="2147483678" r:id="rId8"/>
+    <p:sldLayoutId id="2147483679" r:id="rId9"/>
   </p:sldLayoutIdLst>
   <p:transition spd="med"/>
   <p:txStyles>
@@ -11498,36 +13316,6 @@
           <p:nvPr/>
         </p:nvPicPr>
         <p:blipFill>
-          <a:blip r:embed="rId2">
-            <a:extLst>
-              <a:ext uri="{28A0092B-C50C-407E-A947-70E740481C1C}">
-                <a14:useLocalDpi xmlns:a14="http://schemas.microsoft.com/office/drawing/2010/main" val="0"/>
-              </a:ext>
-            </a:extLst>
-          </a:blip>
-          <a:stretch>
-            <a:fillRect/>
-          </a:stretch>
-        </p:blipFill>
-        <p:spPr>
-          <a:xfrm>
-            <a:off x="315437" y="1017269"/>
-            <a:ext cx="4470400" cy="2463800"/>
-          </a:xfrm>
-          <a:prstGeom prst="rect">
-            <a:avLst/>
-          </a:prstGeom>
-        </p:spPr>
-      </p:pic>
-      <p:pic>
-        <p:nvPicPr>
-          <p:cNvPr id="22" name="Picture 21"/>
-          <p:cNvPicPr>
-            <a:picLocks noChangeAspect="1"/>
-          </p:cNvPicPr>
-          <p:nvPr/>
-        </p:nvPicPr>
-        <p:blipFill>
           <a:blip r:embed="rId3">
             <a:extLst>
               <a:ext uri="{28A0092B-C50C-407E-A947-70E740481C1C}">
@@ -11541,6 +13329,36 @@
         </p:blipFill>
         <p:spPr>
           <a:xfrm>
+            <a:off x="315437" y="1017269"/>
+            <a:ext cx="4470400" cy="2463800"/>
+          </a:xfrm>
+          <a:prstGeom prst="rect">
+            <a:avLst/>
+          </a:prstGeom>
+        </p:spPr>
+      </p:pic>
+      <p:pic>
+        <p:nvPicPr>
+          <p:cNvPr id="22" name="Picture 21"/>
+          <p:cNvPicPr>
+            <a:picLocks noChangeAspect="1"/>
+          </p:cNvPicPr>
+          <p:nvPr/>
+        </p:nvPicPr>
+        <p:blipFill>
+          <a:blip r:embed="rId4">
+            <a:extLst>
+              <a:ext uri="{28A0092B-C50C-407E-A947-70E740481C1C}">
+                <a14:useLocalDpi xmlns:a14="http://schemas.microsoft.com/office/drawing/2010/main" val="0"/>
+              </a:ext>
+            </a:extLst>
+          </a:blip>
+          <a:stretch>
+            <a:fillRect/>
+          </a:stretch>
+        </p:blipFill>
+        <p:spPr>
+          <a:xfrm>
             <a:off x="427367" y="3481069"/>
             <a:ext cx="3898900" cy="2819400"/>
           </a:xfrm>
@@ -11558,7 +13376,7 @@
           <p:nvPr/>
         </p:nvPicPr>
         <p:blipFill>
-          <a:blip r:embed="rId4">
+          <a:blip r:embed="rId5">
             <a:extLst>
               <a:ext uri="{28A0092B-C50C-407E-A947-70E740481C1C}">
                 <a14:useLocalDpi xmlns:a14="http://schemas.microsoft.com/office/drawing/2010/main" val="0"/>
@@ -13065,7 +14883,7 @@
         <p:spPr>
           <a:xfrm>
             <a:off x="3128486" y="1293828"/>
-            <a:ext cx="8335328" cy="2170851"/>
+            <a:ext cx="8335328" cy="1801519"/>
           </a:xfrm>
           <a:prstGeom prst="rect">
             <a:avLst/>
@@ -13092,9 +14910,34 @@
               </a:defRPr>
             </a:pPr>
             <a:r>
-              <a:rPr dirty="0"/>
-              <a:t>resource "aws_instance" "web" {</a:t>
-            </a:r>
+              <a:rPr lang="en-US" sz="2300" dirty="0"/>
+              <a:t>resource "</a:t>
+            </a:r>
+            <a:r>
+              <a:rPr lang="en-US" sz="2300" dirty="0" err="1"/>
+              <a:t>azurerm_resource_group</a:t>
+            </a:r>
+            <a:r>
+              <a:rPr lang="en-US" sz="2300" dirty="0"/>
+              <a:t>" </a:t>
+            </a:r>
+            <a:r>
+              <a:rPr lang="en-US" sz="2300" dirty="0" smtClean="0"/>
+              <a:t>“</a:t>
+            </a:r>
+            <a:r>
+              <a:rPr lang="en-US" sz="2300" dirty="0" err="1" smtClean="0"/>
+              <a:t>myfirstrg</a:t>
+            </a:r>
+            <a:r>
+              <a:rPr lang="en-US" sz="2300" dirty="0" smtClean="0"/>
+              <a:t>” </a:t>
+            </a:r>
+            <a:r>
+              <a:rPr lang="en-US" sz="2300" dirty="0"/>
+              <a:t>{  </a:t>
+            </a:r>
+            <a:endParaRPr lang="en-US" sz="2300" dirty="0" smtClean="0"/>
           </a:p>
           <a:p>
             <a:pPr algn="l">
@@ -13109,8 +14952,24 @@
               </a:defRPr>
             </a:pPr>
             <a:r>
-              <a:rPr dirty="0"/>
-              <a:t>  ami           = "ami-9a562df2"</a:t>
+              <a:rPr lang="en-US" sz="2300" dirty="0" smtClean="0"/>
+              <a:t>  name     </a:t>
+            </a:r>
+            <a:r>
+              <a:rPr lang="en-US" sz="2300" dirty="0"/>
+              <a:t>= </a:t>
+            </a:r>
+            <a:r>
+              <a:rPr lang="en-US" sz="2300" dirty="0" smtClean="0"/>
+              <a:t>”</a:t>
+            </a:r>
+            <a:r>
+              <a:rPr lang="en-US" sz="2300" dirty="0" err="1" smtClean="0"/>
+              <a:t>myfirstresourcegroup</a:t>
+            </a:r>
+            <a:r>
+              <a:rPr lang="en-US" sz="2300" dirty="0" smtClean="0"/>
+              <a:t>"  </a:t>
             </a:r>
           </a:p>
           <a:p>
@@ -13126,8 +14985,16 @@
               </a:defRPr>
             </a:pPr>
             <a:r>
-              <a:rPr dirty="0"/>
-              <a:t>  instance_type = "t2.micro"</a:t>
+              <a:rPr lang="en-US" sz="2300" dirty="0" smtClean="0"/>
+              <a:t>  location </a:t>
+            </a:r>
+            <a:r>
+              <a:rPr lang="en-US" sz="2300" dirty="0"/>
+              <a:t>= </a:t>
+            </a:r>
+            <a:r>
+              <a:rPr lang="en-US" sz="2300" dirty="0" smtClean="0"/>
+              <a:t>”East US”</a:t>
             </a:r>
           </a:p>
           <a:p>
@@ -13143,9 +15010,10 @@
               </a:defRPr>
             </a:pPr>
             <a:r>
-              <a:rPr dirty="0"/>
+              <a:rPr lang="en-US" sz="2300" dirty="0" smtClean="0"/>
               <a:t>}</a:t>
             </a:r>
+            <a:endParaRPr sz="2300" dirty="0"/>
           </a:p>
         </p:txBody>
       </p:sp>
@@ -13195,6 +15063,275 @@
     <p:extLst>
       <p:ext uri="{BB962C8B-B14F-4D97-AF65-F5344CB8AC3E}">
         <p14:creationId xmlns:p14="http://schemas.microsoft.com/office/powerpoint/2010/main" val="464220772"/>
+      </p:ext>
+    </p:extLst>
+  </p:cSld>
+  <p:clrMapOvr>
+    <a:masterClrMapping/>
+  </p:clrMapOvr>
+  <p:transition spd="med"/>
+</p:sld>
+</file>
+
+<file path=ppt/slides/slide18.xml><?xml version="1.0" encoding="utf-8"?>
+<p:sld xmlns:a="http://schemas.openxmlformats.org/drawingml/2006/main" xmlns:r="http://schemas.openxmlformats.org/officeDocument/2006/relationships" xmlns:p="http://schemas.openxmlformats.org/presentationml/2006/main">
+  <p:cSld>
+    <p:spTree>
+      <p:nvGrpSpPr>
+        <p:cNvPr id="1" name=""/>
+        <p:cNvGrpSpPr/>
+        <p:nvPr/>
+      </p:nvGrpSpPr>
+      <p:grpSpPr>
+        <a:xfrm>
+          <a:off x="0" y="0"/>
+          <a:ext cx="0" cy="0"/>
+          <a:chOff x="0" y="0"/>
+          <a:chExt cx="0" cy="0"/>
+        </a:xfrm>
+      </p:grpSpPr>
+      <p:sp>
+        <p:nvSpPr>
+          <p:cNvPr id="813" name="Infrastructure as Code (Terraform)"/>
+          <p:cNvSpPr txBox="1">
+            <a:spLocks noGrp="1"/>
+          </p:cNvSpPr>
+          <p:nvPr>
+            <p:ph type="title"/>
+          </p:nvPr>
+        </p:nvSpPr>
+        <p:spPr>
+          <a:prstGeom prst="rect">
+            <a:avLst/>
+          </a:prstGeom>
+        </p:spPr>
+        <p:txBody>
+          <a:bodyPr/>
+          <a:lstStyle/>
+          <a:p>
+            <a:r>
+              <a:rPr lang="en-CA" dirty="0" smtClean="0"/>
+              <a:t>Azure - Resource Group</a:t>
+            </a:r>
+            <a:endParaRPr dirty="0"/>
+          </a:p>
+        </p:txBody>
+      </p:sp>
+      <p:sp>
+        <p:nvSpPr>
+          <p:cNvPr id="814" name="Human-readable configuration (HCL) is designed for human consumption so users can quickly interpret and understand their infrastructure configuration.…"/>
+          <p:cNvSpPr txBox="1">
+            <a:spLocks noGrp="1"/>
+          </p:cNvSpPr>
+          <p:nvPr>
+            <p:ph type="body" idx="1"/>
+          </p:nvPr>
+        </p:nvSpPr>
+        <p:spPr>
+          <a:prstGeom prst="rect">
+            <a:avLst/>
+          </a:prstGeom>
+        </p:spPr>
+        <p:txBody>
+          <a:bodyPr/>
+          <a:lstStyle/>
+          <a:p>
+            <a:r>
+              <a:rPr lang="en-CA" dirty="0" smtClean="0"/>
+              <a:t>A container (not that container) that holds related resource for an Azure solution;</a:t>
+            </a:r>
+          </a:p>
+          <a:p>
+            <a:pPr marL="457200" indent="-457200">
+              <a:buFont typeface="Arial" charset="0"/>
+              <a:buChar char="•"/>
+            </a:pPr>
+            <a:r>
+              <a:rPr lang="en-CA" dirty="0" smtClean="0"/>
+              <a:t>The resource group can include all resources for the solution or only those you want to manage as a group</a:t>
+            </a:r>
+          </a:p>
+          <a:p>
+            <a:pPr marL="457200" indent="-457200">
+              <a:buFont typeface="Arial" charset="0"/>
+              <a:buChar char="•"/>
+            </a:pPr>
+            <a:r>
+              <a:rPr lang="en-CA" dirty="0" smtClean="0"/>
+              <a:t>You decide how you want to allocate resources to resource groups based on what makes sense for you!</a:t>
+            </a:r>
+            <a:endParaRPr dirty="0"/>
+          </a:p>
+        </p:txBody>
+      </p:sp>
+      <p:pic>
+        <p:nvPicPr>
+          <p:cNvPr id="2" name="Picture 1"/>
+          <p:cNvPicPr>
+            <a:picLocks noChangeAspect="1"/>
+          </p:cNvPicPr>
+          <p:nvPr/>
+        </p:nvPicPr>
+        <p:blipFill>
+          <a:blip r:embed="rId3">
+            <a:extLst>
+              <a:ext uri="{28A0092B-C50C-407E-A947-70E740481C1C}">
+                <a14:useLocalDpi xmlns:a14="http://schemas.microsoft.com/office/drawing/2010/main" val="0"/>
+              </a:ext>
+            </a:extLst>
+          </a:blip>
+          <a:stretch>
+            <a:fillRect/>
+          </a:stretch>
+        </p:blipFill>
+        <p:spPr>
+          <a:xfrm>
+            <a:off x="0" y="5626608"/>
+            <a:ext cx="3688080" cy="1231392"/>
+          </a:xfrm>
+          <a:prstGeom prst="rect">
+            <a:avLst/>
+          </a:prstGeom>
+        </p:spPr>
+      </p:pic>
+    </p:spTree>
+    <p:extLst>
+      <p:ext uri="{BB962C8B-B14F-4D97-AF65-F5344CB8AC3E}">
+        <p14:creationId xmlns:p14="http://schemas.microsoft.com/office/powerpoint/2010/main" val="895834274"/>
+      </p:ext>
+    </p:extLst>
+  </p:cSld>
+  <p:clrMapOvr>
+    <a:masterClrMapping/>
+  </p:clrMapOvr>
+  <p:transition spd="med"/>
+</p:sld>
+</file>
+
+<file path=ppt/slides/slide19.xml><?xml version="1.0" encoding="utf-8"?>
+<p:sld xmlns:a="http://schemas.openxmlformats.org/drawingml/2006/main" xmlns:r="http://schemas.openxmlformats.org/officeDocument/2006/relationships" xmlns:p="http://schemas.openxmlformats.org/presentationml/2006/main">
+  <p:cSld>
+    <p:spTree>
+      <p:nvGrpSpPr>
+        <p:cNvPr id="1" name=""/>
+        <p:cNvGrpSpPr/>
+        <p:nvPr/>
+      </p:nvGrpSpPr>
+      <p:grpSpPr>
+        <a:xfrm>
+          <a:off x="0" y="0"/>
+          <a:ext cx="0" cy="0"/>
+          <a:chOff x="0" y="0"/>
+          <a:chExt cx="0" cy="0"/>
+        </a:xfrm>
+      </p:grpSpPr>
+      <p:sp>
+        <p:nvSpPr>
+          <p:cNvPr id="156" name="Terraform's Goals"/>
+          <p:cNvSpPr txBox="1">
+            <a:spLocks noGrp="1"/>
+          </p:cNvSpPr>
+          <p:nvPr>
+            <p:ph type="title"/>
+          </p:nvPr>
+        </p:nvSpPr>
+        <p:spPr>
+          <a:prstGeom prst="rect">
+            <a:avLst/>
+          </a:prstGeom>
+        </p:spPr>
+        <p:txBody>
+          <a:bodyPr/>
+          <a:lstStyle/>
+          <a:p>
+            <a:r>
+              <a:rPr lang="en-CA" dirty="0" smtClean="0"/>
+              <a:t>Group Lab</a:t>
+            </a:r>
+            <a:endParaRPr dirty="0"/>
+          </a:p>
+        </p:txBody>
+      </p:sp>
+      <p:sp>
+        <p:nvSpPr>
+          <p:cNvPr id="157" name="Unify the view of resources using infrastructure as code…"/>
+          <p:cNvSpPr txBox="1">
+            <a:spLocks noGrp="1"/>
+          </p:cNvSpPr>
+          <p:nvPr>
+            <p:ph type="body" idx="1"/>
+          </p:nvPr>
+        </p:nvSpPr>
+        <p:spPr>
+          <a:prstGeom prst="rect">
+            <a:avLst/>
+          </a:prstGeom>
+        </p:spPr>
+        <p:txBody>
+          <a:bodyPr/>
+          <a:lstStyle/>
+          <a:p>
+            <a:pPr marL="514350" indent="-514350">
+              <a:buFont typeface="+mj-lt"/>
+              <a:buAutoNum type="arabicPeriod"/>
+            </a:pPr>
+            <a:r>
+              <a:rPr lang="en-CA" dirty="0" smtClean="0"/>
+              <a:t>Terraform </a:t>
+            </a:r>
+            <a:r>
+              <a:rPr lang="en-CA" dirty="0" err="1" smtClean="0"/>
+              <a:t>Init</a:t>
+            </a:r>
+            <a:endParaRPr lang="en-CA" dirty="0" smtClean="0"/>
+          </a:p>
+          <a:p>
+            <a:pPr marL="514350" indent="-514350">
+              <a:buFont typeface="+mj-lt"/>
+              <a:buAutoNum type="arabicPeriod"/>
+            </a:pPr>
+            <a:r>
+              <a:rPr lang="en-CA" dirty="0" smtClean="0"/>
+              <a:t>Terraform Plan</a:t>
+            </a:r>
+          </a:p>
+          <a:p>
+            <a:pPr marL="514350" indent="-514350">
+              <a:buFont typeface="+mj-lt"/>
+              <a:buAutoNum type="arabicPeriod"/>
+            </a:pPr>
+            <a:r>
+              <a:rPr lang="en-CA" dirty="0" smtClean="0"/>
+              <a:t>Terraform Apply</a:t>
+            </a:r>
+          </a:p>
+          <a:p>
+            <a:pPr marL="514350" indent="-514350">
+              <a:buFont typeface="+mj-lt"/>
+              <a:buAutoNum type="arabicPeriod"/>
+            </a:pPr>
+            <a:endParaRPr lang="en-CA" dirty="0" smtClean="0"/>
+          </a:p>
+          <a:p>
+            <a:pPr marL="514350" indent="-514350">
+              <a:buFont typeface="+mj-lt"/>
+              <a:buAutoNum type="arabicPeriod"/>
+            </a:pPr>
+            <a:endParaRPr lang="en-CA" dirty="0" smtClean="0"/>
+          </a:p>
+          <a:p>
+            <a:pPr marL="514350" indent="-514350">
+              <a:buFont typeface="+mj-lt"/>
+              <a:buAutoNum type="arabicPeriod"/>
+            </a:pPr>
+            <a:endParaRPr i="1" dirty="0"/>
+          </a:p>
+        </p:txBody>
+      </p:sp>
+    </p:spTree>
+    <p:extLst>
+      <p:ext uri="{BB962C8B-B14F-4D97-AF65-F5344CB8AC3E}">
+        <p14:creationId xmlns:p14="http://schemas.microsoft.com/office/powerpoint/2010/main" val="1695149211"/>
       </p:ext>
     </p:extLst>
   </p:cSld>
@@ -13337,6 +15474,2472 @@
 </p:sld>
 </file>
 
+<file path=ppt/slides/slide20.xml><?xml version="1.0" encoding="utf-8"?>
+<p:sld xmlns:a="http://schemas.openxmlformats.org/drawingml/2006/main" xmlns:r="http://schemas.openxmlformats.org/officeDocument/2006/relationships" xmlns:p="http://schemas.openxmlformats.org/presentationml/2006/main">
+  <p:cSld>
+    <p:spTree>
+      <p:nvGrpSpPr>
+        <p:cNvPr id="1" name=""/>
+        <p:cNvGrpSpPr/>
+        <p:nvPr/>
+      </p:nvGrpSpPr>
+      <p:grpSpPr>
+        <a:xfrm>
+          <a:off x="0" y="0"/>
+          <a:ext cx="0" cy="0"/>
+          <a:chOff x="0" y="0"/>
+          <a:chExt cx="0" cy="0"/>
+        </a:xfrm>
+      </p:grpSpPr>
+      <p:sp>
+        <p:nvSpPr>
+          <p:cNvPr id="991" name="Exercise: Run terraform init"/>
+          <p:cNvSpPr txBox="1">
+            <a:spLocks noGrp="1"/>
+          </p:cNvSpPr>
+          <p:nvPr>
+            <p:ph type="title"/>
+          </p:nvPr>
+        </p:nvSpPr>
+        <p:spPr>
+          <a:prstGeom prst="rect">
+            <a:avLst/>
+          </a:prstGeom>
+        </p:spPr>
+        <p:txBody>
+          <a:bodyPr/>
+          <a:lstStyle/>
+          <a:p>
+            <a:r>
+              <a:t>Exercise: Run </a:t>
+            </a:r>
+            <a:r>
+              <a:rPr>
+                <a:latin typeface="Courier"/>
+                <a:ea typeface="Courier"/>
+                <a:cs typeface="Courier"/>
+                <a:sym typeface="Courier"/>
+              </a:rPr>
+              <a:t>terraform init</a:t>
+            </a:r>
+          </a:p>
+        </p:txBody>
+      </p:sp>
+      <p:sp>
+        <p:nvSpPr>
+          <p:cNvPr id="992" name="Run the terraform init command to download the required providers."/>
+          <p:cNvSpPr txBox="1">
+            <a:spLocks noGrp="1"/>
+          </p:cNvSpPr>
+          <p:nvPr>
+            <p:ph type="body" idx="1"/>
+          </p:nvPr>
+        </p:nvSpPr>
+        <p:spPr>
+          <a:prstGeom prst="rect">
+            <a:avLst/>
+          </a:prstGeom>
+        </p:spPr>
+        <p:txBody>
+          <a:bodyPr/>
+          <a:lstStyle/>
+          <a:p>
+            <a:r>
+              <a:t>Run the </a:t>
+            </a:r>
+            <a:r>
+              <a:rPr>
+                <a:latin typeface="Courier"/>
+                <a:ea typeface="Courier"/>
+                <a:cs typeface="Courier"/>
+                <a:sym typeface="Courier"/>
+              </a:rPr>
+              <a:t>terraform init</a:t>
+            </a:r>
+            <a:r>
+              <a:t> command to download the required providers.</a:t>
+            </a:r>
+          </a:p>
+        </p:txBody>
+      </p:sp>
+    </p:spTree>
+    <p:extLst>
+      <p:ext uri="{BB962C8B-B14F-4D97-AF65-F5344CB8AC3E}">
+        <p14:creationId xmlns:p14="http://schemas.microsoft.com/office/powerpoint/2010/main" val="130250442"/>
+      </p:ext>
+    </p:extLst>
+  </p:cSld>
+  <p:clrMapOvr>
+    <a:masterClrMapping/>
+  </p:clrMapOvr>
+  <p:transition spd="med"/>
+</p:sld>
+</file>
+
+<file path=ppt/slides/slide21.xml><?xml version="1.0" encoding="utf-8"?>
+<p:sld xmlns:a="http://schemas.openxmlformats.org/drawingml/2006/main" xmlns:r="http://schemas.openxmlformats.org/officeDocument/2006/relationships" xmlns:p="http://schemas.openxmlformats.org/presentationml/2006/main">
+  <p:cSld>
+    <p:spTree>
+      <p:nvGrpSpPr>
+        <p:cNvPr id="1" name=""/>
+        <p:cNvGrpSpPr/>
+        <p:nvPr/>
+      </p:nvGrpSpPr>
+      <p:grpSpPr>
+        <a:xfrm>
+          <a:off x="0" y="0"/>
+          <a:ext cx="0" cy="0"/>
+          <a:chOff x="0" y="0"/>
+          <a:chExt cx="0" cy="0"/>
+        </a:xfrm>
+      </p:grpSpPr>
+      <p:sp>
+        <p:nvSpPr>
+          <p:cNvPr id="994" name="$ terraform init…"/>
+          <p:cNvSpPr txBox="1">
+            <a:spLocks noGrp="1"/>
+          </p:cNvSpPr>
+          <p:nvPr>
+            <p:ph type="body" idx="13"/>
+          </p:nvPr>
+        </p:nvSpPr>
+        <p:spPr>
+          <a:xfrm>
+            <a:off x="3128486" y="1293828"/>
+            <a:ext cx="8335328" cy="4460708"/>
+          </a:xfrm>
+          <a:prstGeom prst="rect">
+            <a:avLst/>
+          </a:prstGeom>
+          <a:extLst>
+            <a:ext uri="{C572A759-6A51-4108-AA02-DFA0A04FC94B}">
+              <ma14:wrappingTextBoxFlag xmlns:ma14="http://schemas.microsoft.com/office/mac/drawingml/2011/main" val="1"/>
+            </a:ext>
+          </a:extLst>
+        </p:spPr>
+        <p:txBody>
+          <a:bodyPr/>
+          <a:lstStyle/>
+          <a:p>
+            <a:pPr algn="l">
+              <a:lnSpc>
+                <a:spcPct val="120000"/>
+              </a:lnSpc>
+              <a:defRPr sz="2800">
+                <a:solidFill>
+                  <a:srgbClr val="FFFFFF"/>
+                </a:solidFill>
+                <a:latin typeface="Courier"/>
+                <a:ea typeface="Courier"/>
+                <a:cs typeface="Courier"/>
+                <a:sym typeface="Courier"/>
+              </a:defRPr>
+            </a:pPr>
+            <a:r>
+              <a:rPr lang="en-US" sz="1200" dirty="0"/>
+              <a:t>$ </a:t>
+            </a:r>
+            <a:r>
+              <a:rPr lang="en-US" sz="1400" dirty="0"/>
+              <a:t>terraform </a:t>
+            </a:r>
+            <a:r>
+              <a:rPr lang="en-US" sz="1400" dirty="0" err="1" smtClean="0"/>
+              <a:t>init</a:t>
+            </a:r>
+            <a:endParaRPr lang="en-US" sz="1400" dirty="0" smtClean="0"/>
+          </a:p>
+          <a:p>
+            <a:pPr algn="l">
+              <a:lnSpc>
+                <a:spcPct val="120000"/>
+              </a:lnSpc>
+              <a:defRPr sz="2800">
+                <a:solidFill>
+                  <a:srgbClr val="FFFFFF"/>
+                </a:solidFill>
+                <a:latin typeface="Courier"/>
+                <a:ea typeface="Courier"/>
+                <a:cs typeface="Courier"/>
+                <a:sym typeface="Courier"/>
+              </a:defRPr>
+            </a:pPr>
+            <a:r>
+              <a:rPr lang="en-US" sz="1400" dirty="0" smtClean="0">
+                <a:solidFill>
+                  <a:srgbClr val="FFFF00"/>
+                </a:solidFill>
+              </a:rPr>
+              <a:t>Initializing </a:t>
+            </a:r>
+            <a:r>
+              <a:rPr lang="en-US" sz="1400" dirty="0">
+                <a:solidFill>
+                  <a:srgbClr val="FFFF00"/>
+                </a:solidFill>
+              </a:rPr>
+              <a:t>provider plugins</a:t>
+            </a:r>
+            <a:r>
+              <a:rPr lang="en-US" sz="1400" dirty="0" smtClean="0">
+                <a:solidFill>
+                  <a:srgbClr val="FFFF00"/>
+                </a:solidFill>
+              </a:rPr>
+              <a:t>...</a:t>
+            </a:r>
+          </a:p>
+          <a:p>
+            <a:pPr marL="285750" indent="-285750" algn="l">
+              <a:lnSpc>
+                <a:spcPct val="120000"/>
+              </a:lnSpc>
+              <a:buFontTx/>
+              <a:buChar char="-"/>
+              <a:defRPr sz="2800">
+                <a:solidFill>
+                  <a:srgbClr val="FFFFFF"/>
+                </a:solidFill>
+                <a:latin typeface="Courier"/>
+                <a:ea typeface="Courier"/>
+                <a:cs typeface="Courier"/>
+                <a:sym typeface="Courier"/>
+              </a:defRPr>
+            </a:pPr>
+            <a:r>
+              <a:rPr lang="en-US" sz="1400" dirty="0" smtClean="0"/>
+              <a:t>Checking </a:t>
+            </a:r>
+            <a:r>
+              <a:rPr lang="en-US" sz="1400" dirty="0"/>
+              <a:t>for available provider plugins </a:t>
+            </a:r>
+            <a:r>
+              <a:rPr lang="en-US" sz="1400" dirty="0" smtClean="0"/>
+              <a:t>on http://release</a:t>
+            </a:r>
+            <a:r>
+              <a:rPr lang="mr-IN" sz="1400" dirty="0" smtClean="0"/>
+              <a:t>…</a:t>
+            </a:r>
+            <a:endParaRPr lang="en-CA" sz="1400" dirty="0"/>
+          </a:p>
+          <a:p>
+            <a:pPr algn="l">
+              <a:lnSpc>
+                <a:spcPct val="120000"/>
+              </a:lnSpc>
+              <a:defRPr sz="2800">
+                <a:solidFill>
+                  <a:srgbClr val="FFFFFF"/>
+                </a:solidFill>
+                <a:latin typeface="Courier"/>
+                <a:ea typeface="Courier"/>
+                <a:cs typeface="Courier"/>
+                <a:sym typeface="Courier"/>
+              </a:defRPr>
+            </a:pPr>
+            <a:r>
+              <a:rPr lang="en-US" sz="1400" dirty="0" smtClean="0"/>
+              <a:t>- Downloading </a:t>
+            </a:r>
+            <a:r>
+              <a:rPr lang="en-US" sz="1400" dirty="0"/>
+              <a:t>plugin for provider "</a:t>
+            </a:r>
+            <a:r>
+              <a:rPr lang="en-US" sz="1400" dirty="0" err="1"/>
+              <a:t>azurerm</a:t>
+            </a:r>
+            <a:r>
+              <a:rPr lang="en-US" sz="1400" dirty="0"/>
+              <a:t>" (0.3.3</a:t>
+            </a:r>
+            <a:r>
+              <a:rPr lang="en-US" sz="1400" dirty="0" smtClean="0"/>
+              <a:t>)...</a:t>
+            </a:r>
+          </a:p>
+          <a:p>
+            <a:pPr marL="285750" indent="-285750" algn="l">
+              <a:lnSpc>
+                <a:spcPct val="120000"/>
+              </a:lnSpc>
+              <a:buFontTx/>
+              <a:buChar char="-"/>
+              <a:defRPr sz="2800">
+                <a:solidFill>
+                  <a:srgbClr val="FFFFFF"/>
+                </a:solidFill>
+                <a:latin typeface="Courier"/>
+                <a:ea typeface="Courier"/>
+                <a:cs typeface="Courier"/>
+                <a:sym typeface="Courier"/>
+              </a:defRPr>
+            </a:pPr>
+            <a:endParaRPr lang="en-US" sz="1400" dirty="0"/>
+          </a:p>
+          <a:p>
+            <a:pPr algn="l">
+              <a:lnSpc>
+                <a:spcPct val="120000"/>
+              </a:lnSpc>
+              <a:defRPr sz="2800">
+                <a:solidFill>
+                  <a:srgbClr val="FFFFFF"/>
+                </a:solidFill>
+                <a:latin typeface="Courier"/>
+                <a:ea typeface="Courier"/>
+                <a:cs typeface="Courier"/>
+                <a:sym typeface="Courier"/>
+              </a:defRPr>
+            </a:pPr>
+            <a:r>
+              <a:rPr lang="en-US" sz="1400" dirty="0" smtClean="0"/>
+              <a:t>The </a:t>
+            </a:r>
+            <a:r>
+              <a:rPr lang="en-US" sz="1400" dirty="0"/>
+              <a:t>following providers do not have any version constraints in </a:t>
+            </a:r>
+            <a:r>
+              <a:rPr lang="en-US" sz="1400" dirty="0" err="1"/>
+              <a:t>configuration,so</a:t>
+            </a:r>
+            <a:r>
+              <a:rPr lang="en-US" sz="1400" dirty="0"/>
+              <a:t> the latest version was installed</a:t>
+            </a:r>
+            <a:r>
+              <a:rPr lang="en-US" sz="1400" dirty="0" smtClean="0"/>
+              <a:t>.</a:t>
+            </a:r>
+          </a:p>
+          <a:p>
+            <a:pPr algn="l">
+              <a:lnSpc>
+                <a:spcPct val="120000"/>
+              </a:lnSpc>
+              <a:defRPr sz="2800">
+                <a:solidFill>
+                  <a:srgbClr val="FFFFFF"/>
+                </a:solidFill>
+                <a:latin typeface="Courier"/>
+                <a:ea typeface="Courier"/>
+                <a:cs typeface="Courier"/>
+                <a:sym typeface="Courier"/>
+              </a:defRPr>
+            </a:pPr>
+            <a:endParaRPr lang="en-US" sz="1400" dirty="0"/>
+          </a:p>
+          <a:p>
+            <a:pPr algn="l">
+              <a:lnSpc>
+                <a:spcPct val="120000"/>
+              </a:lnSpc>
+              <a:defRPr sz="2800">
+                <a:solidFill>
+                  <a:srgbClr val="FFFFFF"/>
+                </a:solidFill>
+                <a:latin typeface="Courier"/>
+                <a:ea typeface="Courier"/>
+                <a:cs typeface="Courier"/>
+                <a:sym typeface="Courier"/>
+              </a:defRPr>
+            </a:pPr>
+            <a:r>
+              <a:rPr lang="en-US" sz="1400" dirty="0" smtClean="0"/>
+              <a:t>To </a:t>
+            </a:r>
+            <a:r>
+              <a:rPr lang="en-US" sz="1400" dirty="0"/>
+              <a:t>prevent automatic upgrades to new major versions that may contain </a:t>
+            </a:r>
+            <a:r>
+              <a:rPr lang="en-US" sz="1400" dirty="0" err="1"/>
+              <a:t>breakingchanges</a:t>
+            </a:r>
+            <a:r>
+              <a:rPr lang="en-US" sz="1400" dirty="0"/>
+              <a:t>, it is recommended to add version = "..." constraints to </a:t>
+            </a:r>
+            <a:r>
+              <a:rPr lang="en-US" sz="1400" dirty="0" err="1"/>
+              <a:t>thecorresponding</a:t>
+            </a:r>
+            <a:r>
+              <a:rPr lang="en-US" sz="1400" dirty="0"/>
+              <a:t> provider blocks in configuration, with the constraint </a:t>
+            </a:r>
+            <a:r>
+              <a:rPr lang="en-US" sz="1400" dirty="0" err="1"/>
+              <a:t>stringssuggested</a:t>
+            </a:r>
+            <a:r>
+              <a:rPr lang="en-US" sz="1400" dirty="0"/>
+              <a:t> below</a:t>
+            </a:r>
+            <a:r>
+              <a:rPr lang="en-US" sz="1400" dirty="0" smtClean="0"/>
+              <a:t>.</a:t>
+            </a:r>
+          </a:p>
+          <a:p>
+            <a:pPr algn="l">
+              <a:lnSpc>
+                <a:spcPct val="120000"/>
+              </a:lnSpc>
+              <a:defRPr sz="2800">
+                <a:solidFill>
+                  <a:srgbClr val="FFFFFF"/>
+                </a:solidFill>
+                <a:latin typeface="Courier"/>
+                <a:ea typeface="Courier"/>
+                <a:cs typeface="Courier"/>
+                <a:sym typeface="Courier"/>
+              </a:defRPr>
+            </a:pPr>
+            <a:endParaRPr lang="en-US" sz="1400" dirty="0"/>
+          </a:p>
+          <a:p>
+            <a:pPr marL="171450" indent="-171450" algn="l">
+              <a:lnSpc>
+                <a:spcPct val="120000"/>
+              </a:lnSpc>
+              <a:buFont typeface="Arial" charset="0"/>
+              <a:buChar char="•"/>
+              <a:defRPr sz="2800">
+                <a:solidFill>
+                  <a:srgbClr val="FFFFFF"/>
+                </a:solidFill>
+                <a:latin typeface="Courier"/>
+                <a:ea typeface="Courier"/>
+                <a:cs typeface="Courier"/>
+                <a:sym typeface="Courier"/>
+              </a:defRPr>
+            </a:pPr>
+            <a:r>
+              <a:rPr lang="en-US" sz="1400" dirty="0" err="1" smtClean="0"/>
+              <a:t>provider.azurerm</a:t>
+            </a:r>
+            <a:r>
+              <a:rPr lang="en-US" sz="1400" dirty="0"/>
+              <a:t>: version = "~&gt; </a:t>
+            </a:r>
+            <a:r>
+              <a:rPr lang="en-US" sz="1400" dirty="0" smtClean="0"/>
+              <a:t>0.3”</a:t>
+            </a:r>
+          </a:p>
+          <a:p>
+            <a:pPr marL="171450" indent="-171450" algn="l">
+              <a:lnSpc>
+                <a:spcPct val="120000"/>
+              </a:lnSpc>
+              <a:buFont typeface="Arial" charset="0"/>
+              <a:buChar char="•"/>
+              <a:defRPr sz="2800">
+                <a:solidFill>
+                  <a:srgbClr val="FFFFFF"/>
+                </a:solidFill>
+                <a:latin typeface="Courier"/>
+                <a:ea typeface="Courier"/>
+                <a:cs typeface="Courier"/>
+                <a:sym typeface="Courier"/>
+              </a:defRPr>
+            </a:pPr>
+            <a:endParaRPr lang="en-US" sz="1400" dirty="0"/>
+          </a:p>
+          <a:p>
+            <a:pPr algn="l">
+              <a:lnSpc>
+                <a:spcPct val="120000"/>
+              </a:lnSpc>
+              <a:defRPr sz="2800">
+                <a:solidFill>
+                  <a:srgbClr val="FFFFFF"/>
+                </a:solidFill>
+                <a:latin typeface="Courier"/>
+                <a:ea typeface="Courier"/>
+                <a:cs typeface="Courier"/>
+                <a:sym typeface="Courier"/>
+              </a:defRPr>
+            </a:pPr>
+            <a:r>
+              <a:rPr lang="en-US" sz="1400" dirty="0" smtClean="0">
+                <a:solidFill>
+                  <a:schemeClr val="accent2">
+                    <a:lumMod val="60000"/>
+                    <a:lumOff val="40000"/>
+                  </a:schemeClr>
+                </a:solidFill>
+              </a:rPr>
+              <a:t>Terraform </a:t>
+            </a:r>
+            <a:r>
+              <a:rPr lang="en-US" sz="1400" dirty="0">
+                <a:solidFill>
+                  <a:schemeClr val="accent2">
+                    <a:lumMod val="60000"/>
+                    <a:lumOff val="40000"/>
+                  </a:schemeClr>
+                </a:solidFill>
+              </a:rPr>
+              <a:t>has been successfully initialized</a:t>
+            </a:r>
+            <a:r>
+              <a:rPr lang="en-US" sz="1400" dirty="0" smtClean="0">
+                <a:solidFill>
+                  <a:schemeClr val="accent2">
+                    <a:lumMod val="60000"/>
+                    <a:lumOff val="40000"/>
+                  </a:schemeClr>
+                </a:solidFill>
+              </a:rPr>
+              <a:t>!</a:t>
+            </a:r>
+          </a:p>
+          <a:p>
+            <a:pPr algn="l">
+              <a:lnSpc>
+                <a:spcPct val="120000"/>
+              </a:lnSpc>
+              <a:defRPr sz="2800">
+                <a:solidFill>
+                  <a:srgbClr val="FFFFFF"/>
+                </a:solidFill>
+                <a:latin typeface="Courier"/>
+                <a:ea typeface="Courier"/>
+                <a:cs typeface="Courier"/>
+                <a:sym typeface="Courier"/>
+              </a:defRPr>
+            </a:pPr>
+            <a:endParaRPr lang="en-US" sz="1200" dirty="0">
+              <a:solidFill>
+                <a:schemeClr val="accent2">
+                  <a:lumMod val="60000"/>
+                  <a:lumOff val="40000"/>
+                </a:schemeClr>
+              </a:solidFill>
+            </a:endParaRPr>
+          </a:p>
+        </p:txBody>
+      </p:sp>
+    </p:spTree>
+    <p:extLst>
+      <p:ext uri="{BB962C8B-B14F-4D97-AF65-F5344CB8AC3E}">
+        <p14:creationId xmlns:p14="http://schemas.microsoft.com/office/powerpoint/2010/main" val="97387873"/>
+      </p:ext>
+    </p:extLst>
+  </p:cSld>
+  <p:clrMapOvr>
+    <a:masterClrMapping/>
+  </p:clrMapOvr>
+  <p:transition spd="med"/>
+</p:sld>
+</file>
+
+<file path=ppt/slides/slide22.xml><?xml version="1.0" encoding="utf-8"?>
+<p:sld xmlns:a="http://schemas.openxmlformats.org/drawingml/2006/main" xmlns:r="http://schemas.openxmlformats.org/officeDocument/2006/relationships" xmlns:p="http://schemas.openxmlformats.org/presentationml/2006/main">
+  <p:cSld>
+    <p:spTree>
+      <p:nvGrpSpPr>
+        <p:cNvPr id="1" name=""/>
+        <p:cNvGrpSpPr/>
+        <p:nvPr/>
+      </p:nvGrpSpPr>
+      <p:grpSpPr>
+        <a:xfrm>
+          <a:off x="0" y="0"/>
+          <a:ext cx="0" cy="0"/>
+          <a:chOff x="0" y="0"/>
+          <a:chExt cx="0" cy="0"/>
+        </a:xfrm>
+      </p:grpSpPr>
+      <p:sp>
+        <p:nvSpPr>
+          <p:cNvPr id="996" name="Terraform Init"/>
+          <p:cNvSpPr txBox="1">
+            <a:spLocks noGrp="1"/>
+          </p:cNvSpPr>
+          <p:nvPr>
+            <p:ph type="title"/>
+          </p:nvPr>
+        </p:nvSpPr>
+        <p:spPr>
+          <a:prstGeom prst="rect">
+            <a:avLst/>
+          </a:prstGeom>
+        </p:spPr>
+        <p:txBody>
+          <a:bodyPr/>
+          <a:lstStyle/>
+          <a:p>
+            <a:r>
+              <a:t>Terraform Init</a:t>
+            </a:r>
+          </a:p>
+        </p:txBody>
+      </p:sp>
+      <p:sp>
+        <p:nvSpPr>
+          <p:cNvPr id="997" name="You must run terraform init after adding or removing providers.…"/>
+          <p:cNvSpPr txBox="1">
+            <a:spLocks noGrp="1"/>
+          </p:cNvSpPr>
+          <p:nvPr>
+            <p:ph type="body" idx="1"/>
+          </p:nvPr>
+        </p:nvSpPr>
+        <p:spPr>
+          <a:prstGeom prst="rect">
+            <a:avLst/>
+          </a:prstGeom>
+        </p:spPr>
+        <p:txBody>
+          <a:bodyPr/>
+          <a:lstStyle/>
+          <a:p>
+            <a:r>
+              <a:t>You must run </a:t>
+            </a:r>
+            <a:r>
+              <a:rPr>
+                <a:latin typeface="Courier"/>
+                <a:ea typeface="Courier"/>
+                <a:cs typeface="Courier"/>
+                <a:sym typeface="Courier"/>
+              </a:rPr>
+              <a:t>terraform init</a:t>
+            </a:r>
+            <a:r>
+              <a:t> after adding or removing providers.</a:t>
+            </a:r>
+          </a:p>
+          <a:p>
+            <a:r>
+              <a:t>You </a:t>
+            </a:r>
+            <a:r>
+              <a:rPr b="1">
+                <a:latin typeface="Klavika Basic"/>
+                <a:ea typeface="Klavika Basic"/>
+                <a:cs typeface="Klavika Basic"/>
+                <a:sym typeface="Klavika Basic"/>
+              </a:rPr>
+              <a:t>do not</a:t>
+            </a:r>
+            <a:r>
+              <a:t> need to run </a:t>
+            </a:r>
+            <a:r>
+              <a:rPr>
+                <a:latin typeface="Courier"/>
+                <a:ea typeface="Courier"/>
+                <a:cs typeface="Courier"/>
+                <a:sym typeface="Courier"/>
+              </a:rPr>
+              <a:t>terraform init</a:t>
+            </a:r>
+            <a:r>
+              <a:t> before each command.</a:t>
+            </a:r>
+          </a:p>
+          <a:p>
+            <a:r>
+              <a:t>Similar to </a:t>
+            </a:r>
+            <a:r>
+              <a:rPr>
+                <a:latin typeface="Courier"/>
+                <a:ea typeface="Courier"/>
+                <a:cs typeface="Courier"/>
+                <a:sym typeface="Courier"/>
+              </a:rPr>
+              <a:t>git init</a:t>
+            </a:r>
+            <a:r>
+              <a:t>.</a:t>
+            </a:r>
+          </a:p>
+        </p:txBody>
+      </p:sp>
+    </p:spTree>
+    <p:extLst>
+      <p:ext uri="{BB962C8B-B14F-4D97-AF65-F5344CB8AC3E}">
+        <p14:creationId xmlns:p14="http://schemas.microsoft.com/office/powerpoint/2010/main" val="611641951"/>
+      </p:ext>
+    </p:extLst>
+  </p:cSld>
+  <p:clrMapOvr>
+    <a:masterClrMapping/>
+  </p:clrMapOvr>
+  <p:transition spd="med"/>
+</p:sld>
+</file>
+
+<file path=ppt/slides/slide23.xml><?xml version="1.0" encoding="utf-8"?>
+<p:sld xmlns:a="http://schemas.openxmlformats.org/drawingml/2006/main" xmlns:r="http://schemas.openxmlformats.org/officeDocument/2006/relationships" xmlns:p="http://schemas.openxmlformats.org/presentationml/2006/main">
+  <p:cSld>
+    <p:spTree>
+      <p:nvGrpSpPr>
+        <p:cNvPr id="1" name=""/>
+        <p:cNvGrpSpPr/>
+        <p:nvPr/>
+      </p:nvGrpSpPr>
+      <p:grpSpPr>
+        <a:xfrm>
+          <a:off x="0" y="0"/>
+          <a:ext cx="0" cy="0"/>
+          <a:chOff x="0" y="0"/>
+          <a:chExt cx="0" cy="0"/>
+        </a:xfrm>
+      </p:grpSpPr>
+      <p:sp>
+        <p:nvSpPr>
+          <p:cNvPr id="1028" name="Exercise: Run terraform help"/>
+          <p:cNvSpPr txBox="1">
+            <a:spLocks noGrp="1"/>
+          </p:cNvSpPr>
+          <p:nvPr>
+            <p:ph type="title"/>
+          </p:nvPr>
+        </p:nvSpPr>
+        <p:spPr>
+          <a:prstGeom prst="rect">
+            <a:avLst/>
+          </a:prstGeom>
+        </p:spPr>
+        <p:txBody>
+          <a:bodyPr/>
+          <a:lstStyle/>
+          <a:p>
+            <a:r>
+              <a:t>Exercise: Run </a:t>
+            </a:r>
+            <a:r>
+              <a:rPr>
+                <a:latin typeface="Courier"/>
+                <a:ea typeface="Courier"/>
+                <a:cs typeface="Courier"/>
+                <a:sym typeface="Courier"/>
+              </a:rPr>
+              <a:t>terraform help</a:t>
+            </a:r>
+          </a:p>
+        </p:txBody>
+      </p:sp>
+      <p:sp>
+        <p:nvSpPr>
+          <p:cNvPr id="1029" name="Run terraform help to generate the full list of Terraform commands."/>
+          <p:cNvSpPr txBox="1">
+            <a:spLocks noGrp="1"/>
+          </p:cNvSpPr>
+          <p:nvPr>
+            <p:ph type="body" idx="1"/>
+          </p:nvPr>
+        </p:nvSpPr>
+        <p:spPr>
+          <a:prstGeom prst="rect">
+            <a:avLst/>
+          </a:prstGeom>
+        </p:spPr>
+        <p:txBody>
+          <a:bodyPr/>
+          <a:lstStyle/>
+          <a:p>
+            <a:r>
+              <a:t>Run </a:t>
+            </a:r>
+            <a:r>
+              <a:rPr>
+                <a:latin typeface="Courier"/>
+                <a:ea typeface="Courier"/>
+                <a:cs typeface="Courier"/>
+                <a:sym typeface="Courier"/>
+              </a:rPr>
+              <a:t>terraform help</a:t>
+            </a:r>
+            <a:r>
+              <a:t> to generate the full list of Terraform commands.</a:t>
+            </a:r>
+          </a:p>
+        </p:txBody>
+      </p:sp>
+    </p:spTree>
+    <p:extLst>
+      <p:ext uri="{BB962C8B-B14F-4D97-AF65-F5344CB8AC3E}">
+        <p14:creationId xmlns:p14="http://schemas.microsoft.com/office/powerpoint/2010/main" val="1642217082"/>
+      </p:ext>
+    </p:extLst>
+  </p:cSld>
+  <p:clrMapOvr>
+    <a:masterClrMapping/>
+  </p:clrMapOvr>
+  <p:transition spd="med"/>
+</p:sld>
+</file>
+
+<file path=ppt/slides/slide24.xml><?xml version="1.0" encoding="utf-8"?>
+<p:sld xmlns:a="http://schemas.openxmlformats.org/drawingml/2006/main" xmlns:r="http://schemas.openxmlformats.org/officeDocument/2006/relationships" xmlns:p="http://schemas.openxmlformats.org/presentationml/2006/main">
+  <p:cSld>
+    <p:spTree>
+      <p:nvGrpSpPr>
+        <p:cNvPr id="1" name=""/>
+        <p:cNvGrpSpPr/>
+        <p:nvPr/>
+      </p:nvGrpSpPr>
+      <p:grpSpPr>
+        <a:xfrm>
+          <a:off x="0" y="0"/>
+          <a:ext cx="0" cy="0"/>
+          <a:chOff x="0" y="0"/>
+          <a:chExt cx="0" cy="0"/>
+        </a:xfrm>
+      </p:grpSpPr>
+      <p:sp>
+        <p:nvSpPr>
+          <p:cNvPr id="1031" name="$ terraform help…"/>
+          <p:cNvSpPr txBox="1">
+            <a:spLocks noGrp="1"/>
+          </p:cNvSpPr>
+          <p:nvPr>
+            <p:ph type="body" idx="13"/>
+          </p:nvPr>
+        </p:nvSpPr>
+        <p:spPr>
+          <a:xfrm>
+            <a:off x="3128486" y="1293828"/>
+            <a:ext cx="8335328" cy="4739567"/>
+          </a:xfrm>
+          <a:prstGeom prst="rect">
+            <a:avLst/>
+          </a:prstGeom>
+          <a:extLst>
+            <a:ext uri="{C572A759-6A51-4108-AA02-DFA0A04FC94B}">
+              <ma14:wrappingTextBoxFlag xmlns:ma14="http://schemas.microsoft.com/office/mac/drawingml/2011/main" val="1"/>
+            </a:ext>
+          </a:extLst>
+        </p:spPr>
+        <p:txBody>
+          <a:bodyPr/>
+          <a:lstStyle/>
+          <a:p>
+            <a:pPr algn="l">
+              <a:lnSpc>
+                <a:spcPct val="120000"/>
+              </a:lnSpc>
+              <a:defRPr sz="2800">
+                <a:solidFill>
+                  <a:srgbClr val="FFFFFF"/>
+                </a:solidFill>
+                <a:latin typeface="Courier"/>
+                <a:ea typeface="Courier"/>
+                <a:cs typeface="Courier"/>
+                <a:sym typeface="Courier"/>
+              </a:defRPr>
+            </a:pPr>
+            <a:r>
+              <a:rPr sz="1400" dirty="0"/>
+              <a:t>$ terraform help</a:t>
+            </a:r>
+          </a:p>
+          <a:p>
+            <a:pPr algn="l">
+              <a:lnSpc>
+                <a:spcPct val="120000"/>
+              </a:lnSpc>
+              <a:defRPr sz="2800">
+                <a:solidFill>
+                  <a:srgbClr val="FFFFFF"/>
+                </a:solidFill>
+                <a:latin typeface="Courier"/>
+                <a:ea typeface="Courier"/>
+                <a:cs typeface="Courier"/>
+                <a:sym typeface="Courier"/>
+              </a:defRPr>
+            </a:pPr>
+            <a:r>
+              <a:rPr sz="1400" dirty="0"/>
+              <a:t>Common commands:</a:t>
+            </a:r>
+          </a:p>
+          <a:p>
+            <a:pPr algn="l">
+              <a:lnSpc>
+                <a:spcPct val="120000"/>
+              </a:lnSpc>
+              <a:defRPr sz="2800">
+                <a:solidFill>
+                  <a:srgbClr val="FFFFFF"/>
+                </a:solidFill>
+                <a:latin typeface="Courier"/>
+                <a:ea typeface="Courier"/>
+                <a:cs typeface="Courier"/>
+                <a:sym typeface="Courier"/>
+              </a:defRPr>
+            </a:pPr>
+            <a:r>
+              <a:rPr sz="1400" dirty="0"/>
+              <a:t>    apply              Builds or changes infrastructure</a:t>
+            </a:r>
+          </a:p>
+          <a:p>
+            <a:pPr algn="l">
+              <a:lnSpc>
+                <a:spcPct val="120000"/>
+              </a:lnSpc>
+              <a:defRPr sz="2800">
+                <a:solidFill>
+                  <a:srgbClr val="FFFFFF"/>
+                </a:solidFill>
+                <a:latin typeface="Courier"/>
+                <a:ea typeface="Courier"/>
+                <a:cs typeface="Courier"/>
+                <a:sym typeface="Courier"/>
+              </a:defRPr>
+            </a:pPr>
+            <a:r>
+              <a:rPr sz="1400" dirty="0"/>
+              <a:t>    console            Interactive console for Terraform interpolations</a:t>
+            </a:r>
+          </a:p>
+          <a:p>
+            <a:pPr algn="l">
+              <a:lnSpc>
+                <a:spcPct val="120000"/>
+              </a:lnSpc>
+              <a:defRPr sz="2800">
+                <a:solidFill>
+                  <a:srgbClr val="FFFFFF"/>
+                </a:solidFill>
+                <a:latin typeface="Courier"/>
+                <a:ea typeface="Courier"/>
+                <a:cs typeface="Courier"/>
+                <a:sym typeface="Courier"/>
+              </a:defRPr>
+            </a:pPr>
+            <a:r>
+              <a:rPr sz="1400" dirty="0"/>
+              <a:t>    destroy            Destroy Terraform-managed infrastructure</a:t>
+            </a:r>
+          </a:p>
+          <a:p>
+            <a:pPr algn="l">
+              <a:lnSpc>
+                <a:spcPct val="120000"/>
+              </a:lnSpc>
+              <a:defRPr sz="2800">
+                <a:solidFill>
+                  <a:srgbClr val="FFFFFF"/>
+                </a:solidFill>
+                <a:latin typeface="Courier"/>
+                <a:ea typeface="Courier"/>
+                <a:cs typeface="Courier"/>
+                <a:sym typeface="Courier"/>
+              </a:defRPr>
+            </a:pPr>
+            <a:r>
+              <a:rPr sz="1400" dirty="0"/>
+              <a:t>    env                Workspace management</a:t>
+            </a:r>
+          </a:p>
+          <a:p>
+            <a:pPr algn="l">
+              <a:lnSpc>
+                <a:spcPct val="120000"/>
+              </a:lnSpc>
+              <a:defRPr sz="2800">
+                <a:solidFill>
+                  <a:srgbClr val="FFFFFF"/>
+                </a:solidFill>
+                <a:latin typeface="Courier"/>
+                <a:ea typeface="Courier"/>
+                <a:cs typeface="Courier"/>
+                <a:sym typeface="Courier"/>
+              </a:defRPr>
+            </a:pPr>
+            <a:r>
+              <a:rPr sz="1400" dirty="0"/>
+              <a:t>    fmt                Rewrites config files to canonical format</a:t>
+            </a:r>
+          </a:p>
+          <a:p>
+            <a:pPr algn="l">
+              <a:lnSpc>
+                <a:spcPct val="120000"/>
+              </a:lnSpc>
+              <a:defRPr sz="2800">
+                <a:solidFill>
+                  <a:srgbClr val="FFFFFF"/>
+                </a:solidFill>
+                <a:latin typeface="Courier"/>
+                <a:ea typeface="Courier"/>
+                <a:cs typeface="Courier"/>
+                <a:sym typeface="Courier"/>
+              </a:defRPr>
+            </a:pPr>
+            <a:r>
+              <a:rPr sz="1400" dirty="0"/>
+              <a:t>    get                Download and install modules for the configuration</a:t>
+            </a:r>
+          </a:p>
+          <a:p>
+            <a:pPr algn="l">
+              <a:lnSpc>
+                <a:spcPct val="120000"/>
+              </a:lnSpc>
+              <a:defRPr sz="2800">
+                <a:solidFill>
+                  <a:srgbClr val="FFFFFF"/>
+                </a:solidFill>
+                <a:latin typeface="Courier"/>
+                <a:ea typeface="Courier"/>
+                <a:cs typeface="Courier"/>
+                <a:sym typeface="Courier"/>
+              </a:defRPr>
+            </a:pPr>
+            <a:r>
+              <a:rPr sz="1400" dirty="0"/>
+              <a:t>    graph              Create a visual graph of Terraform resources</a:t>
+            </a:r>
+          </a:p>
+          <a:p>
+            <a:pPr algn="l">
+              <a:lnSpc>
+                <a:spcPct val="120000"/>
+              </a:lnSpc>
+              <a:defRPr sz="2800">
+                <a:solidFill>
+                  <a:srgbClr val="FFFFFF"/>
+                </a:solidFill>
+                <a:latin typeface="Courier"/>
+                <a:ea typeface="Courier"/>
+                <a:cs typeface="Courier"/>
+                <a:sym typeface="Courier"/>
+              </a:defRPr>
+            </a:pPr>
+            <a:r>
+              <a:rPr sz="1400" dirty="0"/>
+              <a:t>    import             Import existing infrastructure into Terraform</a:t>
+            </a:r>
+          </a:p>
+          <a:p>
+            <a:pPr algn="l">
+              <a:lnSpc>
+                <a:spcPct val="120000"/>
+              </a:lnSpc>
+              <a:defRPr sz="2800">
+                <a:solidFill>
+                  <a:srgbClr val="FFFFFF"/>
+                </a:solidFill>
+                <a:latin typeface="Courier"/>
+                <a:ea typeface="Courier"/>
+                <a:cs typeface="Courier"/>
+                <a:sym typeface="Courier"/>
+              </a:defRPr>
+            </a:pPr>
+            <a:r>
+              <a:rPr sz="1400" dirty="0"/>
+              <a:t>    init               Initialize a Terraform working directory</a:t>
+            </a:r>
+          </a:p>
+          <a:p>
+            <a:pPr algn="l">
+              <a:lnSpc>
+                <a:spcPct val="120000"/>
+              </a:lnSpc>
+              <a:defRPr sz="2800">
+                <a:solidFill>
+                  <a:srgbClr val="FFFFFF"/>
+                </a:solidFill>
+                <a:latin typeface="Courier"/>
+                <a:ea typeface="Courier"/>
+                <a:cs typeface="Courier"/>
+                <a:sym typeface="Courier"/>
+              </a:defRPr>
+            </a:pPr>
+            <a:r>
+              <a:rPr sz="1400" dirty="0"/>
+              <a:t>    output             Read an output from a state file</a:t>
+            </a:r>
+          </a:p>
+          <a:p>
+            <a:pPr algn="l">
+              <a:lnSpc>
+                <a:spcPct val="120000"/>
+              </a:lnSpc>
+              <a:defRPr sz="2800">
+                <a:solidFill>
+                  <a:srgbClr val="FFFFFF"/>
+                </a:solidFill>
+                <a:latin typeface="Courier"/>
+                <a:ea typeface="Courier"/>
+                <a:cs typeface="Courier"/>
+                <a:sym typeface="Courier"/>
+              </a:defRPr>
+            </a:pPr>
+            <a:r>
+              <a:rPr sz="1400" dirty="0"/>
+              <a:t>    plan               Generate and show an execution plan</a:t>
+            </a:r>
+          </a:p>
+          <a:p>
+            <a:pPr algn="l">
+              <a:lnSpc>
+                <a:spcPct val="120000"/>
+              </a:lnSpc>
+              <a:defRPr sz="2800">
+                <a:solidFill>
+                  <a:srgbClr val="FFFFFF"/>
+                </a:solidFill>
+                <a:latin typeface="Courier"/>
+                <a:ea typeface="Courier"/>
+                <a:cs typeface="Courier"/>
+                <a:sym typeface="Courier"/>
+              </a:defRPr>
+            </a:pPr>
+            <a:r>
+              <a:rPr sz="1400" dirty="0"/>
+              <a:t>    providers          Prints a tree of the providers used in the config</a:t>
+            </a:r>
+          </a:p>
+          <a:p>
+            <a:pPr algn="l">
+              <a:lnSpc>
+                <a:spcPct val="120000"/>
+              </a:lnSpc>
+              <a:defRPr sz="2800">
+                <a:solidFill>
+                  <a:srgbClr val="FFFFFF"/>
+                </a:solidFill>
+                <a:latin typeface="Courier"/>
+                <a:ea typeface="Courier"/>
+                <a:cs typeface="Courier"/>
+                <a:sym typeface="Courier"/>
+              </a:defRPr>
+            </a:pPr>
+            <a:r>
+              <a:rPr sz="1400" dirty="0"/>
+              <a:t>    push               Upload this Terraform module to Atlas to run</a:t>
+            </a:r>
+          </a:p>
+          <a:p>
+            <a:pPr algn="l">
+              <a:lnSpc>
+                <a:spcPct val="120000"/>
+              </a:lnSpc>
+              <a:defRPr sz="2800">
+                <a:solidFill>
+                  <a:srgbClr val="FFFFFF"/>
+                </a:solidFill>
+                <a:latin typeface="Courier"/>
+                <a:ea typeface="Courier"/>
+                <a:cs typeface="Courier"/>
+                <a:sym typeface="Courier"/>
+              </a:defRPr>
+            </a:pPr>
+            <a:r>
+              <a:rPr sz="1400" dirty="0"/>
+              <a:t>    refresh            Update local state file against real resources</a:t>
+            </a:r>
+          </a:p>
+          <a:p>
+            <a:pPr algn="l">
+              <a:lnSpc>
+                <a:spcPct val="120000"/>
+              </a:lnSpc>
+              <a:defRPr sz="2800">
+                <a:solidFill>
+                  <a:srgbClr val="FFFFFF"/>
+                </a:solidFill>
+                <a:latin typeface="Courier"/>
+                <a:ea typeface="Courier"/>
+                <a:cs typeface="Courier"/>
+                <a:sym typeface="Courier"/>
+              </a:defRPr>
+            </a:pPr>
+            <a:r>
+              <a:rPr sz="1400" dirty="0"/>
+              <a:t>    show               Inspect Terraform state or plan</a:t>
+            </a:r>
+          </a:p>
+          <a:p>
+            <a:pPr algn="l">
+              <a:lnSpc>
+                <a:spcPct val="120000"/>
+              </a:lnSpc>
+              <a:defRPr sz="2800">
+                <a:solidFill>
+                  <a:srgbClr val="FFFFFF"/>
+                </a:solidFill>
+                <a:latin typeface="Courier"/>
+                <a:ea typeface="Courier"/>
+                <a:cs typeface="Courier"/>
+                <a:sym typeface="Courier"/>
+              </a:defRPr>
+            </a:pPr>
+            <a:r>
+              <a:rPr sz="1400" dirty="0"/>
+              <a:t>    taint              Manually mark a resource for recreation</a:t>
+            </a:r>
+          </a:p>
+        </p:txBody>
+      </p:sp>
+    </p:spTree>
+    <p:extLst>
+      <p:ext uri="{BB962C8B-B14F-4D97-AF65-F5344CB8AC3E}">
+        <p14:creationId xmlns:p14="http://schemas.microsoft.com/office/powerpoint/2010/main" val="1282665930"/>
+      </p:ext>
+    </p:extLst>
+  </p:cSld>
+  <p:clrMapOvr>
+    <a:masterClrMapping/>
+  </p:clrMapOvr>
+  <p:transition spd="med"/>
+</p:sld>
+</file>
+
+<file path=ppt/slides/slide25.xml><?xml version="1.0" encoding="utf-8"?>
+<p:sld xmlns:a="http://schemas.openxmlformats.org/drawingml/2006/main" xmlns:r="http://schemas.openxmlformats.org/officeDocument/2006/relationships" xmlns:p="http://schemas.openxmlformats.org/presentationml/2006/main">
+  <p:cSld>
+    <p:spTree>
+      <p:nvGrpSpPr>
+        <p:cNvPr id="1" name=""/>
+        <p:cNvGrpSpPr/>
+        <p:nvPr/>
+      </p:nvGrpSpPr>
+      <p:grpSpPr>
+        <a:xfrm>
+          <a:off x="0" y="0"/>
+          <a:ext cx="0" cy="0"/>
+          <a:chOff x="0" y="0"/>
+          <a:chExt cx="0" cy="0"/>
+        </a:xfrm>
+      </p:grpSpPr>
+      <p:sp>
+        <p:nvSpPr>
+          <p:cNvPr id="1035" name="$ terraform help…"/>
+          <p:cNvSpPr txBox="1">
+            <a:spLocks noGrp="1"/>
+          </p:cNvSpPr>
+          <p:nvPr>
+            <p:ph type="body" idx="13"/>
+          </p:nvPr>
+        </p:nvSpPr>
+        <p:spPr>
+          <a:xfrm>
+            <a:off x="3128486" y="1293828"/>
+            <a:ext cx="8335328" cy="4739567"/>
+          </a:xfrm>
+          <a:prstGeom prst="rect">
+            <a:avLst/>
+          </a:prstGeom>
+          <a:extLst>
+            <a:ext uri="{C572A759-6A51-4108-AA02-DFA0A04FC94B}">
+              <ma14:wrappingTextBoxFlag xmlns:ma14="http://schemas.microsoft.com/office/mac/drawingml/2011/main" val="1"/>
+            </a:ext>
+          </a:extLst>
+        </p:spPr>
+        <p:txBody>
+          <a:bodyPr/>
+          <a:lstStyle/>
+          <a:p>
+            <a:pPr algn="l">
+              <a:lnSpc>
+                <a:spcPct val="120000"/>
+              </a:lnSpc>
+              <a:defRPr sz="2800">
+                <a:solidFill>
+                  <a:srgbClr val="FFFFFF"/>
+                </a:solidFill>
+                <a:latin typeface="Courier"/>
+                <a:ea typeface="Courier"/>
+                <a:cs typeface="Courier"/>
+                <a:sym typeface="Courier"/>
+              </a:defRPr>
+            </a:pPr>
+            <a:r>
+              <a:rPr sz="1400" dirty="0"/>
+              <a:t>$ terraform help</a:t>
+            </a:r>
+          </a:p>
+          <a:p>
+            <a:pPr algn="l">
+              <a:lnSpc>
+                <a:spcPct val="120000"/>
+              </a:lnSpc>
+              <a:defRPr sz="2800">
+                <a:solidFill>
+                  <a:srgbClr val="FFFFFF"/>
+                </a:solidFill>
+                <a:latin typeface="Courier"/>
+                <a:ea typeface="Courier"/>
+                <a:cs typeface="Courier"/>
+                <a:sym typeface="Courier"/>
+              </a:defRPr>
+            </a:pPr>
+            <a:r>
+              <a:rPr sz="1400" dirty="0"/>
+              <a:t>Common commands:</a:t>
+            </a:r>
+          </a:p>
+          <a:p>
+            <a:pPr algn="l">
+              <a:lnSpc>
+                <a:spcPct val="120000"/>
+              </a:lnSpc>
+              <a:defRPr sz="2800">
+                <a:solidFill>
+                  <a:srgbClr val="FFFFFF"/>
+                </a:solidFill>
+                <a:latin typeface="Courier"/>
+                <a:ea typeface="Courier"/>
+                <a:cs typeface="Courier"/>
+                <a:sym typeface="Courier"/>
+              </a:defRPr>
+            </a:pPr>
+            <a:r>
+              <a:rPr sz="1400" dirty="0"/>
+              <a:t>    </a:t>
+            </a:r>
+            <a:r>
+              <a:rPr sz="1400" b="1" u="sng" dirty="0"/>
+              <a:t>apply</a:t>
+            </a:r>
+            <a:r>
+              <a:rPr sz="1400" dirty="0"/>
+              <a:t>              Builds or changes infrastructure</a:t>
+            </a:r>
+          </a:p>
+          <a:p>
+            <a:pPr algn="l">
+              <a:lnSpc>
+                <a:spcPct val="120000"/>
+              </a:lnSpc>
+              <a:defRPr sz="2800">
+                <a:solidFill>
+                  <a:srgbClr val="FFFFFF"/>
+                </a:solidFill>
+                <a:latin typeface="Courier"/>
+                <a:ea typeface="Courier"/>
+                <a:cs typeface="Courier"/>
+                <a:sym typeface="Courier"/>
+              </a:defRPr>
+            </a:pPr>
+            <a:r>
+              <a:rPr sz="1400" dirty="0"/>
+              <a:t>    console            Interactive console for Terraform interpolations</a:t>
+            </a:r>
+          </a:p>
+          <a:p>
+            <a:pPr algn="l">
+              <a:lnSpc>
+                <a:spcPct val="120000"/>
+              </a:lnSpc>
+              <a:defRPr sz="2800">
+                <a:solidFill>
+                  <a:srgbClr val="FFFFFF"/>
+                </a:solidFill>
+                <a:latin typeface="Courier"/>
+                <a:ea typeface="Courier"/>
+                <a:cs typeface="Courier"/>
+                <a:sym typeface="Courier"/>
+              </a:defRPr>
+            </a:pPr>
+            <a:r>
+              <a:rPr sz="1400" dirty="0"/>
+              <a:t>    destroy            Destroy Terraform-managed infrastructure</a:t>
+            </a:r>
+          </a:p>
+          <a:p>
+            <a:pPr algn="l">
+              <a:lnSpc>
+                <a:spcPct val="120000"/>
+              </a:lnSpc>
+              <a:defRPr sz="2800">
+                <a:solidFill>
+                  <a:srgbClr val="FFFFFF"/>
+                </a:solidFill>
+                <a:latin typeface="Courier"/>
+                <a:ea typeface="Courier"/>
+                <a:cs typeface="Courier"/>
+                <a:sym typeface="Courier"/>
+              </a:defRPr>
+            </a:pPr>
+            <a:r>
+              <a:rPr sz="1400" dirty="0"/>
+              <a:t>    env                Workspace management</a:t>
+            </a:r>
+          </a:p>
+          <a:p>
+            <a:pPr algn="l">
+              <a:lnSpc>
+                <a:spcPct val="120000"/>
+              </a:lnSpc>
+              <a:defRPr sz="2800">
+                <a:solidFill>
+                  <a:srgbClr val="FFFFFF"/>
+                </a:solidFill>
+                <a:latin typeface="Courier"/>
+                <a:ea typeface="Courier"/>
+                <a:cs typeface="Courier"/>
+                <a:sym typeface="Courier"/>
+              </a:defRPr>
+            </a:pPr>
+            <a:r>
+              <a:rPr sz="1400" dirty="0"/>
+              <a:t>    fmt                Rewrites config files to canonical format</a:t>
+            </a:r>
+          </a:p>
+          <a:p>
+            <a:pPr algn="l">
+              <a:lnSpc>
+                <a:spcPct val="120000"/>
+              </a:lnSpc>
+              <a:defRPr sz="2800">
+                <a:solidFill>
+                  <a:srgbClr val="FFFFFF"/>
+                </a:solidFill>
+                <a:latin typeface="Courier"/>
+                <a:ea typeface="Courier"/>
+                <a:cs typeface="Courier"/>
+                <a:sym typeface="Courier"/>
+              </a:defRPr>
+            </a:pPr>
+            <a:r>
+              <a:rPr sz="1400" dirty="0"/>
+              <a:t>    get                Download and install modules for the configuration</a:t>
+            </a:r>
+          </a:p>
+          <a:p>
+            <a:pPr algn="l">
+              <a:lnSpc>
+                <a:spcPct val="120000"/>
+              </a:lnSpc>
+              <a:defRPr sz="2800">
+                <a:solidFill>
+                  <a:srgbClr val="FFFFFF"/>
+                </a:solidFill>
+                <a:latin typeface="Courier"/>
+                <a:ea typeface="Courier"/>
+                <a:cs typeface="Courier"/>
+                <a:sym typeface="Courier"/>
+              </a:defRPr>
+            </a:pPr>
+            <a:r>
+              <a:rPr sz="1400" dirty="0"/>
+              <a:t>    graph              Create a visual graph of Terraform resources</a:t>
+            </a:r>
+          </a:p>
+          <a:p>
+            <a:pPr algn="l">
+              <a:lnSpc>
+                <a:spcPct val="120000"/>
+              </a:lnSpc>
+              <a:defRPr sz="2800">
+                <a:solidFill>
+                  <a:srgbClr val="FFFFFF"/>
+                </a:solidFill>
+                <a:latin typeface="Courier"/>
+                <a:ea typeface="Courier"/>
+                <a:cs typeface="Courier"/>
+                <a:sym typeface="Courier"/>
+              </a:defRPr>
+            </a:pPr>
+            <a:r>
+              <a:rPr sz="1400" dirty="0"/>
+              <a:t>    import             Import existing infrastructure into Terraform</a:t>
+            </a:r>
+          </a:p>
+          <a:p>
+            <a:pPr algn="l">
+              <a:lnSpc>
+                <a:spcPct val="120000"/>
+              </a:lnSpc>
+              <a:defRPr sz="2800">
+                <a:solidFill>
+                  <a:srgbClr val="FFFFFF"/>
+                </a:solidFill>
+                <a:latin typeface="Courier"/>
+                <a:ea typeface="Courier"/>
+                <a:cs typeface="Courier"/>
+                <a:sym typeface="Courier"/>
+              </a:defRPr>
+            </a:pPr>
+            <a:r>
+              <a:rPr sz="1400" dirty="0"/>
+              <a:t>    init               Initialize a Terraform working directory</a:t>
+            </a:r>
+          </a:p>
+          <a:p>
+            <a:pPr algn="l">
+              <a:lnSpc>
+                <a:spcPct val="120000"/>
+              </a:lnSpc>
+              <a:defRPr sz="2800">
+                <a:solidFill>
+                  <a:srgbClr val="FFFFFF"/>
+                </a:solidFill>
+                <a:latin typeface="Courier"/>
+                <a:ea typeface="Courier"/>
+                <a:cs typeface="Courier"/>
+                <a:sym typeface="Courier"/>
+              </a:defRPr>
+            </a:pPr>
+            <a:r>
+              <a:rPr sz="1400" dirty="0"/>
+              <a:t>    output             Read an output from a state file</a:t>
+            </a:r>
+          </a:p>
+          <a:p>
+            <a:pPr algn="l">
+              <a:lnSpc>
+                <a:spcPct val="120000"/>
+              </a:lnSpc>
+              <a:defRPr sz="2800">
+                <a:solidFill>
+                  <a:srgbClr val="FFFFFF"/>
+                </a:solidFill>
+                <a:latin typeface="Courier"/>
+                <a:ea typeface="Courier"/>
+                <a:cs typeface="Courier"/>
+                <a:sym typeface="Courier"/>
+              </a:defRPr>
+            </a:pPr>
+            <a:r>
+              <a:rPr sz="1400" dirty="0"/>
+              <a:t>    </a:t>
+            </a:r>
+            <a:r>
+              <a:rPr sz="1400" b="1" u="sng" dirty="0"/>
+              <a:t>plan</a:t>
+            </a:r>
+            <a:r>
+              <a:rPr sz="1400" dirty="0"/>
+              <a:t>               Generate and show an execution plan</a:t>
+            </a:r>
+          </a:p>
+          <a:p>
+            <a:pPr algn="l">
+              <a:lnSpc>
+                <a:spcPct val="120000"/>
+              </a:lnSpc>
+              <a:defRPr sz="2800">
+                <a:solidFill>
+                  <a:srgbClr val="FFFFFF"/>
+                </a:solidFill>
+                <a:latin typeface="Courier"/>
+                <a:ea typeface="Courier"/>
+                <a:cs typeface="Courier"/>
+                <a:sym typeface="Courier"/>
+              </a:defRPr>
+            </a:pPr>
+            <a:r>
+              <a:rPr sz="1400" dirty="0"/>
+              <a:t>    providers          Prints a tree of the providers used in the config</a:t>
+            </a:r>
+          </a:p>
+          <a:p>
+            <a:pPr algn="l">
+              <a:lnSpc>
+                <a:spcPct val="120000"/>
+              </a:lnSpc>
+              <a:defRPr sz="2800">
+                <a:solidFill>
+                  <a:srgbClr val="FFFFFF"/>
+                </a:solidFill>
+                <a:latin typeface="Courier"/>
+                <a:ea typeface="Courier"/>
+                <a:cs typeface="Courier"/>
+                <a:sym typeface="Courier"/>
+              </a:defRPr>
+            </a:pPr>
+            <a:r>
+              <a:rPr sz="1400" dirty="0"/>
+              <a:t>    push               Upload this Terraform module to Atlas to run</a:t>
+            </a:r>
+          </a:p>
+          <a:p>
+            <a:pPr algn="l">
+              <a:lnSpc>
+                <a:spcPct val="120000"/>
+              </a:lnSpc>
+              <a:defRPr sz="2800">
+                <a:solidFill>
+                  <a:srgbClr val="FFFFFF"/>
+                </a:solidFill>
+                <a:latin typeface="Courier"/>
+                <a:ea typeface="Courier"/>
+                <a:cs typeface="Courier"/>
+                <a:sym typeface="Courier"/>
+              </a:defRPr>
+            </a:pPr>
+            <a:r>
+              <a:rPr sz="1400" dirty="0"/>
+              <a:t>    refresh            Update local state file against real resources</a:t>
+            </a:r>
+          </a:p>
+          <a:p>
+            <a:pPr algn="l">
+              <a:lnSpc>
+                <a:spcPct val="120000"/>
+              </a:lnSpc>
+              <a:defRPr sz="2800">
+                <a:solidFill>
+                  <a:srgbClr val="FFFFFF"/>
+                </a:solidFill>
+                <a:latin typeface="Courier"/>
+                <a:ea typeface="Courier"/>
+                <a:cs typeface="Courier"/>
+                <a:sym typeface="Courier"/>
+              </a:defRPr>
+            </a:pPr>
+            <a:r>
+              <a:rPr sz="1400" dirty="0"/>
+              <a:t>    show               Inspect Terraform state or plan</a:t>
+            </a:r>
+          </a:p>
+          <a:p>
+            <a:pPr algn="l">
+              <a:lnSpc>
+                <a:spcPct val="120000"/>
+              </a:lnSpc>
+              <a:defRPr sz="2800">
+                <a:solidFill>
+                  <a:srgbClr val="FFFFFF"/>
+                </a:solidFill>
+                <a:latin typeface="Courier"/>
+                <a:ea typeface="Courier"/>
+                <a:cs typeface="Courier"/>
+                <a:sym typeface="Courier"/>
+              </a:defRPr>
+            </a:pPr>
+            <a:r>
+              <a:rPr sz="1400" dirty="0"/>
+              <a:t>    taint              Manually mark a resource for recreation</a:t>
+            </a:r>
+          </a:p>
+        </p:txBody>
+      </p:sp>
+    </p:spTree>
+    <p:extLst>
+      <p:ext uri="{BB962C8B-B14F-4D97-AF65-F5344CB8AC3E}">
+        <p14:creationId xmlns:p14="http://schemas.microsoft.com/office/powerpoint/2010/main" val="770511337"/>
+      </p:ext>
+    </p:extLst>
+  </p:cSld>
+  <p:clrMapOvr>
+    <a:masterClrMapping/>
+  </p:clrMapOvr>
+  <p:transition spd="med"/>
+</p:sld>
+</file>
+
+<file path=ppt/slides/slide26.xml><?xml version="1.0" encoding="utf-8"?>
+<p:sld xmlns:a="http://schemas.openxmlformats.org/drawingml/2006/main" xmlns:r="http://schemas.openxmlformats.org/officeDocument/2006/relationships" xmlns:p="http://schemas.openxmlformats.org/presentationml/2006/main">
+  <p:cSld>
+    <p:spTree>
+      <p:nvGrpSpPr>
+        <p:cNvPr id="1" name=""/>
+        <p:cNvGrpSpPr/>
+        <p:nvPr/>
+      </p:nvGrpSpPr>
+      <p:grpSpPr>
+        <a:xfrm>
+          <a:off x="0" y="0"/>
+          <a:ext cx="0" cy="0"/>
+          <a:chOff x="0" y="0"/>
+          <a:chExt cx="0" cy="0"/>
+        </a:xfrm>
+      </p:grpSpPr>
+      <p:sp>
+        <p:nvSpPr>
+          <p:cNvPr id="1039" name="Command: terraform plan"/>
+          <p:cNvSpPr txBox="1">
+            <a:spLocks noGrp="1"/>
+          </p:cNvSpPr>
+          <p:nvPr>
+            <p:ph type="title"/>
+          </p:nvPr>
+        </p:nvSpPr>
+        <p:spPr>
+          <a:prstGeom prst="rect">
+            <a:avLst/>
+          </a:prstGeom>
+        </p:spPr>
+        <p:txBody>
+          <a:bodyPr/>
+          <a:lstStyle/>
+          <a:p>
+            <a:r>
+              <a:t>Command: </a:t>
+            </a:r>
+            <a:r>
+              <a:rPr>
+                <a:latin typeface="Courier"/>
+                <a:ea typeface="Courier"/>
+                <a:cs typeface="Courier"/>
+                <a:sym typeface="Courier"/>
+              </a:rPr>
+              <a:t>terraform plan</a:t>
+            </a:r>
+          </a:p>
+        </p:txBody>
+      </p:sp>
+      <p:sp>
+        <p:nvSpPr>
+          <p:cNvPr id="1040" name="The plan shows you what will happen…"/>
+          <p:cNvSpPr txBox="1">
+            <a:spLocks noGrp="1"/>
+          </p:cNvSpPr>
+          <p:nvPr>
+            <p:ph type="body" idx="1"/>
+          </p:nvPr>
+        </p:nvSpPr>
+        <p:spPr>
+          <a:prstGeom prst="rect">
+            <a:avLst/>
+          </a:prstGeom>
+        </p:spPr>
+        <p:txBody>
+          <a:bodyPr/>
+          <a:lstStyle/>
+          <a:p>
+            <a:r>
+              <a:t>The plan shows you what will happen</a:t>
+            </a:r>
+          </a:p>
+          <a:p>
+            <a:r>
+              <a:t>You can save plans to guarantee what will happen</a:t>
+            </a:r>
+          </a:p>
+          <a:p>
+            <a:r>
+              <a:t>Plans show reasons for certain actions (such as re-create)</a:t>
+            </a:r>
+          </a:p>
+          <a:p>
+            <a:r>
+              <a:t>Prior to Terraform, users had to guess change ordering, parallelization, and rollout effect</a:t>
+            </a:r>
+          </a:p>
+        </p:txBody>
+      </p:sp>
+    </p:spTree>
+    <p:extLst>
+      <p:ext uri="{BB962C8B-B14F-4D97-AF65-F5344CB8AC3E}">
+        <p14:creationId xmlns:p14="http://schemas.microsoft.com/office/powerpoint/2010/main" val="17638934"/>
+      </p:ext>
+    </p:extLst>
+  </p:cSld>
+  <p:clrMapOvr>
+    <a:masterClrMapping/>
+  </p:clrMapOvr>
+  <p:transition spd="med"/>
+</p:sld>
+</file>
+
+<file path=ppt/slides/slide27.xml><?xml version="1.0" encoding="utf-8"?>
+<p:sld xmlns:a="http://schemas.openxmlformats.org/drawingml/2006/main" xmlns:r="http://schemas.openxmlformats.org/officeDocument/2006/relationships" xmlns:p="http://schemas.openxmlformats.org/presentationml/2006/main">
+  <p:cSld>
+    <p:spTree>
+      <p:nvGrpSpPr>
+        <p:cNvPr id="1" name=""/>
+        <p:cNvGrpSpPr/>
+        <p:nvPr/>
+      </p:nvGrpSpPr>
+      <p:grpSpPr>
+        <a:xfrm>
+          <a:off x="0" y="0"/>
+          <a:ext cx="0" cy="0"/>
+          <a:chOff x="0" y="0"/>
+          <a:chExt cx="0" cy="0"/>
+        </a:xfrm>
+      </p:grpSpPr>
+      <p:sp>
+        <p:nvSpPr>
+          <p:cNvPr id="1044" name="Command: terraform plan"/>
+          <p:cNvSpPr txBox="1">
+            <a:spLocks noGrp="1"/>
+          </p:cNvSpPr>
+          <p:nvPr>
+            <p:ph type="title"/>
+          </p:nvPr>
+        </p:nvSpPr>
+        <p:spPr>
+          <a:prstGeom prst="rect">
+            <a:avLst/>
+          </a:prstGeom>
+        </p:spPr>
+        <p:txBody>
+          <a:bodyPr/>
+          <a:lstStyle/>
+          <a:p>
+            <a:r>
+              <a:t>Command: </a:t>
+            </a:r>
+            <a:r>
+              <a:rPr>
+                <a:latin typeface="Courier"/>
+                <a:ea typeface="Courier"/>
+                <a:cs typeface="Courier"/>
+                <a:sym typeface="Courier"/>
+              </a:rPr>
+              <a:t>terraform plan</a:t>
+            </a:r>
+          </a:p>
+        </p:txBody>
+      </p:sp>
+      <p:sp>
+        <p:nvSpPr>
+          <p:cNvPr id="1045" name="+ indicates a resource will be created…"/>
+          <p:cNvSpPr txBox="1">
+            <a:spLocks noGrp="1"/>
+          </p:cNvSpPr>
+          <p:nvPr>
+            <p:ph type="body" idx="1"/>
+          </p:nvPr>
+        </p:nvSpPr>
+        <p:spPr>
+          <a:prstGeom prst="rect">
+            <a:avLst/>
+          </a:prstGeom>
+        </p:spPr>
+        <p:txBody>
+          <a:bodyPr/>
+          <a:lstStyle/>
+          <a:p>
+            <a:r>
+              <a:rPr sz="2500">
+                <a:solidFill>
+                  <a:schemeClr val="accent2"/>
+                </a:solidFill>
+                <a:latin typeface="Courier"/>
+                <a:ea typeface="Courier"/>
+                <a:cs typeface="Courier"/>
+                <a:sym typeface="Courier"/>
+              </a:rPr>
+              <a:t>+</a:t>
+            </a:r>
+            <a:r>
+              <a:t> indicates a resource will be created</a:t>
+            </a:r>
+          </a:p>
+          <a:p>
+            <a:r>
+              <a:rPr sz="2500">
+                <a:solidFill>
+                  <a:schemeClr val="accent5">
+                    <a:hueOff val="100859"/>
+                    <a:satOff val="-13629"/>
+                    <a:lumOff val="23879"/>
+                  </a:schemeClr>
+                </a:solidFill>
+                <a:latin typeface="Courier"/>
+                <a:ea typeface="Courier"/>
+                <a:cs typeface="Courier"/>
+                <a:sym typeface="Courier"/>
+              </a:rPr>
+              <a:t>-</a:t>
+            </a:r>
+            <a:r>
+              <a:t> indicates a resource will be destroyed</a:t>
+            </a:r>
+          </a:p>
+          <a:p>
+            <a:r>
+              <a:rPr sz="2500">
+                <a:solidFill>
+                  <a:schemeClr val="accent6">
+                    <a:hueOff val="105381"/>
+                    <a:satOff val="14341"/>
+                    <a:lumOff val="10801"/>
+                  </a:schemeClr>
+                </a:solidFill>
+                <a:latin typeface="Courier"/>
+                <a:ea typeface="Courier"/>
+                <a:cs typeface="Courier"/>
+                <a:sym typeface="Courier"/>
+              </a:rPr>
+              <a:t>~</a:t>
+            </a:r>
+            <a:r>
+              <a:t> indicates a resource will be updated in-place</a:t>
+            </a:r>
+          </a:p>
+          <a:p>
+            <a:r>
+              <a:rPr sz="2500">
+                <a:solidFill>
+                  <a:schemeClr val="accent6">
+                    <a:hueOff val="105381"/>
+                    <a:satOff val="14341"/>
+                    <a:lumOff val="10801"/>
+                  </a:schemeClr>
+                </a:solidFill>
+                <a:latin typeface="Courier"/>
+                <a:ea typeface="Courier"/>
+                <a:cs typeface="Courier"/>
+                <a:sym typeface="Courier"/>
+              </a:rPr>
+              <a:t>-/+</a:t>
+            </a:r>
+            <a:r>
+              <a:t> indicates a resources will be destroyed and re-created</a:t>
+            </a:r>
+          </a:p>
+        </p:txBody>
+      </p:sp>
+    </p:spTree>
+    <p:extLst>
+      <p:ext uri="{BB962C8B-B14F-4D97-AF65-F5344CB8AC3E}">
+        <p14:creationId xmlns:p14="http://schemas.microsoft.com/office/powerpoint/2010/main" val="780746224"/>
+      </p:ext>
+    </p:extLst>
+  </p:cSld>
+  <p:clrMapOvr>
+    <a:masterClrMapping/>
+  </p:clrMapOvr>
+  <p:transition spd="med"/>
+</p:sld>
+</file>
+
+<file path=ppt/slides/slide28.xml><?xml version="1.0" encoding="utf-8"?>
+<p:sld xmlns:a="http://schemas.openxmlformats.org/drawingml/2006/main" xmlns:r="http://schemas.openxmlformats.org/officeDocument/2006/relationships" xmlns:p="http://schemas.openxmlformats.org/presentationml/2006/main">
+  <p:cSld>
+    <p:spTree>
+      <p:nvGrpSpPr>
+        <p:cNvPr id="1" name=""/>
+        <p:cNvGrpSpPr/>
+        <p:nvPr/>
+      </p:nvGrpSpPr>
+      <p:grpSpPr>
+        <a:xfrm>
+          <a:off x="0" y="0"/>
+          <a:ext cx="0" cy="0"/>
+          <a:chOff x="0" y="0"/>
+          <a:chExt cx="0" cy="0"/>
+        </a:xfrm>
+      </p:grpSpPr>
+      <p:sp>
+        <p:nvSpPr>
+          <p:cNvPr id="1049" name="Exercise: Run terraform plan"/>
+          <p:cNvSpPr txBox="1">
+            <a:spLocks noGrp="1"/>
+          </p:cNvSpPr>
+          <p:nvPr>
+            <p:ph type="title"/>
+          </p:nvPr>
+        </p:nvSpPr>
+        <p:spPr>
+          <a:prstGeom prst="rect">
+            <a:avLst/>
+          </a:prstGeom>
+        </p:spPr>
+        <p:txBody>
+          <a:bodyPr/>
+          <a:lstStyle/>
+          <a:p>
+            <a:r>
+              <a:t>Exercise: Run </a:t>
+            </a:r>
+            <a:r>
+              <a:rPr>
+                <a:latin typeface="Courier"/>
+                <a:ea typeface="Courier"/>
+                <a:cs typeface="Courier"/>
+                <a:sym typeface="Courier"/>
+              </a:rPr>
+              <a:t>terraform plan</a:t>
+            </a:r>
+          </a:p>
+        </p:txBody>
+      </p:sp>
+      <p:sp>
+        <p:nvSpPr>
+          <p:cNvPr id="1050" name="Run terraform plan on the Terraform files created in the previous section. Leave the output on the screen for the instructor to see."/>
+          <p:cNvSpPr txBox="1">
+            <a:spLocks noGrp="1"/>
+          </p:cNvSpPr>
+          <p:nvPr>
+            <p:ph type="body" idx="1"/>
+          </p:nvPr>
+        </p:nvSpPr>
+        <p:spPr>
+          <a:prstGeom prst="rect">
+            <a:avLst/>
+          </a:prstGeom>
+        </p:spPr>
+        <p:txBody>
+          <a:bodyPr/>
+          <a:lstStyle/>
+          <a:p>
+            <a:r>
+              <a:t>Run </a:t>
+            </a:r>
+            <a:r>
+              <a:rPr>
+                <a:latin typeface="Courier"/>
+                <a:ea typeface="Courier"/>
+                <a:cs typeface="Courier"/>
+                <a:sym typeface="Courier"/>
+              </a:rPr>
+              <a:t>terraform plan</a:t>
+            </a:r>
+            <a:r>
+              <a:t> on the Terraform files created in the previous section. Leave the output on the screen for the instructor to see.</a:t>
+            </a:r>
+          </a:p>
+        </p:txBody>
+      </p:sp>
+    </p:spTree>
+    <p:extLst>
+      <p:ext uri="{BB962C8B-B14F-4D97-AF65-F5344CB8AC3E}">
+        <p14:creationId xmlns:p14="http://schemas.microsoft.com/office/powerpoint/2010/main" val="872069519"/>
+      </p:ext>
+    </p:extLst>
+  </p:cSld>
+  <p:clrMapOvr>
+    <a:masterClrMapping/>
+  </p:clrMapOvr>
+  <p:transition spd="med"/>
+</p:sld>
+</file>
+
+<file path=ppt/slides/slide29.xml><?xml version="1.0" encoding="utf-8"?>
+<p:sld xmlns:a="http://schemas.openxmlformats.org/drawingml/2006/main" xmlns:r="http://schemas.openxmlformats.org/officeDocument/2006/relationships" xmlns:p="http://schemas.openxmlformats.org/presentationml/2006/main">
+  <p:cSld>
+    <p:spTree>
+      <p:nvGrpSpPr>
+        <p:cNvPr id="1" name=""/>
+        <p:cNvGrpSpPr/>
+        <p:nvPr/>
+      </p:nvGrpSpPr>
+      <p:grpSpPr>
+        <a:xfrm>
+          <a:off x="0" y="0"/>
+          <a:ext cx="0" cy="0"/>
+          <a:chOff x="0" y="0"/>
+          <a:chExt cx="0" cy="0"/>
+        </a:xfrm>
+      </p:grpSpPr>
+      <p:sp>
+        <p:nvSpPr>
+          <p:cNvPr id="1054" name="$ terraform plan…"/>
+          <p:cNvSpPr txBox="1">
+            <a:spLocks noGrp="1"/>
+          </p:cNvSpPr>
+          <p:nvPr>
+            <p:ph type="body" idx="13"/>
+          </p:nvPr>
+        </p:nvSpPr>
+        <p:spPr>
+          <a:xfrm>
+            <a:off x="3128486" y="1293828"/>
+            <a:ext cx="8335328" cy="2429383"/>
+          </a:xfrm>
+          <a:prstGeom prst="rect">
+            <a:avLst/>
+          </a:prstGeom>
+          <a:extLst>
+            <a:ext uri="{C572A759-6A51-4108-AA02-DFA0A04FC94B}">
+              <ma14:wrappingTextBoxFlag xmlns:ma14="http://schemas.microsoft.com/office/mac/drawingml/2011/main" val="1"/>
+            </a:ext>
+          </a:extLst>
+        </p:spPr>
+        <p:txBody>
+          <a:bodyPr/>
+          <a:lstStyle/>
+          <a:p>
+            <a:pPr algn="l">
+              <a:lnSpc>
+                <a:spcPct val="120000"/>
+              </a:lnSpc>
+              <a:defRPr sz="2800">
+                <a:solidFill>
+                  <a:srgbClr val="FFFFFF"/>
+                </a:solidFill>
+                <a:latin typeface="Courier"/>
+                <a:ea typeface="Courier"/>
+                <a:cs typeface="Courier"/>
+                <a:sym typeface="Courier"/>
+              </a:defRPr>
+            </a:pPr>
+            <a:r>
+              <a:rPr sz="1400" dirty="0"/>
+              <a:t>$ terraform </a:t>
+            </a:r>
+            <a:r>
+              <a:rPr sz="1400" dirty="0" smtClean="0"/>
+              <a:t>plan</a:t>
+            </a:r>
+            <a:endParaRPr lang="en-CA" sz="1400" dirty="0" smtClean="0"/>
+          </a:p>
+          <a:p>
+            <a:pPr algn="l">
+              <a:lnSpc>
+                <a:spcPct val="120000"/>
+              </a:lnSpc>
+              <a:defRPr sz="2800">
+                <a:solidFill>
+                  <a:srgbClr val="FFFFFF"/>
+                </a:solidFill>
+                <a:latin typeface="Courier"/>
+                <a:ea typeface="Courier"/>
+                <a:cs typeface="Courier"/>
+                <a:sym typeface="Courier"/>
+              </a:defRPr>
+            </a:pPr>
+            <a:endParaRPr sz="1400" dirty="0"/>
+          </a:p>
+          <a:p>
+            <a:pPr algn="l">
+              <a:lnSpc>
+                <a:spcPct val="120000"/>
+              </a:lnSpc>
+              <a:defRPr sz="2800">
+                <a:solidFill>
+                  <a:schemeClr val="accent2">
+                    <a:hueOff val="-1342298"/>
+                    <a:satOff val="-4651"/>
+                    <a:lumOff val="19617"/>
+                  </a:schemeClr>
+                </a:solidFill>
+                <a:latin typeface="Courier"/>
+                <a:ea typeface="Courier"/>
+                <a:cs typeface="Courier"/>
+                <a:sym typeface="Courier"/>
+              </a:defRPr>
+            </a:pPr>
+            <a:r>
+              <a:rPr lang="en-US" sz="1400" dirty="0"/>
+              <a:t>+ </a:t>
+            </a:r>
+            <a:r>
+              <a:rPr lang="en-US" sz="1400" dirty="0" err="1"/>
+              <a:t>azurerm_resource_group.myfirstrg</a:t>
+            </a:r>
+            <a:r>
+              <a:rPr lang="en-US" sz="1400" dirty="0"/>
+              <a:t>      </a:t>
+            </a:r>
+            <a:endParaRPr lang="en-US" sz="1400" dirty="0" smtClean="0"/>
+          </a:p>
+          <a:p>
+            <a:pPr algn="l">
+              <a:lnSpc>
+                <a:spcPct val="120000"/>
+              </a:lnSpc>
+              <a:defRPr sz="2800">
+                <a:solidFill>
+                  <a:schemeClr val="accent2">
+                    <a:hueOff val="-1342298"/>
+                    <a:satOff val="-4651"/>
+                    <a:lumOff val="19617"/>
+                  </a:schemeClr>
+                </a:solidFill>
+                <a:latin typeface="Courier"/>
+                <a:ea typeface="Courier"/>
+                <a:cs typeface="Courier"/>
+                <a:sym typeface="Courier"/>
+              </a:defRPr>
+            </a:pPr>
+            <a:r>
+              <a:rPr lang="en-US" sz="1400" dirty="0">
+                <a:solidFill>
+                  <a:schemeClr val="tx1"/>
+                </a:solidFill>
+              </a:rPr>
+              <a:t>	</a:t>
+            </a:r>
+            <a:r>
+              <a:rPr lang="en-US" sz="1400" dirty="0" smtClean="0">
+                <a:solidFill>
+                  <a:schemeClr val="tx1"/>
+                </a:solidFill>
+              </a:rPr>
+              <a:t>id</a:t>
+            </a:r>
+            <a:r>
+              <a:rPr lang="en-US" sz="1400" dirty="0">
+                <a:solidFill>
+                  <a:schemeClr val="tx1"/>
+                </a:solidFill>
+              </a:rPr>
+              <a:t>:       &lt;computed&gt;      </a:t>
+            </a:r>
+            <a:endParaRPr lang="en-US" sz="1400" dirty="0" smtClean="0">
+              <a:solidFill>
+                <a:schemeClr val="tx1"/>
+              </a:solidFill>
+            </a:endParaRPr>
+          </a:p>
+          <a:p>
+            <a:pPr algn="l">
+              <a:lnSpc>
+                <a:spcPct val="120000"/>
+              </a:lnSpc>
+              <a:defRPr sz="2800">
+                <a:solidFill>
+                  <a:schemeClr val="accent2">
+                    <a:hueOff val="-1342298"/>
+                    <a:satOff val="-4651"/>
+                    <a:lumOff val="19617"/>
+                  </a:schemeClr>
+                </a:solidFill>
+                <a:latin typeface="Courier"/>
+                <a:ea typeface="Courier"/>
+                <a:cs typeface="Courier"/>
+                <a:sym typeface="Courier"/>
+              </a:defRPr>
+            </a:pPr>
+            <a:r>
+              <a:rPr lang="en-US" sz="1400" dirty="0">
+                <a:solidFill>
+                  <a:schemeClr val="tx1"/>
+                </a:solidFill>
+              </a:rPr>
+              <a:t>	</a:t>
+            </a:r>
+            <a:r>
+              <a:rPr lang="en-US" sz="1400" dirty="0" smtClean="0">
+                <a:solidFill>
+                  <a:schemeClr val="tx1"/>
+                </a:solidFill>
+              </a:rPr>
+              <a:t>location</a:t>
+            </a:r>
+            <a:r>
+              <a:rPr lang="en-US" sz="1400" dirty="0">
+                <a:solidFill>
+                  <a:schemeClr val="tx1"/>
+                </a:solidFill>
+              </a:rPr>
+              <a:t>: "</a:t>
+            </a:r>
+            <a:r>
+              <a:rPr lang="en-US" sz="1400" dirty="0" err="1">
+                <a:solidFill>
+                  <a:schemeClr val="tx1"/>
+                </a:solidFill>
+              </a:rPr>
+              <a:t>eastus</a:t>
+            </a:r>
+            <a:r>
+              <a:rPr lang="en-US" sz="1400" dirty="0">
+                <a:solidFill>
+                  <a:schemeClr val="tx1"/>
+                </a:solidFill>
+              </a:rPr>
+              <a:t>"      </a:t>
+            </a:r>
+            <a:endParaRPr lang="en-US" sz="1400" dirty="0" smtClean="0">
+              <a:solidFill>
+                <a:schemeClr val="tx1"/>
+              </a:solidFill>
+            </a:endParaRPr>
+          </a:p>
+          <a:p>
+            <a:pPr algn="l">
+              <a:lnSpc>
+                <a:spcPct val="120000"/>
+              </a:lnSpc>
+              <a:defRPr sz="2800">
+                <a:solidFill>
+                  <a:schemeClr val="accent2">
+                    <a:hueOff val="-1342298"/>
+                    <a:satOff val="-4651"/>
+                    <a:lumOff val="19617"/>
+                  </a:schemeClr>
+                </a:solidFill>
+                <a:latin typeface="Courier"/>
+                <a:ea typeface="Courier"/>
+                <a:cs typeface="Courier"/>
+                <a:sym typeface="Courier"/>
+              </a:defRPr>
+            </a:pPr>
+            <a:r>
+              <a:rPr lang="en-US" sz="1400" dirty="0">
+                <a:solidFill>
+                  <a:schemeClr val="tx1"/>
+                </a:solidFill>
+              </a:rPr>
+              <a:t>	</a:t>
+            </a:r>
+            <a:r>
+              <a:rPr lang="en-US" sz="1400" dirty="0" smtClean="0">
+                <a:solidFill>
+                  <a:schemeClr val="tx1"/>
+                </a:solidFill>
+              </a:rPr>
+              <a:t>name</a:t>
+            </a:r>
+            <a:r>
+              <a:rPr lang="en-US" sz="1400" dirty="0">
+                <a:solidFill>
+                  <a:schemeClr val="tx1"/>
+                </a:solidFill>
+              </a:rPr>
+              <a:t>:     "</a:t>
+            </a:r>
+            <a:r>
+              <a:rPr lang="en-US" sz="1400" dirty="0" err="1">
+                <a:solidFill>
+                  <a:schemeClr val="tx1"/>
+                </a:solidFill>
+              </a:rPr>
+              <a:t>myfirstresourcegroup</a:t>
+            </a:r>
+            <a:r>
+              <a:rPr lang="en-US" sz="1400" dirty="0">
+                <a:solidFill>
+                  <a:schemeClr val="tx1"/>
+                </a:solidFill>
+              </a:rPr>
+              <a:t>"      </a:t>
+            </a:r>
+            <a:endParaRPr lang="en-US" sz="1400" dirty="0" smtClean="0">
+              <a:solidFill>
+                <a:schemeClr val="tx1"/>
+              </a:solidFill>
+            </a:endParaRPr>
+          </a:p>
+          <a:p>
+            <a:pPr algn="l">
+              <a:lnSpc>
+                <a:spcPct val="120000"/>
+              </a:lnSpc>
+              <a:defRPr sz="2800">
+                <a:solidFill>
+                  <a:schemeClr val="accent2">
+                    <a:hueOff val="-1342298"/>
+                    <a:satOff val="-4651"/>
+                    <a:lumOff val="19617"/>
+                  </a:schemeClr>
+                </a:solidFill>
+                <a:latin typeface="Courier"/>
+                <a:ea typeface="Courier"/>
+                <a:cs typeface="Courier"/>
+                <a:sym typeface="Courier"/>
+              </a:defRPr>
+            </a:pPr>
+            <a:r>
+              <a:rPr lang="en-US" sz="1400" dirty="0">
+                <a:solidFill>
+                  <a:schemeClr val="tx1"/>
+                </a:solidFill>
+              </a:rPr>
+              <a:t>	</a:t>
+            </a:r>
+            <a:r>
+              <a:rPr lang="en-US" sz="1400" dirty="0" smtClean="0">
+                <a:solidFill>
+                  <a:schemeClr val="tx1"/>
+                </a:solidFill>
+              </a:rPr>
+              <a:t>tags</a:t>
+            </a:r>
+            <a:r>
+              <a:rPr lang="en-US" sz="1400" dirty="0">
+                <a:solidFill>
+                  <a:schemeClr val="tx1"/>
+                </a:solidFill>
+              </a:rPr>
+              <a:t>.%:   &lt;computed</a:t>
+            </a:r>
+            <a:r>
+              <a:rPr lang="en-US" sz="1400" dirty="0" smtClean="0">
+                <a:solidFill>
+                  <a:schemeClr val="tx1"/>
+                </a:solidFill>
+              </a:rPr>
+              <a:t>&gt;</a:t>
+            </a:r>
+          </a:p>
+          <a:p>
+            <a:pPr algn="l">
+              <a:lnSpc>
+                <a:spcPct val="120000"/>
+              </a:lnSpc>
+              <a:defRPr sz="2800">
+                <a:solidFill>
+                  <a:schemeClr val="accent2">
+                    <a:hueOff val="-1342298"/>
+                    <a:satOff val="-4651"/>
+                    <a:lumOff val="19617"/>
+                  </a:schemeClr>
+                </a:solidFill>
+                <a:latin typeface="Courier"/>
+                <a:ea typeface="Courier"/>
+                <a:cs typeface="Courier"/>
+                <a:sym typeface="Courier"/>
+              </a:defRPr>
+            </a:pPr>
+            <a:endParaRPr lang="en-US" sz="1400" dirty="0">
+              <a:solidFill>
+                <a:schemeClr val="tx1"/>
+              </a:solidFill>
+            </a:endParaRPr>
+          </a:p>
+          <a:p>
+            <a:pPr algn="l">
+              <a:lnSpc>
+                <a:spcPct val="120000"/>
+              </a:lnSpc>
+              <a:defRPr sz="2800">
+                <a:solidFill>
+                  <a:schemeClr val="accent2">
+                    <a:hueOff val="-1342298"/>
+                    <a:satOff val="-4651"/>
+                    <a:lumOff val="19617"/>
+                  </a:schemeClr>
+                </a:solidFill>
+                <a:latin typeface="Courier"/>
+                <a:ea typeface="Courier"/>
+                <a:cs typeface="Courier"/>
+                <a:sym typeface="Courier"/>
+              </a:defRPr>
+            </a:pPr>
+            <a:r>
+              <a:rPr lang="en-US" sz="1400" dirty="0">
+                <a:solidFill>
+                  <a:srgbClr val="FFFF00"/>
+                </a:solidFill>
+              </a:rPr>
+              <a:t>Plan</a:t>
+            </a:r>
+            <a:r>
+              <a:rPr lang="en-US" sz="1400" dirty="0">
+                <a:solidFill>
+                  <a:schemeClr val="tx1"/>
+                </a:solidFill>
+              </a:rPr>
+              <a:t>: 1 to add, 0 to change, 0 to destroy.</a:t>
+            </a:r>
+            <a:endParaRPr sz="1400" dirty="0">
+              <a:solidFill>
+                <a:schemeClr val="tx1"/>
+              </a:solidFill>
+            </a:endParaRPr>
+          </a:p>
+        </p:txBody>
+      </p:sp>
+    </p:spTree>
+    <p:extLst>
+      <p:ext uri="{BB962C8B-B14F-4D97-AF65-F5344CB8AC3E}">
+        <p14:creationId xmlns:p14="http://schemas.microsoft.com/office/powerpoint/2010/main" val="1998326155"/>
+      </p:ext>
+    </p:extLst>
+  </p:cSld>
+  <p:clrMapOvr>
+    <a:masterClrMapping/>
+  </p:clrMapOvr>
+  <p:transition spd="med"/>
+</p:sld>
+</file>
+
 <file path=ppt/slides/slide3.xml><?xml version="1.0" encoding="utf-8"?>
 <p:sld xmlns:a="http://schemas.openxmlformats.org/drawingml/2006/main" xmlns:r="http://schemas.openxmlformats.org/officeDocument/2006/relationships" xmlns:p="http://schemas.openxmlformats.org/presentationml/2006/main">
   <p:cSld>
@@ -13358,6 +17961,2418 @@
     <p:extLst>
       <p:ext uri="{BB962C8B-B14F-4D97-AF65-F5344CB8AC3E}">
         <p14:creationId xmlns:p14="http://schemas.microsoft.com/office/powerpoint/2010/main" val="1125231958"/>
+      </p:ext>
+    </p:extLst>
+  </p:cSld>
+  <p:clrMapOvr>
+    <a:masterClrMapping/>
+  </p:clrMapOvr>
+  <p:transition spd="med"/>
+</p:sld>
+</file>
+
+<file path=ppt/slides/slide30.xml><?xml version="1.0" encoding="utf-8"?>
+<p:sld xmlns:a="http://schemas.openxmlformats.org/drawingml/2006/main" xmlns:r="http://schemas.openxmlformats.org/officeDocument/2006/relationships" xmlns:p="http://schemas.openxmlformats.org/presentationml/2006/main">
+  <p:cSld>
+    <p:spTree>
+      <p:nvGrpSpPr>
+        <p:cNvPr id="1" name=""/>
+        <p:cNvGrpSpPr/>
+        <p:nvPr/>
+      </p:nvGrpSpPr>
+      <p:grpSpPr>
+        <a:xfrm>
+          <a:off x="0" y="0"/>
+          <a:ext cx="0" cy="0"/>
+          <a:chOff x="0" y="0"/>
+          <a:chExt cx="0" cy="0"/>
+        </a:xfrm>
+      </p:grpSpPr>
+      <p:sp>
+        <p:nvSpPr>
+          <p:cNvPr id="1058" name="Command: terraform apply"/>
+          <p:cNvSpPr txBox="1">
+            <a:spLocks noGrp="1"/>
+          </p:cNvSpPr>
+          <p:nvPr>
+            <p:ph type="title"/>
+          </p:nvPr>
+        </p:nvSpPr>
+        <p:spPr>
+          <a:prstGeom prst="rect">
+            <a:avLst/>
+          </a:prstGeom>
+        </p:spPr>
+        <p:txBody>
+          <a:bodyPr/>
+          <a:lstStyle/>
+          <a:p>
+            <a:r>
+              <a:t>Command: </a:t>
+            </a:r>
+            <a:r>
+              <a:rPr>
+                <a:latin typeface="Courier"/>
+                <a:ea typeface="Courier"/>
+                <a:cs typeface="Courier"/>
+                <a:sym typeface="Courier"/>
+              </a:rPr>
+              <a:t>terraform apply</a:t>
+            </a:r>
+          </a:p>
+        </p:txBody>
+      </p:sp>
+      <p:sp>
+        <p:nvSpPr>
+          <p:cNvPr id="1059" name="Executes changes in order based on the resource graph…"/>
+          <p:cNvSpPr txBox="1">
+            <a:spLocks noGrp="1"/>
+          </p:cNvSpPr>
+          <p:nvPr>
+            <p:ph type="body" idx="1"/>
+          </p:nvPr>
+        </p:nvSpPr>
+        <p:spPr>
+          <a:prstGeom prst="rect">
+            <a:avLst/>
+          </a:prstGeom>
+        </p:spPr>
+        <p:txBody>
+          <a:bodyPr/>
+          <a:lstStyle/>
+          <a:p>
+            <a:r>
+              <a:rPr dirty="0"/>
+              <a:t>Executes changes in order based on the resource graph</a:t>
+            </a:r>
+          </a:p>
+          <a:p>
+            <a:r>
+              <a:rPr dirty="0"/>
+              <a:t>Parallelizes changes when possible</a:t>
+            </a:r>
+          </a:p>
+          <a:p>
+            <a:r>
+              <a:rPr dirty="0"/>
+              <a:t>Handles and recovers transient errors</a:t>
+            </a:r>
+          </a:p>
+        </p:txBody>
+      </p:sp>
+    </p:spTree>
+    <p:extLst>
+      <p:ext uri="{BB962C8B-B14F-4D97-AF65-F5344CB8AC3E}">
+        <p14:creationId xmlns:p14="http://schemas.microsoft.com/office/powerpoint/2010/main" val="357985057"/>
+      </p:ext>
+    </p:extLst>
+  </p:cSld>
+  <p:clrMapOvr>
+    <a:masterClrMapping/>
+  </p:clrMapOvr>
+  <p:transition spd="med"/>
+</p:sld>
+</file>
+
+<file path=ppt/slides/slide31.xml><?xml version="1.0" encoding="utf-8"?>
+<p:sld xmlns:a="http://schemas.openxmlformats.org/drawingml/2006/main" xmlns:r="http://schemas.openxmlformats.org/officeDocument/2006/relationships" xmlns:p="http://schemas.openxmlformats.org/presentationml/2006/main">
+  <p:cSld>
+    <p:spTree>
+      <p:nvGrpSpPr>
+        <p:cNvPr id="1" name=""/>
+        <p:cNvGrpSpPr/>
+        <p:nvPr/>
+      </p:nvGrpSpPr>
+      <p:grpSpPr>
+        <a:xfrm>
+          <a:off x="0" y="0"/>
+          <a:ext cx="0" cy="0"/>
+          <a:chOff x="0" y="0"/>
+          <a:chExt cx="0" cy="0"/>
+        </a:xfrm>
+      </p:grpSpPr>
+      <p:sp>
+        <p:nvSpPr>
+          <p:cNvPr id="1066" name="$ terraform apply…"/>
+          <p:cNvSpPr txBox="1">
+            <a:spLocks noGrp="1"/>
+          </p:cNvSpPr>
+          <p:nvPr>
+            <p:ph type="body" idx="13"/>
+          </p:nvPr>
+        </p:nvSpPr>
+        <p:spPr>
+          <a:xfrm>
+            <a:off x="3128486" y="1293828"/>
+            <a:ext cx="8335328" cy="2946448"/>
+          </a:xfrm>
+          <a:prstGeom prst="rect">
+            <a:avLst/>
+          </a:prstGeom>
+          <a:extLst>
+            <a:ext uri="{C572A759-6A51-4108-AA02-DFA0A04FC94B}">
+              <ma14:wrappingTextBoxFlag xmlns:ma14="http://schemas.microsoft.com/office/mac/drawingml/2011/main" val="1"/>
+            </a:ext>
+          </a:extLst>
+        </p:spPr>
+        <p:txBody>
+          <a:bodyPr/>
+          <a:lstStyle/>
+          <a:p>
+            <a:pPr algn="l">
+              <a:lnSpc>
+                <a:spcPct val="120000"/>
+              </a:lnSpc>
+              <a:defRPr sz="2800">
+                <a:solidFill>
+                  <a:srgbClr val="FFFFFF"/>
+                </a:solidFill>
+                <a:latin typeface="Courier"/>
+                <a:ea typeface="Courier"/>
+                <a:cs typeface="Courier"/>
+                <a:sym typeface="Courier"/>
+              </a:defRPr>
+            </a:pPr>
+            <a:r>
+              <a:rPr sz="1400" dirty="0"/>
+              <a:t>$ terraform </a:t>
+            </a:r>
+            <a:r>
+              <a:rPr sz="1400" dirty="0" smtClean="0"/>
+              <a:t>apply</a:t>
+            </a:r>
+            <a:endParaRPr lang="en-CA" sz="1400" dirty="0" smtClean="0"/>
+          </a:p>
+          <a:p>
+            <a:pPr algn="l">
+              <a:lnSpc>
+                <a:spcPct val="120000"/>
+              </a:lnSpc>
+              <a:defRPr sz="2800">
+                <a:solidFill>
+                  <a:srgbClr val="FFFFFF"/>
+                </a:solidFill>
+                <a:latin typeface="Courier"/>
+                <a:ea typeface="Courier"/>
+                <a:cs typeface="Courier"/>
+                <a:sym typeface="Courier"/>
+              </a:defRPr>
+            </a:pPr>
+            <a:endParaRPr sz="1400" dirty="0"/>
+          </a:p>
+          <a:p>
+            <a:pPr algn="l">
+              <a:lnSpc>
+                <a:spcPct val="120000"/>
+              </a:lnSpc>
+              <a:defRPr sz="2800">
+                <a:solidFill>
+                  <a:srgbClr val="FFFFFF"/>
+                </a:solidFill>
+                <a:latin typeface="Courier"/>
+                <a:ea typeface="Courier"/>
+                <a:cs typeface="Courier"/>
+                <a:sym typeface="Courier"/>
+              </a:defRPr>
+            </a:pPr>
+            <a:r>
+              <a:rPr lang="en-US" sz="1400" dirty="0" err="1">
+                <a:solidFill>
+                  <a:srgbClr val="FFFF00"/>
+                </a:solidFill>
+              </a:rPr>
+              <a:t>azurerm_resource_group.myfirstrg</a:t>
+            </a:r>
+            <a:r>
+              <a:rPr lang="en-US" sz="1400" dirty="0">
+                <a:solidFill>
+                  <a:srgbClr val="FFFF00"/>
+                </a:solidFill>
+              </a:rPr>
+              <a:t>: Creating...  </a:t>
+            </a:r>
+            <a:endParaRPr lang="en-US" sz="1400" dirty="0" smtClean="0">
+              <a:solidFill>
+                <a:srgbClr val="FFFF00"/>
+              </a:solidFill>
+            </a:endParaRPr>
+          </a:p>
+          <a:p>
+            <a:pPr algn="l">
+              <a:lnSpc>
+                <a:spcPct val="120000"/>
+              </a:lnSpc>
+              <a:defRPr sz="2800">
+                <a:solidFill>
+                  <a:srgbClr val="FFFFFF"/>
+                </a:solidFill>
+                <a:latin typeface="Courier"/>
+                <a:ea typeface="Courier"/>
+                <a:cs typeface="Courier"/>
+                <a:sym typeface="Courier"/>
+              </a:defRPr>
+            </a:pPr>
+            <a:r>
+              <a:rPr lang="en-US" sz="1400" dirty="0"/>
+              <a:t>	</a:t>
+            </a:r>
+            <a:r>
+              <a:rPr lang="en-US" sz="1400" dirty="0" smtClean="0"/>
+              <a:t>location</a:t>
+            </a:r>
+            <a:r>
+              <a:rPr lang="en-US" sz="1400" dirty="0"/>
+              <a:t>: "" =&gt; "</a:t>
+            </a:r>
+            <a:r>
+              <a:rPr lang="en-US" sz="1400" dirty="0" err="1"/>
+              <a:t>eastus</a:t>
+            </a:r>
+            <a:r>
+              <a:rPr lang="en-US" sz="1400" dirty="0"/>
+              <a:t>"  </a:t>
+            </a:r>
+            <a:endParaRPr lang="en-US" sz="1400" dirty="0" smtClean="0"/>
+          </a:p>
+          <a:p>
+            <a:pPr algn="l">
+              <a:lnSpc>
+                <a:spcPct val="120000"/>
+              </a:lnSpc>
+              <a:defRPr sz="2800">
+                <a:solidFill>
+                  <a:srgbClr val="FFFFFF"/>
+                </a:solidFill>
+                <a:latin typeface="Courier"/>
+                <a:ea typeface="Courier"/>
+                <a:cs typeface="Courier"/>
+                <a:sym typeface="Courier"/>
+              </a:defRPr>
+            </a:pPr>
+            <a:r>
+              <a:rPr lang="en-US" sz="1400" dirty="0"/>
+              <a:t>	</a:t>
+            </a:r>
+            <a:r>
+              <a:rPr lang="en-US" sz="1400" dirty="0" smtClean="0"/>
+              <a:t>name</a:t>
+            </a:r>
+            <a:r>
+              <a:rPr lang="en-US" sz="1400" dirty="0"/>
+              <a:t>:     "" =&gt; "</a:t>
+            </a:r>
+            <a:r>
+              <a:rPr lang="en-US" sz="1400" dirty="0" err="1"/>
+              <a:t>myfirstresourcegroup</a:t>
+            </a:r>
+            <a:r>
+              <a:rPr lang="en-US" sz="1400" dirty="0"/>
+              <a:t>"  </a:t>
+            </a:r>
+            <a:endParaRPr lang="en-US" sz="1400" dirty="0" smtClean="0"/>
+          </a:p>
+          <a:p>
+            <a:pPr algn="l">
+              <a:lnSpc>
+                <a:spcPct val="120000"/>
+              </a:lnSpc>
+              <a:defRPr sz="2800">
+                <a:solidFill>
+                  <a:srgbClr val="FFFFFF"/>
+                </a:solidFill>
+                <a:latin typeface="Courier"/>
+                <a:ea typeface="Courier"/>
+                <a:cs typeface="Courier"/>
+                <a:sym typeface="Courier"/>
+              </a:defRPr>
+            </a:pPr>
+            <a:r>
+              <a:rPr lang="en-US" sz="1400" dirty="0"/>
+              <a:t>	</a:t>
+            </a:r>
+            <a:r>
+              <a:rPr lang="en-US" sz="1400" dirty="0" smtClean="0"/>
+              <a:t>tags</a:t>
+            </a:r>
+            <a:r>
+              <a:rPr lang="en-US" sz="1400" dirty="0"/>
+              <a:t>.%:   "" =&gt; "&lt;computed</a:t>
+            </a:r>
+            <a:r>
+              <a:rPr lang="en-US" sz="1400" dirty="0" smtClean="0"/>
+              <a:t>&gt;”</a:t>
+            </a:r>
+          </a:p>
+          <a:p>
+            <a:pPr algn="l">
+              <a:lnSpc>
+                <a:spcPct val="120000"/>
+              </a:lnSpc>
+              <a:defRPr sz="2800">
+                <a:solidFill>
+                  <a:srgbClr val="FFFFFF"/>
+                </a:solidFill>
+                <a:latin typeface="Courier"/>
+                <a:ea typeface="Courier"/>
+                <a:cs typeface="Courier"/>
+                <a:sym typeface="Courier"/>
+              </a:defRPr>
+            </a:pPr>
+            <a:endParaRPr lang="en-US" sz="1400" dirty="0" smtClean="0"/>
+          </a:p>
+          <a:p>
+            <a:pPr algn="l">
+              <a:lnSpc>
+                <a:spcPct val="120000"/>
+              </a:lnSpc>
+              <a:defRPr sz="2800">
+                <a:solidFill>
+                  <a:srgbClr val="FFFFFF"/>
+                </a:solidFill>
+                <a:latin typeface="Courier"/>
+                <a:ea typeface="Courier"/>
+                <a:cs typeface="Courier"/>
+                <a:sym typeface="Courier"/>
+              </a:defRPr>
+            </a:pPr>
+            <a:r>
+              <a:rPr lang="en-US" sz="1400" dirty="0" err="1" smtClean="0">
+                <a:solidFill>
+                  <a:srgbClr val="FFFF00"/>
+                </a:solidFill>
+              </a:rPr>
+              <a:t>azurerm_resource_group.myfirstrg</a:t>
+            </a:r>
+            <a:r>
+              <a:rPr lang="en-US" sz="1400" dirty="0" smtClean="0">
+                <a:solidFill>
+                  <a:srgbClr val="FFFF00"/>
+                </a:solidFill>
+              </a:rPr>
+              <a:t>: Creation complete after 2s (ID: /subscription/</a:t>
+            </a:r>
+            <a:r>
+              <a:rPr lang="en-US" sz="1400" dirty="0" err="1" smtClean="0">
+                <a:solidFill>
+                  <a:srgbClr val="FFFF00"/>
+                </a:solidFill>
+              </a:rPr>
+              <a:t>resourceGroups</a:t>
+            </a:r>
+            <a:r>
+              <a:rPr lang="en-US" sz="1400" dirty="0" smtClean="0">
+                <a:solidFill>
+                  <a:srgbClr val="FFFF00"/>
+                </a:solidFill>
+              </a:rPr>
+              <a:t>/</a:t>
+            </a:r>
+            <a:r>
+              <a:rPr lang="en-US" sz="1400" dirty="0" err="1" smtClean="0">
+                <a:solidFill>
+                  <a:srgbClr val="FFFF00"/>
+                </a:solidFill>
+              </a:rPr>
+              <a:t>MyFirstResourceGroup</a:t>
+            </a:r>
+            <a:r>
+              <a:rPr lang="en-US" sz="1400" dirty="0" smtClean="0">
+                <a:solidFill>
+                  <a:srgbClr val="FFFF00"/>
+                </a:solidFill>
+              </a:rPr>
+              <a:t>)</a:t>
+            </a:r>
+          </a:p>
+          <a:p>
+            <a:pPr algn="l">
+              <a:lnSpc>
+                <a:spcPct val="120000"/>
+              </a:lnSpc>
+              <a:defRPr sz="2800">
+                <a:solidFill>
+                  <a:srgbClr val="FFFFFF"/>
+                </a:solidFill>
+                <a:latin typeface="Courier"/>
+                <a:ea typeface="Courier"/>
+                <a:cs typeface="Courier"/>
+                <a:sym typeface="Courier"/>
+              </a:defRPr>
+            </a:pPr>
+            <a:endParaRPr lang="en-US" sz="1400" dirty="0"/>
+          </a:p>
+          <a:p>
+            <a:pPr algn="l">
+              <a:lnSpc>
+                <a:spcPct val="120000"/>
+              </a:lnSpc>
+              <a:defRPr sz="2800">
+                <a:solidFill>
+                  <a:srgbClr val="FFFFFF"/>
+                </a:solidFill>
+                <a:latin typeface="Courier"/>
+                <a:ea typeface="Courier"/>
+                <a:cs typeface="Courier"/>
+                <a:sym typeface="Courier"/>
+              </a:defRPr>
+            </a:pPr>
+            <a:r>
+              <a:rPr lang="en-US" sz="1400" dirty="0" smtClean="0">
+                <a:solidFill>
+                  <a:schemeClr val="accent2">
+                    <a:lumMod val="60000"/>
+                    <a:lumOff val="40000"/>
+                  </a:schemeClr>
+                </a:solidFill>
+              </a:rPr>
+              <a:t>Apply </a:t>
+            </a:r>
+            <a:r>
+              <a:rPr lang="en-US" sz="1400" dirty="0">
+                <a:solidFill>
+                  <a:schemeClr val="accent2">
+                    <a:lumMod val="60000"/>
+                    <a:lumOff val="40000"/>
+                  </a:schemeClr>
+                </a:solidFill>
+              </a:rPr>
+              <a:t>complete! Resources: 1 added, 0 changed, 0 destroyed.</a:t>
+            </a:r>
+            <a:endParaRPr sz="1400" dirty="0">
+              <a:solidFill>
+                <a:schemeClr val="accent2">
+                  <a:lumMod val="60000"/>
+                  <a:lumOff val="40000"/>
+                </a:schemeClr>
+              </a:solidFill>
+            </a:endParaRPr>
+          </a:p>
+        </p:txBody>
+      </p:sp>
+    </p:spTree>
+    <p:extLst>
+      <p:ext uri="{BB962C8B-B14F-4D97-AF65-F5344CB8AC3E}">
+        <p14:creationId xmlns:p14="http://schemas.microsoft.com/office/powerpoint/2010/main" val="1714411452"/>
+      </p:ext>
+    </p:extLst>
+  </p:cSld>
+  <p:clrMapOvr>
+    <a:masterClrMapping/>
+  </p:clrMapOvr>
+  <p:transition spd="med"/>
+</p:sld>
+</file>
+
+<file path=ppt/slides/slide32.xml><?xml version="1.0" encoding="utf-8"?>
+<p:sld xmlns:a="http://schemas.openxmlformats.org/drawingml/2006/main" xmlns:r="http://schemas.openxmlformats.org/officeDocument/2006/relationships" xmlns:p="http://schemas.openxmlformats.org/presentationml/2006/main">
+  <p:cSld>
+    <p:spTree>
+      <p:nvGrpSpPr>
+        <p:cNvPr id="1" name=""/>
+        <p:cNvGrpSpPr/>
+        <p:nvPr/>
+      </p:nvGrpSpPr>
+      <p:grpSpPr>
+        <a:xfrm>
+          <a:off x="0" y="0"/>
+          <a:ext cx="0" cy="0"/>
+          <a:chOff x="0" y="0"/>
+          <a:chExt cx="0" cy="0"/>
+        </a:xfrm>
+      </p:grpSpPr>
+      <p:sp>
+        <p:nvSpPr>
+          <p:cNvPr id="1070" name="Command: terraform apply"/>
+          <p:cNvSpPr txBox="1">
+            <a:spLocks noGrp="1"/>
+          </p:cNvSpPr>
+          <p:nvPr>
+            <p:ph type="title"/>
+          </p:nvPr>
+        </p:nvSpPr>
+        <p:spPr>
+          <a:prstGeom prst="rect">
+            <a:avLst/>
+          </a:prstGeom>
+        </p:spPr>
+        <p:txBody>
+          <a:bodyPr/>
+          <a:lstStyle/>
+          <a:p>
+            <a:r>
+              <a:t>Command: </a:t>
+            </a:r>
+            <a:r>
+              <a:rPr>
+                <a:latin typeface="Courier"/>
+                <a:ea typeface="Courier"/>
+                <a:cs typeface="Courier"/>
+                <a:sym typeface="Courier"/>
+              </a:rPr>
+              <a:t>terraform apply</a:t>
+            </a:r>
+          </a:p>
+        </p:txBody>
+      </p:sp>
+      <p:sp>
+        <p:nvSpPr>
+          <p:cNvPr id="1071" name="Updates existing resources when updates are allowed…"/>
+          <p:cNvSpPr txBox="1">
+            <a:spLocks noGrp="1"/>
+          </p:cNvSpPr>
+          <p:nvPr>
+            <p:ph type="body" idx="1"/>
+          </p:nvPr>
+        </p:nvSpPr>
+        <p:spPr>
+          <a:prstGeom prst="rect">
+            <a:avLst/>
+          </a:prstGeom>
+        </p:spPr>
+        <p:txBody>
+          <a:bodyPr/>
+          <a:lstStyle/>
+          <a:p>
+            <a:r>
+              <a:t>Updates existing resources when updates are allowed</a:t>
+            </a:r>
+          </a:p>
+          <a:p>
+            <a:r>
+              <a:t>Re-creates existing resources when updates are not allowed</a:t>
+            </a:r>
+          </a:p>
+        </p:txBody>
+      </p:sp>
+    </p:spTree>
+    <p:extLst>
+      <p:ext uri="{BB962C8B-B14F-4D97-AF65-F5344CB8AC3E}">
+        <p14:creationId xmlns:p14="http://schemas.microsoft.com/office/powerpoint/2010/main" val="257073287"/>
+      </p:ext>
+    </p:extLst>
+  </p:cSld>
+  <p:clrMapOvr>
+    <a:masterClrMapping/>
+  </p:clrMapOvr>
+  <p:transition spd="med"/>
+</p:sld>
+</file>
+
+<file path=ppt/slides/slide33.xml><?xml version="1.0" encoding="utf-8"?>
+<p:sld xmlns:a="http://schemas.openxmlformats.org/drawingml/2006/main" xmlns:r="http://schemas.openxmlformats.org/officeDocument/2006/relationships" xmlns:p="http://schemas.openxmlformats.org/presentationml/2006/main">
+  <p:cSld>
+    <p:spTree>
+      <p:nvGrpSpPr>
+        <p:cNvPr id="1" name=""/>
+        <p:cNvGrpSpPr/>
+        <p:nvPr/>
+      </p:nvGrpSpPr>
+      <p:grpSpPr>
+        <a:xfrm>
+          <a:off x="0" y="0"/>
+          <a:ext cx="0" cy="0"/>
+          <a:chOff x="0" y="0"/>
+          <a:chExt cx="0" cy="0"/>
+        </a:xfrm>
+      </p:grpSpPr>
+      <p:sp>
+        <p:nvSpPr>
+          <p:cNvPr id="156" name="Terraform's Goals"/>
+          <p:cNvSpPr txBox="1">
+            <a:spLocks noGrp="1"/>
+          </p:cNvSpPr>
+          <p:nvPr>
+            <p:ph type="title"/>
+          </p:nvPr>
+        </p:nvSpPr>
+        <p:spPr>
+          <a:prstGeom prst="rect">
+            <a:avLst/>
+          </a:prstGeom>
+        </p:spPr>
+        <p:txBody>
+          <a:bodyPr/>
+          <a:lstStyle/>
+          <a:p>
+            <a:r>
+              <a:rPr lang="en-CA" dirty="0" smtClean="0"/>
+              <a:t>Individual Challenge!</a:t>
+            </a:r>
+            <a:endParaRPr dirty="0"/>
+          </a:p>
+        </p:txBody>
+      </p:sp>
+      <p:sp>
+        <p:nvSpPr>
+          <p:cNvPr id="157" name="Unify the view of resources using infrastructure as code…"/>
+          <p:cNvSpPr txBox="1">
+            <a:spLocks noGrp="1"/>
+          </p:cNvSpPr>
+          <p:nvPr>
+            <p:ph type="body" idx="1"/>
+          </p:nvPr>
+        </p:nvSpPr>
+        <p:spPr>
+          <a:prstGeom prst="rect">
+            <a:avLst/>
+          </a:prstGeom>
+        </p:spPr>
+        <p:txBody>
+          <a:bodyPr/>
+          <a:lstStyle/>
+          <a:p>
+            <a:pPr marL="514350" indent="-514350">
+              <a:buFont typeface="+mj-lt"/>
+              <a:buAutoNum type="arabicPeriod"/>
+            </a:pPr>
+            <a:r>
+              <a:rPr lang="en-CA" dirty="0"/>
+              <a:t>Navigate </a:t>
+            </a:r>
+            <a:r>
+              <a:rPr lang="en-CA" dirty="0" smtClean="0"/>
+              <a:t>to </a:t>
+            </a:r>
+            <a:r>
+              <a:rPr lang="en-CA" dirty="0" err="1" smtClean="0"/>
+              <a:t>terraform.io</a:t>
+            </a:r>
+            <a:r>
+              <a:rPr lang="en-CA" dirty="0" smtClean="0"/>
+              <a:t>/docs/providers/</a:t>
+            </a:r>
+            <a:r>
+              <a:rPr lang="en-CA" dirty="0" err="1" smtClean="0"/>
+              <a:t>azurerm</a:t>
+            </a:r>
+            <a:r>
+              <a:rPr lang="en-CA" dirty="0" smtClean="0"/>
+              <a:t>/</a:t>
+            </a:r>
+            <a:r>
+              <a:rPr lang="en-CA" dirty="0" err="1" smtClean="0"/>
+              <a:t>index.html</a:t>
+            </a:r>
+            <a:endParaRPr lang="en-CA" dirty="0" smtClean="0"/>
+          </a:p>
+          <a:p>
+            <a:pPr marL="514350" indent="-514350">
+              <a:buFont typeface="+mj-lt"/>
+              <a:buAutoNum type="arabicPeriod"/>
+            </a:pPr>
+            <a:r>
+              <a:rPr lang="en-CA" dirty="0" smtClean="0"/>
+              <a:t>Find the </a:t>
+            </a:r>
+            <a:r>
+              <a:rPr lang="en-CA" dirty="0" err="1" smtClean="0"/>
+              <a:t>azurerm_resource_group</a:t>
+            </a:r>
+            <a:endParaRPr lang="en-CA" dirty="0" smtClean="0"/>
+          </a:p>
+          <a:p>
+            <a:pPr marL="514350" indent="-514350">
+              <a:buFont typeface="+mj-lt"/>
+              <a:buAutoNum type="arabicPeriod"/>
+            </a:pPr>
+            <a:r>
+              <a:rPr lang="en-CA" dirty="0" smtClean="0"/>
+              <a:t>Add a tag to your resource group called “Production”</a:t>
+            </a:r>
+          </a:p>
+          <a:p>
+            <a:pPr marL="514350" indent="-514350">
+              <a:buFont typeface="+mj-lt"/>
+              <a:buAutoNum type="arabicPeriod"/>
+            </a:pPr>
+            <a:r>
+              <a:rPr lang="en-CA" dirty="0" smtClean="0"/>
+              <a:t>Ask for help! (neighbour, colleague, phone a friend, instructor)</a:t>
+            </a:r>
+          </a:p>
+          <a:p>
+            <a:pPr marL="514350" indent="-514350">
+              <a:buFont typeface="+mj-lt"/>
+              <a:buAutoNum type="arabicPeriod"/>
+            </a:pPr>
+            <a:endParaRPr lang="en-CA" dirty="0" smtClean="0"/>
+          </a:p>
+          <a:p>
+            <a:pPr marL="514350" indent="-514350">
+              <a:buFont typeface="+mj-lt"/>
+              <a:buAutoNum type="arabicPeriod"/>
+            </a:pPr>
+            <a:endParaRPr lang="en-CA" dirty="0" smtClean="0"/>
+          </a:p>
+          <a:p>
+            <a:pPr marL="514350" indent="-514350">
+              <a:buFont typeface="+mj-lt"/>
+              <a:buAutoNum type="arabicPeriod"/>
+            </a:pPr>
+            <a:endParaRPr i="1" dirty="0"/>
+          </a:p>
+        </p:txBody>
+      </p:sp>
+    </p:spTree>
+    <p:extLst>
+      <p:ext uri="{BB962C8B-B14F-4D97-AF65-F5344CB8AC3E}">
+        <p14:creationId xmlns:p14="http://schemas.microsoft.com/office/powerpoint/2010/main" val="537694227"/>
+      </p:ext>
+    </p:extLst>
+  </p:cSld>
+  <p:clrMapOvr>
+    <a:masterClrMapping/>
+  </p:clrMapOvr>
+  <p:transition spd="med"/>
+</p:sld>
+</file>
+
+<file path=ppt/slides/slide34.xml><?xml version="1.0" encoding="utf-8"?>
+<p:sld xmlns:a="http://schemas.openxmlformats.org/drawingml/2006/main" xmlns:r="http://schemas.openxmlformats.org/officeDocument/2006/relationships" xmlns:p="http://schemas.openxmlformats.org/presentationml/2006/main">
+  <p:cSld>
+    <p:spTree>
+      <p:nvGrpSpPr>
+        <p:cNvPr id="1" name=""/>
+        <p:cNvGrpSpPr/>
+        <p:nvPr/>
+      </p:nvGrpSpPr>
+      <p:grpSpPr>
+        <a:xfrm>
+          <a:off x="0" y="0"/>
+          <a:ext cx="0" cy="0"/>
+          <a:chOff x="0" y="0"/>
+          <a:chExt cx="0" cy="0"/>
+        </a:xfrm>
+      </p:grpSpPr>
+      <p:sp>
+        <p:nvSpPr>
+          <p:cNvPr id="818" name="resource &quot;aws_instance&quot; &quot;web&quot; {…"/>
+          <p:cNvSpPr txBox="1">
+            <a:spLocks noGrp="1"/>
+          </p:cNvSpPr>
+          <p:nvPr>
+            <p:ph type="body" idx="13"/>
+          </p:nvPr>
+        </p:nvSpPr>
+        <p:spPr>
+          <a:xfrm>
+            <a:off x="3128486" y="1293828"/>
+            <a:ext cx="8335328" cy="3500445"/>
+          </a:xfrm>
+          <a:prstGeom prst="rect">
+            <a:avLst/>
+          </a:prstGeom>
+          <a:extLst>
+            <a:ext uri="{C572A759-6A51-4108-AA02-DFA0A04FC94B}">
+              <ma14:wrappingTextBoxFlag xmlns:ma14="http://schemas.microsoft.com/office/mac/drawingml/2011/main" val="1"/>
+            </a:ext>
+          </a:extLst>
+        </p:spPr>
+        <p:txBody>
+          <a:bodyPr/>
+          <a:lstStyle/>
+          <a:p>
+            <a:pPr algn="l">
+              <a:lnSpc>
+                <a:spcPct val="120000"/>
+              </a:lnSpc>
+              <a:defRPr sz="2800">
+                <a:latin typeface="Courier"/>
+                <a:ea typeface="Courier"/>
+                <a:cs typeface="Courier"/>
+                <a:sym typeface="Courier"/>
+              </a:defRPr>
+            </a:pPr>
+            <a:r>
+              <a:rPr lang="en-US" sz="2300" dirty="0" smtClean="0"/>
+              <a:t>resource "</a:t>
+            </a:r>
+            <a:r>
+              <a:rPr lang="en-US" sz="2300" dirty="0" err="1" smtClean="0"/>
+              <a:t>azurerm_resource_group</a:t>
+            </a:r>
+            <a:r>
+              <a:rPr lang="en-US" sz="2300" dirty="0" smtClean="0"/>
+              <a:t>" “</a:t>
+            </a:r>
+            <a:r>
+              <a:rPr lang="en-US" sz="2300" dirty="0" err="1" smtClean="0"/>
+              <a:t>myfirstrg</a:t>
+            </a:r>
+            <a:r>
+              <a:rPr lang="en-US" sz="2300" dirty="0" smtClean="0"/>
+              <a:t>” {  </a:t>
+            </a:r>
+          </a:p>
+          <a:p>
+            <a:pPr algn="l">
+              <a:lnSpc>
+                <a:spcPct val="120000"/>
+              </a:lnSpc>
+              <a:defRPr sz="2800">
+                <a:latin typeface="Courier"/>
+                <a:ea typeface="Courier"/>
+                <a:cs typeface="Courier"/>
+                <a:sym typeface="Courier"/>
+              </a:defRPr>
+            </a:pPr>
+            <a:r>
+              <a:rPr lang="en-US" sz="2300" dirty="0" smtClean="0"/>
+              <a:t>  name     = ”</a:t>
+            </a:r>
+            <a:r>
+              <a:rPr lang="en-US" sz="2300" dirty="0" err="1" smtClean="0"/>
+              <a:t>myfirstresourcegroup</a:t>
+            </a:r>
+            <a:r>
+              <a:rPr lang="en-US" sz="2300" dirty="0" smtClean="0"/>
+              <a:t>"  </a:t>
+            </a:r>
+          </a:p>
+          <a:p>
+            <a:pPr algn="l">
+              <a:lnSpc>
+                <a:spcPct val="120000"/>
+              </a:lnSpc>
+              <a:defRPr sz="2800">
+                <a:latin typeface="Courier"/>
+                <a:ea typeface="Courier"/>
+                <a:cs typeface="Courier"/>
+                <a:sym typeface="Courier"/>
+              </a:defRPr>
+            </a:pPr>
+            <a:r>
+              <a:rPr lang="en-US" sz="2300" dirty="0" smtClean="0"/>
+              <a:t>  location = ”East US”</a:t>
+            </a:r>
+          </a:p>
+          <a:p>
+            <a:pPr algn="l">
+              <a:lnSpc>
+                <a:spcPct val="120000"/>
+              </a:lnSpc>
+              <a:defRPr sz="2800">
+                <a:latin typeface="Courier"/>
+                <a:ea typeface="Courier"/>
+                <a:cs typeface="Courier"/>
+                <a:sym typeface="Courier"/>
+              </a:defRPr>
+            </a:pPr>
+            <a:endParaRPr lang="en-US" sz="2300" dirty="0"/>
+          </a:p>
+          <a:p>
+            <a:pPr algn="l">
+              <a:lnSpc>
+                <a:spcPct val="120000"/>
+              </a:lnSpc>
+              <a:defRPr sz="2800">
+                <a:latin typeface="Courier"/>
+                <a:ea typeface="Courier"/>
+                <a:cs typeface="Courier"/>
+                <a:sym typeface="Courier"/>
+              </a:defRPr>
+            </a:pPr>
+            <a:r>
+              <a:rPr lang="en-US" sz="2300" dirty="0" smtClean="0"/>
+              <a:t>	tags </a:t>
+            </a:r>
+            <a:r>
+              <a:rPr lang="en-US" sz="2300" dirty="0"/>
+              <a:t>{  </a:t>
+            </a:r>
+            <a:endParaRPr lang="en-US" sz="2300" dirty="0" smtClean="0"/>
+          </a:p>
+          <a:p>
+            <a:pPr algn="l">
+              <a:lnSpc>
+                <a:spcPct val="120000"/>
+              </a:lnSpc>
+              <a:defRPr sz="2800">
+                <a:latin typeface="Courier"/>
+                <a:ea typeface="Courier"/>
+                <a:cs typeface="Courier"/>
+                <a:sym typeface="Courier"/>
+              </a:defRPr>
+            </a:pPr>
+            <a:r>
+              <a:rPr lang="en-US" sz="2300" dirty="0"/>
+              <a:t>	</a:t>
+            </a:r>
+            <a:r>
+              <a:rPr lang="en-US" sz="2300" dirty="0" smtClean="0"/>
+              <a:t>	environment </a:t>
+            </a:r>
+            <a:r>
+              <a:rPr lang="en-US" sz="2300" dirty="0"/>
+              <a:t>= "Production"  </a:t>
+            </a:r>
+            <a:endParaRPr lang="en-US" sz="2300" dirty="0" smtClean="0"/>
+          </a:p>
+          <a:p>
+            <a:pPr algn="l">
+              <a:lnSpc>
+                <a:spcPct val="120000"/>
+              </a:lnSpc>
+              <a:defRPr sz="2800">
+                <a:latin typeface="Courier"/>
+                <a:ea typeface="Courier"/>
+                <a:cs typeface="Courier"/>
+                <a:sym typeface="Courier"/>
+              </a:defRPr>
+            </a:pPr>
+            <a:r>
+              <a:rPr lang="en-US" sz="2300" dirty="0"/>
+              <a:t>	</a:t>
+            </a:r>
+            <a:r>
+              <a:rPr lang="en-US" sz="2300" dirty="0" smtClean="0"/>
+              <a:t>}</a:t>
+            </a:r>
+          </a:p>
+          <a:p>
+            <a:pPr algn="l">
+              <a:lnSpc>
+                <a:spcPct val="120000"/>
+              </a:lnSpc>
+              <a:defRPr sz="2800">
+                <a:latin typeface="Courier"/>
+                <a:ea typeface="Courier"/>
+                <a:cs typeface="Courier"/>
+                <a:sym typeface="Courier"/>
+              </a:defRPr>
+            </a:pPr>
+            <a:r>
+              <a:rPr lang="en-US" sz="2300" dirty="0" smtClean="0"/>
+              <a:t>}</a:t>
+            </a:r>
+            <a:endParaRPr sz="2300" dirty="0"/>
+          </a:p>
+        </p:txBody>
+      </p:sp>
+      <p:sp>
+        <p:nvSpPr>
+          <p:cNvPr id="819" name="main.tf"/>
+          <p:cNvSpPr txBox="1">
+            <a:spLocks noGrp="1"/>
+          </p:cNvSpPr>
+          <p:nvPr>
+            <p:ph type="body" idx="14"/>
+          </p:nvPr>
+        </p:nvSpPr>
+        <p:spPr>
+          <a:prstGeom prst="rect">
+            <a:avLst/>
+          </a:prstGeom>
+          <a:extLst>
+            <a:ext uri="{C572A759-6A51-4108-AA02-DFA0A04FC94B}">
+              <ma14:wrappingTextBoxFlag xmlns:ma14="http://schemas.microsoft.com/office/mac/drawingml/2011/main" val="1"/>
+            </a:ext>
+          </a:extLst>
+        </p:spPr>
+        <p:txBody>
+          <a:bodyPr/>
+          <a:lstStyle>
+            <a:lvl1pPr>
+              <a:defRPr sz="2400" b="1">
+                <a:solidFill>
+                  <a:srgbClr val="FFFFFF"/>
+                </a:solidFill>
+                <a:latin typeface="Courier"/>
+                <a:ea typeface="Courier"/>
+                <a:cs typeface="Courier"/>
+                <a:sym typeface="Courier"/>
+              </a:defRPr>
+            </a:lvl1pPr>
+          </a:lstStyle>
+          <a:p>
+            <a:r>
+              <a:t>main.tf</a:t>
+            </a:r>
+          </a:p>
+        </p:txBody>
+      </p:sp>
+    </p:spTree>
+    <p:extLst>
+      <p:ext uri="{BB962C8B-B14F-4D97-AF65-F5344CB8AC3E}">
+        <p14:creationId xmlns:p14="http://schemas.microsoft.com/office/powerpoint/2010/main" val="109894631"/>
+      </p:ext>
+    </p:extLst>
+  </p:cSld>
+  <p:clrMapOvr>
+    <a:masterClrMapping/>
+  </p:clrMapOvr>
+  <p:transition spd="med"/>
+</p:sld>
+</file>
+
+<file path=ppt/slides/slide35.xml><?xml version="1.0" encoding="utf-8"?>
+<p:sld xmlns:a="http://schemas.openxmlformats.org/drawingml/2006/main" xmlns:r="http://schemas.openxmlformats.org/officeDocument/2006/relationships" xmlns:p="http://schemas.openxmlformats.org/presentationml/2006/main">
+  <p:cSld>
+    <p:spTree>
+      <p:nvGrpSpPr>
+        <p:cNvPr id="1" name=""/>
+        <p:cNvGrpSpPr/>
+        <p:nvPr/>
+      </p:nvGrpSpPr>
+      <p:grpSpPr>
+        <a:xfrm>
+          <a:off x="0" y="0"/>
+          <a:ext cx="0" cy="0"/>
+          <a:chOff x="0" y="0"/>
+          <a:chExt cx="0" cy="0"/>
+        </a:xfrm>
+      </p:grpSpPr>
+      <p:sp>
+        <p:nvSpPr>
+          <p:cNvPr id="1054" name="$ terraform plan…"/>
+          <p:cNvSpPr txBox="1">
+            <a:spLocks noGrp="1"/>
+          </p:cNvSpPr>
+          <p:nvPr>
+            <p:ph type="body" idx="13"/>
+          </p:nvPr>
+        </p:nvSpPr>
+        <p:spPr>
+          <a:xfrm>
+            <a:off x="3128486" y="1293828"/>
+            <a:ext cx="8335328" cy="2503249"/>
+          </a:xfrm>
+          <a:prstGeom prst="rect">
+            <a:avLst/>
+          </a:prstGeom>
+          <a:extLst>
+            <a:ext uri="{C572A759-6A51-4108-AA02-DFA0A04FC94B}">
+              <ma14:wrappingTextBoxFlag xmlns:ma14="http://schemas.microsoft.com/office/mac/drawingml/2011/main" val="1"/>
+            </a:ext>
+          </a:extLst>
+        </p:spPr>
+        <p:txBody>
+          <a:bodyPr/>
+          <a:lstStyle/>
+          <a:p>
+            <a:pPr algn="l">
+              <a:lnSpc>
+                <a:spcPct val="120000"/>
+              </a:lnSpc>
+              <a:defRPr sz="2800">
+                <a:solidFill>
+                  <a:srgbClr val="FFFFFF"/>
+                </a:solidFill>
+                <a:latin typeface="Courier"/>
+                <a:ea typeface="Courier"/>
+                <a:cs typeface="Courier"/>
+                <a:sym typeface="Courier"/>
+              </a:defRPr>
+            </a:pPr>
+            <a:r>
+              <a:rPr sz="1400" dirty="0"/>
+              <a:t>$ terraform </a:t>
+            </a:r>
+            <a:r>
+              <a:rPr sz="1400" dirty="0" smtClean="0"/>
+              <a:t>plan</a:t>
+            </a:r>
+            <a:endParaRPr lang="en-CA" sz="1400" dirty="0" smtClean="0"/>
+          </a:p>
+          <a:p>
+            <a:pPr algn="l">
+              <a:lnSpc>
+                <a:spcPct val="120000"/>
+              </a:lnSpc>
+              <a:defRPr sz="2800">
+                <a:solidFill>
+                  <a:srgbClr val="FFFFFF"/>
+                </a:solidFill>
+                <a:latin typeface="Courier"/>
+                <a:ea typeface="Courier"/>
+                <a:cs typeface="Courier"/>
+                <a:sym typeface="Courier"/>
+              </a:defRPr>
+            </a:pPr>
+            <a:endParaRPr sz="1400" dirty="0"/>
+          </a:p>
+          <a:p>
+            <a:pPr algn="l">
+              <a:lnSpc>
+                <a:spcPct val="120000"/>
+              </a:lnSpc>
+              <a:defRPr sz="2800">
+                <a:solidFill>
+                  <a:schemeClr val="accent2">
+                    <a:hueOff val="-1342298"/>
+                    <a:satOff val="-4651"/>
+                    <a:lumOff val="19617"/>
+                  </a:schemeClr>
+                </a:solidFill>
+                <a:latin typeface="Courier"/>
+                <a:ea typeface="Courier"/>
+                <a:cs typeface="Courier"/>
+                <a:sym typeface="Courier"/>
+              </a:defRPr>
+            </a:pPr>
+            <a:r>
+              <a:rPr lang="en-US" sz="1000" dirty="0"/>
+              <a:t>-/+ </a:t>
+            </a:r>
+            <a:r>
+              <a:rPr lang="en-US" sz="1000" dirty="0" err="1">
+                <a:solidFill>
+                  <a:srgbClr val="FFFF00"/>
+                </a:solidFill>
+              </a:rPr>
+              <a:t>azurerm_resource_group.myfirstrg</a:t>
+            </a:r>
+            <a:r>
+              <a:rPr lang="en-US" sz="1000" dirty="0"/>
+              <a:t> </a:t>
+            </a:r>
+            <a:r>
+              <a:rPr lang="en-US" sz="1000" dirty="0">
+                <a:solidFill>
+                  <a:schemeClr val="bg1"/>
+                </a:solidFill>
+              </a:rPr>
+              <a:t>(new resource required)      </a:t>
+            </a:r>
+            <a:endParaRPr lang="en-US" sz="1000" dirty="0" smtClean="0">
+              <a:solidFill>
+                <a:schemeClr val="bg1"/>
+              </a:solidFill>
+            </a:endParaRPr>
+          </a:p>
+          <a:p>
+            <a:pPr algn="l">
+              <a:lnSpc>
+                <a:spcPct val="120000"/>
+              </a:lnSpc>
+              <a:defRPr sz="2800">
+                <a:solidFill>
+                  <a:schemeClr val="accent2">
+                    <a:hueOff val="-1342298"/>
+                    <a:satOff val="-4651"/>
+                    <a:lumOff val="19617"/>
+                  </a:schemeClr>
+                </a:solidFill>
+                <a:latin typeface="Courier"/>
+                <a:ea typeface="Courier"/>
+                <a:cs typeface="Courier"/>
+                <a:sym typeface="Courier"/>
+              </a:defRPr>
+            </a:pPr>
+            <a:r>
+              <a:rPr lang="en-US" sz="1000" dirty="0"/>
+              <a:t>	</a:t>
+            </a:r>
+            <a:r>
+              <a:rPr lang="en-US" sz="1000" dirty="0" smtClean="0"/>
+              <a:t>id: "/subscriptions/</a:t>
+            </a:r>
+            <a:r>
+              <a:rPr lang="en-US" sz="1000" dirty="0" err="1"/>
+              <a:t>s</a:t>
+            </a:r>
+            <a:r>
+              <a:rPr lang="en-US" sz="1000" dirty="0" err="1" smtClean="0"/>
+              <a:t>resourceGroups</a:t>
+            </a:r>
+            <a:r>
+              <a:rPr lang="en-US" sz="1000" dirty="0" smtClean="0"/>
+              <a:t>/</a:t>
+            </a:r>
+            <a:r>
+              <a:rPr lang="en-US" sz="1000" dirty="0" err="1" smtClean="0"/>
+              <a:t>MyFirstResourceGroup</a:t>
+            </a:r>
+            <a:r>
+              <a:rPr lang="en-US" sz="1000" dirty="0"/>
+              <a:t>" =&gt; &lt;computed&gt; </a:t>
+            </a:r>
+            <a:r>
+              <a:rPr lang="en-US" sz="1000" dirty="0">
+                <a:solidFill>
+                  <a:schemeClr val="bg1"/>
+                </a:solidFill>
+              </a:rPr>
+              <a:t>(forces new resource)      </a:t>
+            </a:r>
+            <a:endParaRPr lang="en-US" sz="1000" dirty="0" smtClean="0">
+              <a:solidFill>
+                <a:schemeClr val="bg1"/>
+              </a:solidFill>
+            </a:endParaRPr>
+          </a:p>
+          <a:p>
+            <a:pPr algn="l">
+              <a:lnSpc>
+                <a:spcPct val="120000"/>
+              </a:lnSpc>
+              <a:defRPr sz="2800">
+                <a:solidFill>
+                  <a:schemeClr val="accent2">
+                    <a:hueOff val="-1342298"/>
+                    <a:satOff val="-4651"/>
+                    <a:lumOff val="19617"/>
+                  </a:schemeClr>
+                </a:solidFill>
+                <a:latin typeface="Courier"/>
+                <a:ea typeface="Courier"/>
+                <a:cs typeface="Courier"/>
+                <a:sym typeface="Courier"/>
+              </a:defRPr>
+            </a:pPr>
+            <a:r>
+              <a:rPr lang="en-US" sz="1000" dirty="0"/>
+              <a:t>	</a:t>
+            </a:r>
+            <a:r>
+              <a:rPr lang="en-US" sz="1000" dirty="0" smtClean="0"/>
+              <a:t>location</a:t>
+            </a:r>
+            <a:r>
+              <a:rPr lang="en-US" sz="1000" dirty="0"/>
+              <a:t>:         "</a:t>
+            </a:r>
+            <a:r>
+              <a:rPr lang="en-US" sz="1000" dirty="0" err="1"/>
+              <a:t>eastus</a:t>
+            </a:r>
+            <a:r>
+              <a:rPr lang="en-US" sz="1000" dirty="0"/>
+              <a:t>" =&gt; "</a:t>
+            </a:r>
+            <a:r>
+              <a:rPr lang="en-US" sz="1000" dirty="0" err="1"/>
+              <a:t>eastus</a:t>
+            </a:r>
+            <a:r>
+              <a:rPr lang="en-US" sz="1000" dirty="0"/>
+              <a:t>"      </a:t>
+            </a:r>
+            <a:endParaRPr lang="en-US" sz="1000" dirty="0" smtClean="0"/>
+          </a:p>
+          <a:p>
+            <a:pPr algn="l">
+              <a:lnSpc>
+                <a:spcPct val="120000"/>
+              </a:lnSpc>
+              <a:defRPr sz="2800">
+                <a:solidFill>
+                  <a:schemeClr val="accent2">
+                    <a:hueOff val="-1342298"/>
+                    <a:satOff val="-4651"/>
+                    <a:lumOff val="19617"/>
+                  </a:schemeClr>
+                </a:solidFill>
+                <a:latin typeface="Courier"/>
+                <a:ea typeface="Courier"/>
+                <a:cs typeface="Courier"/>
+                <a:sym typeface="Courier"/>
+              </a:defRPr>
+            </a:pPr>
+            <a:r>
+              <a:rPr lang="en-US" sz="1000" dirty="0"/>
+              <a:t>	</a:t>
+            </a:r>
+            <a:r>
+              <a:rPr lang="en-US" sz="1000" dirty="0" smtClean="0"/>
+              <a:t>name</a:t>
+            </a:r>
+            <a:r>
+              <a:rPr lang="en-US" sz="1000" dirty="0"/>
+              <a:t>:             "</a:t>
+            </a:r>
+            <a:r>
+              <a:rPr lang="en-US" sz="1000" dirty="0" err="1"/>
+              <a:t>MyFirstResourceGroup</a:t>
+            </a:r>
+            <a:r>
+              <a:rPr lang="en-US" sz="1000" dirty="0"/>
+              <a:t>" =&gt; "</a:t>
+            </a:r>
+            <a:r>
+              <a:rPr lang="en-US" sz="1000" dirty="0" err="1"/>
+              <a:t>myfirstresourcegroup</a:t>
+            </a:r>
+            <a:r>
+              <a:rPr lang="en-US" sz="1000" dirty="0"/>
+              <a:t>" </a:t>
+            </a:r>
+            <a:r>
+              <a:rPr lang="en-US" sz="1000" dirty="0">
+                <a:solidFill>
+                  <a:schemeClr val="bg1"/>
+                </a:solidFill>
+              </a:rPr>
+              <a:t>(forces new resource)      </a:t>
+            </a:r>
+            <a:endParaRPr lang="en-US" sz="1000" dirty="0" smtClean="0">
+              <a:solidFill>
+                <a:schemeClr val="bg1"/>
+              </a:solidFill>
+            </a:endParaRPr>
+          </a:p>
+          <a:p>
+            <a:pPr algn="l">
+              <a:lnSpc>
+                <a:spcPct val="120000"/>
+              </a:lnSpc>
+              <a:defRPr sz="2800">
+                <a:solidFill>
+                  <a:schemeClr val="accent2">
+                    <a:hueOff val="-1342298"/>
+                    <a:satOff val="-4651"/>
+                    <a:lumOff val="19617"/>
+                  </a:schemeClr>
+                </a:solidFill>
+                <a:latin typeface="Courier"/>
+                <a:ea typeface="Courier"/>
+                <a:cs typeface="Courier"/>
+                <a:sym typeface="Courier"/>
+              </a:defRPr>
+            </a:pPr>
+            <a:r>
+              <a:rPr lang="en-US" sz="1000" dirty="0"/>
+              <a:t>	</a:t>
+            </a:r>
+            <a:r>
+              <a:rPr lang="en-US" sz="1000" dirty="0" smtClean="0"/>
+              <a:t>tags</a:t>
+            </a:r>
+            <a:r>
+              <a:rPr lang="en-US" sz="1000" dirty="0"/>
+              <a:t>.%:           "0" =&gt; "1"      </a:t>
+            </a:r>
+            <a:endParaRPr lang="en-US" sz="1000" dirty="0" smtClean="0"/>
+          </a:p>
+          <a:p>
+            <a:pPr algn="l">
+              <a:lnSpc>
+                <a:spcPct val="120000"/>
+              </a:lnSpc>
+              <a:defRPr sz="2800">
+                <a:solidFill>
+                  <a:schemeClr val="accent2">
+                    <a:hueOff val="-1342298"/>
+                    <a:satOff val="-4651"/>
+                    <a:lumOff val="19617"/>
+                  </a:schemeClr>
+                </a:solidFill>
+                <a:latin typeface="Courier"/>
+                <a:ea typeface="Courier"/>
+                <a:cs typeface="Courier"/>
+                <a:sym typeface="Courier"/>
+              </a:defRPr>
+            </a:pPr>
+            <a:r>
+              <a:rPr lang="en-US" sz="1000" dirty="0"/>
+              <a:t>	</a:t>
+            </a:r>
+            <a:r>
+              <a:rPr lang="en-US" sz="1000" dirty="0" err="1" smtClean="0"/>
+              <a:t>tags.environment</a:t>
+            </a:r>
+            <a:r>
+              <a:rPr lang="en-US" sz="1000" dirty="0"/>
+              <a:t>: "" =&gt; "</a:t>
+            </a:r>
+            <a:r>
+              <a:rPr lang="en-US" sz="1000" dirty="0" smtClean="0"/>
+              <a:t>Production”</a:t>
+            </a:r>
+          </a:p>
+          <a:p>
+            <a:pPr algn="l">
+              <a:lnSpc>
+                <a:spcPct val="120000"/>
+              </a:lnSpc>
+              <a:defRPr sz="2800">
+                <a:solidFill>
+                  <a:schemeClr val="accent2">
+                    <a:hueOff val="-1342298"/>
+                    <a:satOff val="-4651"/>
+                    <a:lumOff val="19617"/>
+                  </a:schemeClr>
+                </a:solidFill>
+                <a:latin typeface="Courier"/>
+                <a:ea typeface="Courier"/>
+                <a:cs typeface="Courier"/>
+                <a:sym typeface="Courier"/>
+              </a:defRPr>
+            </a:pPr>
+            <a:endParaRPr lang="en-US" sz="1400" dirty="0"/>
+          </a:p>
+          <a:p>
+            <a:pPr algn="l">
+              <a:lnSpc>
+                <a:spcPct val="120000"/>
+              </a:lnSpc>
+              <a:defRPr sz="2800">
+                <a:solidFill>
+                  <a:schemeClr val="accent2">
+                    <a:hueOff val="-1342298"/>
+                    <a:satOff val="-4651"/>
+                    <a:lumOff val="19617"/>
+                  </a:schemeClr>
+                </a:solidFill>
+                <a:latin typeface="Courier"/>
+                <a:ea typeface="Courier"/>
+                <a:cs typeface="Courier"/>
+                <a:sym typeface="Courier"/>
+              </a:defRPr>
+            </a:pPr>
+            <a:endParaRPr lang="en-US" sz="1400" dirty="0" smtClean="0"/>
+          </a:p>
+          <a:p>
+            <a:pPr algn="l">
+              <a:lnSpc>
+                <a:spcPct val="120000"/>
+              </a:lnSpc>
+              <a:defRPr sz="2800">
+                <a:solidFill>
+                  <a:schemeClr val="accent2">
+                    <a:hueOff val="-1342298"/>
+                    <a:satOff val="-4651"/>
+                    <a:lumOff val="19617"/>
+                  </a:schemeClr>
+                </a:solidFill>
+                <a:latin typeface="Courier"/>
+                <a:ea typeface="Courier"/>
+                <a:cs typeface="Courier"/>
+                <a:sym typeface="Courier"/>
+              </a:defRPr>
+            </a:pPr>
+            <a:r>
+              <a:rPr lang="en-US" sz="1400" dirty="0" smtClean="0">
+                <a:solidFill>
+                  <a:srgbClr val="FFFF00"/>
+                </a:solidFill>
+              </a:rPr>
+              <a:t>Plan</a:t>
+            </a:r>
+            <a:r>
+              <a:rPr lang="en-US" sz="1400" dirty="0"/>
+              <a:t>: 1 to add, 0 to change, 1 to destroy.</a:t>
+            </a:r>
+            <a:endParaRPr sz="1400" dirty="0">
+              <a:solidFill>
+                <a:schemeClr val="tx1"/>
+              </a:solidFill>
+            </a:endParaRPr>
+          </a:p>
+        </p:txBody>
+      </p:sp>
+    </p:spTree>
+    <p:extLst>
+      <p:ext uri="{BB962C8B-B14F-4D97-AF65-F5344CB8AC3E}">
+        <p14:creationId xmlns:p14="http://schemas.microsoft.com/office/powerpoint/2010/main" val="1730283088"/>
+      </p:ext>
+    </p:extLst>
+  </p:cSld>
+  <p:clrMapOvr>
+    <a:masterClrMapping/>
+  </p:clrMapOvr>
+  <p:transition spd="med"/>
+</p:sld>
+</file>
+
+<file path=ppt/slides/slide36.xml><?xml version="1.0" encoding="utf-8"?>
+<p:sld xmlns:a="http://schemas.openxmlformats.org/drawingml/2006/main" xmlns:r="http://schemas.openxmlformats.org/officeDocument/2006/relationships" xmlns:p="http://schemas.openxmlformats.org/presentationml/2006/main">
+  <p:cSld>
+    <p:spTree>
+      <p:nvGrpSpPr>
+        <p:cNvPr id="1" name=""/>
+        <p:cNvGrpSpPr/>
+        <p:nvPr/>
+      </p:nvGrpSpPr>
+      <p:grpSpPr>
+        <a:xfrm>
+          <a:off x="0" y="0"/>
+          <a:ext cx="0" cy="0"/>
+          <a:chOff x="0" y="0"/>
+          <a:chExt cx="0" cy="0"/>
+        </a:xfrm>
+      </p:grpSpPr>
+      <p:sp>
+        <p:nvSpPr>
+          <p:cNvPr id="1066" name="$ terraform apply…"/>
+          <p:cNvSpPr txBox="1">
+            <a:spLocks noGrp="1"/>
+          </p:cNvSpPr>
+          <p:nvPr>
+            <p:ph type="body" idx="13"/>
+          </p:nvPr>
+        </p:nvSpPr>
+        <p:spPr>
+          <a:xfrm>
+            <a:off x="3128486" y="1293828"/>
+            <a:ext cx="8335328" cy="3722045"/>
+          </a:xfrm>
+          <a:prstGeom prst="rect">
+            <a:avLst/>
+          </a:prstGeom>
+          <a:extLst>
+            <a:ext uri="{C572A759-6A51-4108-AA02-DFA0A04FC94B}">
+              <ma14:wrappingTextBoxFlag xmlns:ma14="http://schemas.microsoft.com/office/mac/drawingml/2011/main" val="1"/>
+            </a:ext>
+          </a:extLst>
+        </p:spPr>
+        <p:txBody>
+          <a:bodyPr/>
+          <a:lstStyle/>
+          <a:p>
+            <a:pPr algn="l">
+              <a:lnSpc>
+                <a:spcPct val="120000"/>
+              </a:lnSpc>
+              <a:defRPr sz="2800">
+                <a:solidFill>
+                  <a:srgbClr val="FFFFFF"/>
+                </a:solidFill>
+                <a:latin typeface="Courier"/>
+                <a:ea typeface="Courier"/>
+                <a:cs typeface="Courier"/>
+                <a:sym typeface="Courier"/>
+              </a:defRPr>
+            </a:pPr>
+            <a:r>
+              <a:rPr sz="1400" dirty="0"/>
+              <a:t>$ terraform </a:t>
+            </a:r>
+            <a:r>
+              <a:rPr sz="1400" dirty="0" smtClean="0"/>
+              <a:t>apply</a:t>
+            </a:r>
+            <a:endParaRPr lang="en-CA" sz="1400" dirty="0" smtClean="0"/>
+          </a:p>
+          <a:p>
+            <a:pPr algn="l">
+              <a:lnSpc>
+                <a:spcPct val="120000"/>
+              </a:lnSpc>
+              <a:defRPr sz="2800">
+                <a:solidFill>
+                  <a:srgbClr val="FFFFFF"/>
+                </a:solidFill>
+                <a:latin typeface="Courier"/>
+                <a:ea typeface="Courier"/>
+                <a:cs typeface="Courier"/>
+                <a:sym typeface="Courier"/>
+              </a:defRPr>
+            </a:pPr>
+            <a:endParaRPr sz="1400" dirty="0"/>
+          </a:p>
+          <a:p>
+            <a:pPr algn="l">
+              <a:lnSpc>
+                <a:spcPct val="120000"/>
+              </a:lnSpc>
+              <a:defRPr sz="2800">
+                <a:solidFill>
+                  <a:srgbClr val="FFFFFF"/>
+                </a:solidFill>
+                <a:latin typeface="Courier"/>
+                <a:ea typeface="Courier"/>
+                <a:cs typeface="Courier"/>
+                <a:sym typeface="Courier"/>
+              </a:defRPr>
+            </a:pPr>
+            <a:r>
+              <a:rPr lang="en-US" sz="1400" dirty="0" err="1">
+                <a:solidFill>
+                  <a:srgbClr val="FFFF00"/>
+                </a:solidFill>
+              </a:rPr>
+              <a:t>azurerm_resource_group.myfirstrg</a:t>
+            </a:r>
+            <a:r>
+              <a:rPr lang="en-US" sz="1400" dirty="0">
+                <a:solidFill>
+                  <a:srgbClr val="FFFF00"/>
+                </a:solidFill>
+              </a:rPr>
+              <a:t>: Destroying... (ID: /</a:t>
+            </a:r>
+            <a:r>
+              <a:rPr lang="en-US" sz="1400" dirty="0" smtClean="0">
+                <a:solidFill>
+                  <a:srgbClr val="FFFF00"/>
+                </a:solidFill>
+              </a:rPr>
+              <a:t>subscription/</a:t>
+            </a:r>
+            <a:r>
+              <a:rPr lang="en-US" sz="1400" dirty="0" err="1" smtClean="0">
+                <a:solidFill>
+                  <a:srgbClr val="FFFF00"/>
+                </a:solidFill>
+              </a:rPr>
+              <a:t>resourceGroups</a:t>
+            </a:r>
+            <a:r>
+              <a:rPr lang="en-US" sz="1400" dirty="0" smtClean="0">
+                <a:solidFill>
+                  <a:srgbClr val="FFFF00"/>
+                </a:solidFill>
+              </a:rPr>
+              <a:t>/</a:t>
+            </a:r>
+            <a:r>
+              <a:rPr lang="en-US" sz="1400" dirty="0" err="1" smtClean="0">
+                <a:solidFill>
+                  <a:srgbClr val="FFFF00"/>
+                </a:solidFill>
+              </a:rPr>
+              <a:t>MyFirstResourceGroup</a:t>
+            </a:r>
+            <a:r>
+              <a:rPr lang="en-US" sz="1400" dirty="0">
+                <a:solidFill>
+                  <a:srgbClr val="FFFF00"/>
+                </a:solidFill>
+              </a:rPr>
+              <a:t>)</a:t>
+            </a:r>
+            <a:r>
+              <a:rPr lang="en-US" sz="1400" dirty="0"/>
+              <a:t>	</a:t>
+            </a:r>
+            <a:endParaRPr lang="en-US" sz="1400" dirty="0" smtClean="0"/>
+          </a:p>
+          <a:p>
+            <a:pPr algn="l">
+              <a:lnSpc>
+                <a:spcPct val="120000"/>
+              </a:lnSpc>
+              <a:defRPr sz="2800">
+                <a:solidFill>
+                  <a:srgbClr val="FFFFFF"/>
+                </a:solidFill>
+                <a:latin typeface="Courier"/>
+                <a:ea typeface="Courier"/>
+                <a:cs typeface="Courier"/>
+                <a:sym typeface="Courier"/>
+              </a:defRPr>
+            </a:pPr>
+            <a:r>
+              <a:rPr lang="en-CA" sz="1400" dirty="0" smtClean="0"/>
+              <a:t>	</a:t>
+            </a:r>
+            <a:r>
+              <a:rPr lang="mr-IN" sz="1400" dirty="0" err="1" smtClean="0"/>
+              <a:t>location</a:t>
+            </a:r>
+            <a:r>
+              <a:rPr lang="mr-IN" sz="1400" dirty="0"/>
+              <a:t>:         "" =&gt; "</a:t>
+            </a:r>
+            <a:r>
+              <a:rPr lang="mr-IN" sz="1400" dirty="0" err="1"/>
+              <a:t>eastus</a:t>
+            </a:r>
+            <a:r>
+              <a:rPr lang="mr-IN" sz="1400" dirty="0"/>
+              <a:t>"  </a:t>
+            </a:r>
+            <a:endParaRPr lang="en-CA" sz="1400" dirty="0" smtClean="0"/>
+          </a:p>
+          <a:p>
+            <a:pPr algn="l">
+              <a:lnSpc>
+                <a:spcPct val="120000"/>
+              </a:lnSpc>
+              <a:defRPr sz="2800">
+                <a:solidFill>
+                  <a:srgbClr val="FFFFFF"/>
+                </a:solidFill>
+                <a:latin typeface="Courier"/>
+                <a:ea typeface="Courier"/>
+                <a:cs typeface="Courier"/>
+                <a:sym typeface="Courier"/>
+              </a:defRPr>
+            </a:pPr>
+            <a:r>
+              <a:rPr lang="en-CA" sz="1400" dirty="0"/>
+              <a:t>	</a:t>
+            </a:r>
+            <a:r>
+              <a:rPr lang="mr-IN" sz="1400" dirty="0" err="1" smtClean="0"/>
+              <a:t>name</a:t>
+            </a:r>
+            <a:r>
+              <a:rPr lang="mr-IN" sz="1400" dirty="0"/>
+              <a:t>:             "" =&gt; "</a:t>
+            </a:r>
+            <a:r>
+              <a:rPr lang="mr-IN" sz="1400" dirty="0" err="1"/>
+              <a:t>myfirstresourcegroup</a:t>
+            </a:r>
+            <a:r>
+              <a:rPr lang="mr-IN" sz="1400" dirty="0"/>
+              <a:t>"  </a:t>
+            </a:r>
+            <a:endParaRPr lang="en-CA" sz="1400" dirty="0" smtClean="0"/>
+          </a:p>
+          <a:p>
+            <a:pPr algn="l">
+              <a:lnSpc>
+                <a:spcPct val="120000"/>
+              </a:lnSpc>
+              <a:defRPr sz="2800">
+                <a:solidFill>
+                  <a:srgbClr val="FFFFFF"/>
+                </a:solidFill>
+                <a:latin typeface="Courier"/>
+                <a:ea typeface="Courier"/>
+                <a:cs typeface="Courier"/>
+                <a:sym typeface="Courier"/>
+              </a:defRPr>
+            </a:pPr>
+            <a:r>
+              <a:rPr lang="en-CA" sz="1400" dirty="0"/>
+              <a:t>	</a:t>
+            </a:r>
+            <a:r>
+              <a:rPr lang="mr-IN" sz="1400" dirty="0" err="1" smtClean="0"/>
+              <a:t>tags</a:t>
+            </a:r>
+            <a:r>
+              <a:rPr lang="mr-IN" sz="1400" dirty="0"/>
+              <a:t>.%:           "" =&gt; "1"  </a:t>
+            </a:r>
+            <a:endParaRPr lang="en-CA" sz="1400" dirty="0" smtClean="0"/>
+          </a:p>
+          <a:p>
+            <a:pPr algn="l">
+              <a:lnSpc>
+                <a:spcPct val="120000"/>
+              </a:lnSpc>
+              <a:defRPr sz="2800">
+                <a:solidFill>
+                  <a:srgbClr val="FFFFFF"/>
+                </a:solidFill>
+                <a:latin typeface="Courier"/>
+                <a:ea typeface="Courier"/>
+                <a:cs typeface="Courier"/>
+                <a:sym typeface="Courier"/>
+              </a:defRPr>
+            </a:pPr>
+            <a:r>
+              <a:rPr lang="en-CA" sz="1400" dirty="0"/>
+              <a:t>	</a:t>
+            </a:r>
+            <a:r>
+              <a:rPr lang="mr-IN" sz="1400" dirty="0" err="1" smtClean="0"/>
+              <a:t>tags.environment</a:t>
+            </a:r>
+            <a:r>
+              <a:rPr lang="mr-IN" sz="1400" dirty="0"/>
+              <a:t>: "" =&gt; "</a:t>
+            </a:r>
+            <a:r>
+              <a:rPr lang="mr-IN" sz="1400" dirty="0" err="1"/>
+              <a:t>Production</a:t>
+            </a:r>
+            <a:r>
+              <a:rPr lang="mr-IN" sz="1400" dirty="0"/>
+              <a:t>"</a:t>
+            </a:r>
+            <a:endParaRPr lang="en-US" sz="1400" dirty="0" smtClean="0"/>
+          </a:p>
+          <a:p>
+            <a:pPr algn="l">
+              <a:lnSpc>
+                <a:spcPct val="120000"/>
+              </a:lnSpc>
+              <a:defRPr sz="2800">
+                <a:solidFill>
+                  <a:srgbClr val="FFFFFF"/>
+                </a:solidFill>
+                <a:latin typeface="Courier"/>
+                <a:ea typeface="Courier"/>
+                <a:cs typeface="Courier"/>
+                <a:sym typeface="Courier"/>
+              </a:defRPr>
+            </a:pPr>
+            <a:endParaRPr lang="en-US" sz="1400" dirty="0" smtClean="0">
+              <a:solidFill>
+                <a:srgbClr val="FFFF00"/>
+              </a:solidFill>
+            </a:endParaRPr>
+          </a:p>
+          <a:p>
+            <a:pPr algn="l">
+              <a:lnSpc>
+                <a:spcPct val="120000"/>
+              </a:lnSpc>
+              <a:defRPr sz="2800">
+                <a:solidFill>
+                  <a:srgbClr val="FFFFFF"/>
+                </a:solidFill>
+                <a:latin typeface="Courier"/>
+                <a:ea typeface="Courier"/>
+                <a:cs typeface="Courier"/>
+                <a:sym typeface="Courier"/>
+              </a:defRPr>
+            </a:pPr>
+            <a:endParaRPr lang="en-US" sz="1400" dirty="0">
+              <a:solidFill>
+                <a:srgbClr val="FFFF00"/>
+              </a:solidFill>
+            </a:endParaRPr>
+          </a:p>
+          <a:p>
+            <a:pPr algn="l">
+              <a:lnSpc>
+                <a:spcPct val="120000"/>
+              </a:lnSpc>
+              <a:defRPr sz="2800">
+                <a:solidFill>
+                  <a:srgbClr val="FFFFFF"/>
+                </a:solidFill>
+                <a:latin typeface="Courier"/>
+                <a:ea typeface="Courier"/>
+                <a:cs typeface="Courier"/>
+                <a:sym typeface="Courier"/>
+              </a:defRPr>
+            </a:pPr>
+            <a:r>
+              <a:rPr lang="en-US" sz="1400" dirty="0" err="1">
+                <a:solidFill>
+                  <a:srgbClr val="FFFF00"/>
+                </a:solidFill>
+              </a:rPr>
+              <a:t>azurerm_resource_group.myfirstrg</a:t>
+            </a:r>
+            <a:r>
+              <a:rPr lang="en-US" sz="1400" dirty="0">
+                <a:solidFill>
+                  <a:srgbClr val="FFFF00"/>
+                </a:solidFill>
+              </a:rPr>
+              <a:t>: Creation complete after 1s (ID: /</a:t>
+            </a:r>
+            <a:r>
+              <a:rPr lang="en-US" sz="1400" dirty="0" smtClean="0">
+                <a:solidFill>
+                  <a:srgbClr val="FFFF00"/>
+                </a:solidFill>
+              </a:rPr>
+              <a:t>subscriptions/</a:t>
+            </a:r>
+            <a:r>
+              <a:rPr lang="en-US" sz="1400" dirty="0" err="1" smtClean="0">
+                <a:solidFill>
+                  <a:srgbClr val="FFFF00"/>
+                </a:solidFill>
+              </a:rPr>
+              <a:t>resourceGroups</a:t>
+            </a:r>
+            <a:r>
+              <a:rPr lang="en-US" sz="1400" dirty="0" smtClean="0">
+                <a:solidFill>
+                  <a:srgbClr val="FFFF00"/>
+                </a:solidFill>
+              </a:rPr>
+              <a:t>/</a:t>
+            </a:r>
+            <a:r>
+              <a:rPr lang="en-US" sz="1400" dirty="0" err="1" smtClean="0">
+                <a:solidFill>
+                  <a:srgbClr val="FFFF00"/>
+                </a:solidFill>
+              </a:rPr>
+              <a:t>myfirstresourcegroup</a:t>
+            </a:r>
+            <a:r>
+              <a:rPr lang="en-US" sz="1400" dirty="0" smtClean="0">
+                <a:solidFill>
+                  <a:srgbClr val="FFFF00"/>
+                </a:solidFill>
+              </a:rPr>
+              <a:t>)</a:t>
+            </a:r>
+          </a:p>
+          <a:p>
+            <a:pPr algn="l">
+              <a:lnSpc>
+                <a:spcPct val="120000"/>
+              </a:lnSpc>
+              <a:defRPr sz="2800">
+                <a:solidFill>
+                  <a:srgbClr val="FFFFFF"/>
+                </a:solidFill>
+                <a:latin typeface="Courier"/>
+                <a:ea typeface="Courier"/>
+                <a:cs typeface="Courier"/>
+                <a:sym typeface="Courier"/>
+              </a:defRPr>
+            </a:pPr>
+            <a:endParaRPr lang="en-US" sz="1400" dirty="0"/>
+          </a:p>
+          <a:p>
+            <a:pPr algn="l">
+              <a:lnSpc>
+                <a:spcPct val="120000"/>
+              </a:lnSpc>
+              <a:defRPr sz="2800">
+                <a:solidFill>
+                  <a:srgbClr val="FFFFFF"/>
+                </a:solidFill>
+                <a:latin typeface="Courier"/>
+                <a:ea typeface="Courier"/>
+                <a:cs typeface="Courier"/>
+                <a:sym typeface="Courier"/>
+              </a:defRPr>
+            </a:pPr>
+            <a:r>
+              <a:rPr lang="en-US" sz="1400" dirty="0" smtClean="0">
+                <a:solidFill>
+                  <a:schemeClr val="accent2">
+                    <a:lumMod val="60000"/>
+                    <a:lumOff val="40000"/>
+                  </a:schemeClr>
+                </a:solidFill>
+              </a:rPr>
+              <a:t>Apply </a:t>
+            </a:r>
+            <a:r>
+              <a:rPr lang="en-US" sz="1400" dirty="0">
+                <a:solidFill>
+                  <a:schemeClr val="accent2">
+                    <a:lumMod val="60000"/>
+                    <a:lumOff val="40000"/>
+                  </a:schemeClr>
+                </a:solidFill>
+              </a:rPr>
+              <a:t>complete! Resources: 1 added, 0 changed, </a:t>
+            </a:r>
+            <a:r>
+              <a:rPr lang="en-US" sz="1400" dirty="0" smtClean="0">
+                <a:solidFill>
+                  <a:schemeClr val="accent2">
+                    <a:lumMod val="60000"/>
+                    <a:lumOff val="40000"/>
+                  </a:schemeClr>
+                </a:solidFill>
+              </a:rPr>
+              <a:t>1 </a:t>
+            </a:r>
+            <a:r>
+              <a:rPr lang="en-US" sz="1400" dirty="0">
+                <a:solidFill>
+                  <a:schemeClr val="accent2">
+                    <a:lumMod val="60000"/>
+                    <a:lumOff val="40000"/>
+                  </a:schemeClr>
+                </a:solidFill>
+              </a:rPr>
+              <a:t>destroyed.</a:t>
+            </a:r>
+            <a:endParaRPr sz="1400" dirty="0">
+              <a:solidFill>
+                <a:schemeClr val="accent2">
+                  <a:lumMod val="60000"/>
+                  <a:lumOff val="40000"/>
+                </a:schemeClr>
+              </a:solidFill>
+            </a:endParaRPr>
+          </a:p>
+        </p:txBody>
+      </p:sp>
+    </p:spTree>
+    <p:extLst>
+      <p:ext uri="{BB962C8B-B14F-4D97-AF65-F5344CB8AC3E}">
+        <p14:creationId xmlns:p14="http://schemas.microsoft.com/office/powerpoint/2010/main" val="1545141771"/>
+      </p:ext>
+    </p:extLst>
+  </p:cSld>
+  <p:clrMapOvr>
+    <a:masterClrMapping/>
+  </p:clrMapOvr>
+  <p:transition spd="med"/>
+</p:sld>
+</file>
+
+<file path=ppt/slides/slide37.xml><?xml version="1.0" encoding="utf-8"?>
+<p:sld xmlns:a="http://schemas.openxmlformats.org/drawingml/2006/main" xmlns:r="http://schemas.openxmlformats.org/officeDocument/2006/relationships" xmlns:p="http://schemas.openxmlformats.org/presentationml/2006/main">
+  <p:cSld>
+    <p:spTree>
+      <p:nvGrpSpPr>
+        <p:cNvPr id="1" name=""/>
+        <p:cNvGrpSpPr/>
+        <p:nvPr/>
+      </p:nvGrpSpPr>
+      <p:grpSpPr>
+        <a:xfrm>
+          <a:off x="0" y="0"/>
+          <a:ext cx="0" cy="0"/>
+          <a:chOff x="0" y="0"/>
+          <a:chExt cx="0" cy="0"/>
+        </a:xfrm>
+      </p:grpSpPr>
+      <p:sp>
+        <p:nvSpPr>
+          <p:cNvPr id="125" name="Agenda"/>
+          <p:cNvSpPr txBox="1">
+            <a:spLocks noGrp="1"/>
+          </p:cNvSpPr>
+          <p:nvPr>
+            <p:ph type="title"/>
+          </p:nvPr>
+        </p:nvSpPr>
+        <p:spPr>
+          <a:prstGeom prst="rect">
+            <a:avLst/>
+          </a:prstGeom>
+        </p:spPr>
+        <p:txBody>
+          <a:bodyPr/>
+          <a:lstStyle/>
+          <a:p>
+            <a:r>
+              <a:rPr lang="en-CA" dirty="0" smtClean="0"/>
+              <a:t>Accomplished</a:t>
+            </a:r>
+            <a:endParaRPr dirty="0"/>
+          </a:p>
+        </p:txBody>
+      </p:sp>
+      <p:sp>
+        <p:nvSpPr>
+          <p:cNvPr id="126" name="Evolution of Infrastructure…"/>
+          <p:cNvSpPr txBox="1">
+            <a:spLocks noGrp="1"/>
+          </p:cNvSpPr>
+          <p:nvPr>
+            <p:ph type="body" idx="1"/>
+          </p:nvPr>
+        </p:nvSpPr>
+        <p:spPr>
+          <a:xfrm>
+            <a:off x="889000" y="1924050"/>
+            <a:ext cx="10414000" cy="3810000"/>
+          </a:xfrm>
+          <a:prstGeom prst="rect">
+            <a:avLst/>
+          </a:prstGeom>
+        </p:spPr>
+        <p:txBody>
+          <a:bodyPr>
+            <a:normAutofit/>
+          </a:bodyPr>
+          <a:lstStyle/>
+          <a:p>
+            <a:pPr marL="289560" indent="-289560" defTabSz="235267">
+              <a:spcBef>
+                <a:spcPts val="1100"/>
+              </a:spcBef>
+              <a:buSzPct val="100000"/>
+              <a:buAutoNum type="arabicPeriod"/>
+              <a:defRPr sz="3420"/>
+            </a:pPr>
+            <a:r>
+              <a:rPr lang="en-CA" dirty="0" smtClean="0"/>
+              <a:t>Introduction to Infrastructure as Code</a:t>
+            </a:r>
+          </a:p>
+          <a:p>
+            <a:pPr marL="289560" indent="-289560" defTabSz="235267">
+              <a:spcBef>
+                <a:spcPts val="1100"/>
+              </a:spcBef>
+              <a:buSzPct val="100000"/>
+              <a:buAutoNum type="arabicPeriod"/>
+              <a:defRPr sz="3420"/>
+            </a:pPr>
+            <a:r>
+              <a:rPr lang="en-CA" dirty="0" smtClean="0"/>
+              <a:t>Learned what an Azure Resource Group is</a:t>
+            </a:r>
+          </a:p>
+          <a:p>
+            <a:pPr marL="289560" indent="-289560" defTabSz="235267">
+              <a:spcBef>
+                <a:spcPts val="1100"/>
+              </a:spcBef>
+              <a:buSzPct val="100000"/>
+              <a:buAutoNum type="arabicPeriod"/>
+              <a:defRPr sz="3420"/>
+            </a:pPr>
+            <a:r>
+              <a:rPr lang="en-CA" dirty="0" smtClean="0"/>
+              <a:t>Provisioned our First Resource Group to Azure</a:t>
+            </a:r>
+          </a:p>
+          <a:p>
+            <a:pPr marL="289560" indent="-289560" defTabSz="235267">
+              <a:spcBef>
+                <a:spcPts val="1100"/>
+              </a:spcBef>
+              <a:buSzPct val="100000"/>
+              <a:buAutoNum type="arabicPeriod"/>
+              <a:defRPr sz="3420"/>
+            </a:pPr>
+            <a:endParaRPr lang="en-CA" dirty="0" smtClean="0"/>
+          </a:p>
+          <a:p>
+            <a:pPr marL="289560" indent="-289560" defTabSz="235267">
+              <a:spcBef>
+                <a:spcPts val="1100"/>
+              </a:spcBef>
+              <a:buSzPct val="100000"/>
+              <a:buAutoNum type="arabicPeriod"/>
+              <a:defRPr sz="3420"/>
+            </a:pPr>
+            <a:endParaRPr lang="en-CA" dirty="0" smtClean="0"/>
+          </a:p>
+          <a:p>
+            <a:pPr marL="289560" indent="-289560" defTabSz="235267">
+              <a:spcBef>
+                <a:spcPts val="1100"/>
+              </a:spcBef>
+              <a:buSzPct val="100000"/>
+              <a:buAutoNum type="arabicPeriod"/>
+              <a:defRPr sz="3420"/>
+            </a:pPr>
+            <a:endParaRPr dirty="0"/>
+          </a:p>
+        </p:txBody>
+      </p:sp>
+    </p:spTree>
+    <p:extLst>
+      <p:ext uri="{BB962C8B-B14F-4D97-AF65-F5344CB8AC3E}">
+        <p14:creationId xmlns:p14="http://schemas.microsoft.com/office/powerpoint/2010/main" val="1574238198"/>
+      </p:ext>
+    </p:extLst>
+  </p:cSld>
+  <p:clrMapOvr>
+    <a:masterClrMapping/>
+  </p:clrMapOvr>
+  <p:transition spd="med"/>
+</p:sld>
+</file>
+
+<file path=ppt/slides/slide38.xml><?xml version="1.0" encoding="utf-8"?>
+<p:sld xmlns:a="http://schemas.openxmlformats.org/drawingml/2006/main" xmlns:r="http://schemas.openxmlformats.org/officeDocument/2006/relationships" xmlns:p="http://schemas.openxmlformats.org/presentationml/2006/main">
+  <p:cSld>
+    <p:spTree>
+      <p:nvGrpSpPr>
+        <p:cNvPr id="1" name=""/>
+        <p:cNvGrpSpPr/>
+        <p:nvPr/>
+      </p:nvGrpSpPr>
+      <p:grpSpPr>
+        <a:xfrm>
+          <a:off x="0" y="0"/>
+          <a:ext cx="0" cy="0"/>
+          <a:chOff x="0" y="0"/>
+          <a:chExt cx="0" cy="0"/>
+        </a:xfrm>
+      </p:grpSpPr>
+      <p:sp>
+        <p:nvSpPr>
+          <p:cNvPr id="125" name="Agenda"/>
+          <p:cNvSpPr txBox="1">
+            <a:spLocks noGrp="1"/>
+          </p:cNvSpPr>
+          <p:nvPr>
+            <p:ph type="title"/>
+          </p:nvPr>
+        </p:nvSpPr>
+        <p:spPr>
+          <a:prstGeom prst="rect">
+            <a:avLst/>
+          </a:prstGeom>
+        </p:spPr>
+        <p:txBody>
+          <a:bodyPr/>
+          <a:lstStyle/>
+          <a:p>
+            <a:r>
+              <a:rPr lang="en-CA" dirty="0" smtClean="0"/>
+              <a:t>Quiz</a:t>
+            </a:r>
+            <a:endParaRPr dirty="0"/>
+          </a:p>
+        </p:txBody>
+      </p:sp>
+      <p:sp>
+        <p:nvSpPr>
+          <p:cNvPr id="126" name="Evolution of Infrastructure…"/>
+          <p:cNvSpPr txBox="1">
+            <a:spLocks noGrp="1"/>
+          </p:cNvSpPr>
+          <p:nvPr>
+            <p:ph type="body" idx="1"/>
+          </p:nvPr>
+        </p:nvSpPr>
+        <p:spPr>
+          <a:xfrm>
+            <a:off x="889000" y="1924050"/>
+            <a:ext cx="10414000" cy="3810000"/>
+          </a:xfrm>
+          <a:prstGeom prst="rect">
+            <a:avLst/>
+          </a:prstGeom>
+        </p:spPr>
+        <p:txBody>
+          <a:bodyPr>
+            <a:normAutofit/>
+          </a:bodyPr>
+          <a:lstStyle/>
+          <a:p>
+            <a:pPr marL="289560" indent="-289560" defTabSz="235267">
+              <a:spcBef>
+                <a:spcPts val="1100"/>
+              </a:spcBef>
+              <a:buSzPct val="100000"/>
+              <a:buAutoNum type="arabicPeriod"/>
+              <a:defRPr sz="3420"/>
+            </a:pPr>
+            <a:r>
+              <a:rPr lang="en-CA" dirty="0" smtClean="0"/>
+              <a:t>What is an Azure Resource Group?</a:t>
+            </a:r>
+          </a:p>
+          <a:p>
+            <a:pPr marL="289560" indent="-289560" defTabSz="235267">
+              <a:spcBef>
+                <a:spcPts val="1100"/>
+              </a:spcBef>
+              <a:buSzPct val="100000"/>
+              <a:buAutoNum type="arabicPeriod"/>
+              <a:defRPr sz="3420"/>
+            </a:pPr>
+            <a:r>
+              <a:rPr lang="en-CA" dirty="0" smtClean="0"/>
+              <a:t>What is Infrastructure as Code?</a:t>
+            </a:r>
+          </a:p>
+          <a:p>
+            <a:pPr marL="289560" indent="-289560" defTabSz="235267">
+              <a:spcBef>
+                <a:spcPts val="1100"/>
+              </a:spcBef>
+              <a:buSzPct val="100000"/>
+              <a:buAutoNum type="arabicPeriod"/>
+              <a:defRPr sz="3420"/>
+            </a:pPr>
+            <a:r>
+              <a:rPr lang="en-CA" dirty="0" smtClean="0"/>
+              <a:t>What are the two Terraform commands and how do they differ?</a:t>
+            </a:r>
+          </a:p>
+          <a:p>
+            <a:pPr marL="289560" indent="-289560" defTabSz="235267">
+              <a:spcBef>
+                <a:spcPts val="1100"/>
+              </a:spcBef>
+              <a:buSzPct val="100000"/>
+              <a:buAutoNum type="arabicPeriod"/>
+              <a:defRPr sz="3420"/>
+            </a:pPr>
+            <a:r>
+              <a:rPr lang="en-CA" dirty="0" smtClean="0"/>
+              <a:t>What command allows you to format Terraform Code?</a:t>
+            </a:r>
+          </a:p>
+          <a:p>
+            <a:pPr marL="289560" indent="-289560" defTabSz="235267">
+              <a:spcBef>
+                <a:spcPts val="1100"/>
+              </a:spcBef>
+              <a:buSzPct val="100000"/>
+              <a:buAutoNum type="arabicPeriod"/>
+              <a:defRPr sz="3420"/>
+            </a:pPr>
+            <a:endParaRPr lang="en-CA" dirty="0" smtClean="0"/>
+          </a:p>
+          <a:p>
+            <a:pPr marL="289560" indent="-289560" defTabSz="235267">
+              <a:spcBef>
+                <a:spcPts val="1100"/>
+              </a:spcBef>
+              <a:buSzPct val="100000"/>
+              <a:buAutoNum type="arabicPeriod"/>
+              <a:defRPr sz="3420"/>
+            </a:pPr>
+            <a:endParaRPr lang="en-CA" dirty="0" smtClean="0"/>
+          </a:p>
+          <a:p>
+            <a:pPr marL="289560" indent="-289560" defTabSz="235267">
+              <a:spcBef>
+                <a:spcPts val="1100"/>
+              </a:spcBef>
+              <a:buSzPct val="100000"/>
+              <a:buAutoNum type="arabicPeriod"/>
+              <a:defRPr sz="3420"/>
+            </a:pPr>
+            <a:endParaRPr dirty="0"/>
+          </a:p>
+        </p:txBody>
+      </p:sp>
+    </p:spTree>
+    <p:extLst>
+      <p:ext uri="{BB962C8B-B14F-4D97-AF65-F5344CB8AC3E}">
+        <p14:creationId xmlns:p14="http://schemas.microsoft.com/office/powerpoint/2010/main" val="1767511889"/>
+      </p:ext>
+    </p:extLst>
+  </p:cSld>
+  <p:clrMapOvr>
+    <a:masterClrMapping/>
+  </p:clrMapOvr>
+  <p:transition spd="med"/>
+</p:sld>
+</file>
+
+<file path=ppt/slides/slide39.xml><?xml version="1.0" encoding="utf-8"?>
+<p:sld xmlns:a="http://schemas.openxmlformats.org/drawingml/2006/main" xmlns:r="http://schemas.openxmlformats.org/officeDocument/2006/relationships" xmlns:p="http://schemas.openxmlformats.org/presentationml/2006/main">
+  <p:cSld>
+    <p:spTree>
+      <p:nvGrpSpPr>
+        <p:cNvPr id="1" name=""/>
+        <p:cNvGrpSpPr/>
+        <p:nvPr/>
+      </p:nvGrpSpPr>
+      <p:grpSpPr>
+        <a:xfrm>
+          <a:off x="0" y="0"/>
+          <a:ext cx="0" cy="0"/>
+          <a:chOff x="0" y="0"/>
+          <a:chExt cx="0" cy="0"/>
+        </a:xfrm>
+      </p:grpSpPr>
+      <p:sp>
+        <p:nvSpPr>
+          <p:cNvPr id="1021" name="Command Line Interface"/>
+          <p:cNvSpPr txBox="1">
+            <a:spLocks noGrp="1"/>
+          </p:cNvSpPr>
+          <p:nvPr>
+            <p:ph type="title"/>
+          </p:nvPr>
+        </p:nvSpPr>
+        <p:spPr>
+          <a:prstGeom prst="rect">
+            <a:avLst/>
+          </a:prstGeom>
+        </p:spPr>
+        <p:txBody>
+          <a:bodyPr/>
+          <a:lstStyle/>
+          <a:p>
+            <a:r>
+              <a:rPr lang="en-CA" smtClean="0"/>
+              <a:t>Questions?</a:t>
+            </a:r>
+            <a:endParaRPr/>
+          </a:p>
+        </p:txBody>
+      </p:sp>
+    </p:spTree>
+    <p:extLst>
+      <p:ext uri="{BB962C8B-B14F-4D97-AF65-F5344CB8AC3E}">
+        <p14:creationId xmlns:p14="http://schemas.microsoft.com/office/powerpoint/2010/main" val="1254291000"/>
       </p:ext>
     </p:extLst>
   </p:cSld>
